--- a/trunk/EE398A_FinalProject.pptx
+++ b/trunk/EE398A_FinalProject.pptx
@@ -5,7 +5,7 @@
     <p:sldMasterId id="2147483648" r:id="rId1"/>
   </p:sldMasterIdLst>
   <p:notesMasterIdLst>
-    <p:notesMasterId r:id="rId25"/>
+    <p:notesMasterId r:id="rId31"/>
   </p:notesMasterIdLst>
   <p:sldIdLst>
     <p:sldId id="266" r:id="rId2"/>
@@ -25,12 +25,18 @@
     <p:sldId id="404" r:id="rId16"/>
     <p:sldId id="270" r:id="rId17"/>
     <p:sldId id="292" r:id="rId18"/>
-    <p:sldId id="411" r:id="rId19"/>
-    <p:sldId id="405" r:id="rId20"/>
-    <p:sldId id="407" r:id="rId21"/>
-    <p:sldId id="408" r:id="rId22"/>
-    <p:sldId id="410" r:id="rId23"/>
-    <p:sldId id="376" r:id="rId24"/>
+    <p:sldId id="412" r:id="rId19"/>
+    <p:sldId id="411" r:id="rId20"/>
+    <p:sldId id="413" r:id="rId21"/>
+    <p:sldId id="405" r:id="rId22"/>
+    <p:sldId id="414" r:id="rId23"/>
+    <p:sldId id="407" r:id="rId24"/>
+    <p:sldId id="415" r:id="rId25"/>
+    <p:sldId id="408" r:id="rId26"/>
+    <p:sldId id="416" r:id="rId27"/>
+    <p:sldId id="410" r:id="rId28"/>
+    <p:sldId id="417" r:id="rId29"/>
+    <p:sldId id="376" r:id="rId30"/>
   </p:sldIdLst>
   <p:sldSz cx="9144000" cy="6858000" type="screen4x3"/>
   <p:notesSz cx="6858000" cy="9144000"/>
@@ -271,7 +277,7 @@
               <a:pPr>
                 <a:defRPr/>
               </a:pPr>
-              <a:t>2010-03-06</a:t>
+              <a:t>2010-03-07</a:t>
             </a:fld>
             <a:endParaRPr lang="ko-KR" altLang="en-US"/>
           </a:p>
@@ -681,6 +687,180 @@
 </p:notes>
 </file>
 
+<file path=ppt/notesSlides/notesSlide10.xml><?xml version="1.0" encoding="utf-8"?>
+<p:notes xmlns:a="http://schemas.openxmlformats.org/drawingml/2006/main" xmlns:r="http://schemas.openxmlformats.org/officeDocument/2006/relationships" xmlns:p="http://schemas.openxmlformats.org/presentationml/2006/main">
+  <p:cSld>
+    <p:spTree>
+      <p:nvGrpSpPr>
+        <p:cNvPr id="1" name=""/>
+        <p:cNvGrpSpPr/>
+        <p:nvPr/>
+      </p:nvGrpSpPr>
+      <p:grpSpPr>
+        <a:xfrm>
+          <a:off x="0" y="0"/>
+          <a:ext cx="0" cy="0"/>
+          <a:chOff x="0" y="0"/>
+          <a:chExt cx="0" cy="0"/>
+        </a:xfrm>
+      </p:grpSpPr>
+      <p:sp>
+        <p:nvSpPr>
+          <p:cNvPr id="2" name="Slide Image Placeholder 1"/>
+          <p:cNvSpPr>
+            <a:spLocks noGrp="1" noRot="1" noChangeAspect="1"/>
+          </p:cNvSpPr>
+          <p:nvPr>
+            <p:ph type="sldImg"/>
+          </p:nvPr>
+        </p:nvSpPr>
+        <p:spPr/>
+      </p:sp>
+      <p:sp>
+        <p:nvSpPr>
+          <p:cNvPr id="3" name="Notes Placeholder 2"/>
+          <p:cNvSpPr>
+            <a:spLocks noGrp="1"/>
+          </p:cNvSpPr>
+          <p:nvPr>
+            <p:ph type="body" idx="1"/>
+          </p:nvPr>
+        </p:nvSpPr>
+        <p:spPr/>
+        <p:txBody>
+          <a:bodyPr>
+            <a:normAutofit/>
+          </a:bodyPr>
+          <a:lstStyle/>
+          <a:p>
+            <a:endParaRPr lang="en-US" dirty="0"/>
+          </a:p>
+        </p:txBody>
+      </p:sp>
+      <p:sp>
+        <p:nvSpPr>
+          <p:cNvPr id="4" name="Slide Number Placeholder 3"/>
+          <p:cNvSpPr>
+            <a:spLocks noGrp="1"/>
+          </p:cNvSpPr>
+          <p:nvPr>
+            <p:ph type="sldNum" sz="quarter" idx="10"/>
+          </p:nvPr>
+        </p:nvSpPr>
+        <p:spPr/>
+        <p:txBody>
+          <a:bodyPr/>
+          <a:lstStyle/>
+          <a:p>
+            <a:pPr>
+              <a:defRPr/>
+            </a:pPr>
+            <a:fld id="{AA636275-F0AD-4626-A9C0-7FCBFCC6255E}" type="slidenum">
+              <a:rPr lang="ko-KR" altLang="en-US" smtClean="0"/>
+              <a:pPr>
+                <a:defRPr/>
+              </a:pPr>
+              <a:t>27</a:t>
+            </a:fld>
+            <a:endParaRPr lang="ko-KR" altLang="en-US"/>
+          </a:p>
+        </p:txBody>
+      </p:sp>
+    </p:spTree>
+  </p:cSld>
+  <p:clrMapOvr>
+    <a:masterClrMapping/>
+  </p:clrMapOvr>
+</p:notes>
+</file>
+
+<file path=ppt/notesSlides/notesSlide11.xml><?xml version="1.0" encoding="utf-8"?>
+<p:notes xmlns:a="http://schemas.openxmlformats.org/drawingml/2006/main" xmlns:r="http://schemas.openxmlformats.org/officeDocument/2006/relationships" xmlns:p="http://schemas.openxmlformats.org/presentationml/2006/main">
+  <p:cSld>
+    <p:spTree>
+      <p:nvGrpSpPr>
+        <p:cNvPr id="1" name=""/>
+        <p:cNvGrpSpPr/>
+        <p:nvPr/>
+      </p:nvGrpSpPr>
+      <p:grpSpPr>
+        <a:xfrm>
+          <a:off x="0" y="0"/>
+          <a:ext cx="0" cy="0"/>
+          <a:chOff x="0" y="0"/>
+          <a:chExt cx="0" cy="0"/>
+        </a:xfrm>
+      </p:grpSpPr>
+      <p:sp>
+        <p:nvSpPr>
+          <p:cNvPr id="2" name="Slide Image Placeholder 1"/>
+          <p:cNvSpPr>
+            <a:spLocks noGrp="1" noRot="1" noChangeAspect="1"/>
+          </p:cNvSpPr>
+          <p:nvPr>
+            <p:ph type="sldImg"/>
+          </p:nvPr>
+        </p:nvSpPr>
+        <p:spPr/>
+      </p:sp>
+      <p:sp>
+        <p:nvSpPr>
+          <p:cNvPr id="3" name="Notes Placeholder 2"/>
+          <p:cNvSpPr>
+            <a:spLocks noGrp="1"/>
+          </p:cNvSpPr>
+          <p:nvPr>
+            <p:ph type="body" idx="1"/>
+          </p:nvPr>
+        </p:nvSpPr>
+        <p:spPr/>
+        <p:txBody>
+          <a:bodyPr>
+            <a:normAutofit/>
+          </a:bodyPr>
+          <a:lstStyle/>
+          <a:p>
+            <a:endParaRPr lang="en-US" dirty="0"/>
+          </a:p>
+        </p:txBody>
+      </p:sp>
+      <p:sp>
+        <p:nvSpPr>
+          <p:cNvPr id="4" name="Slide Number Placeholder 3"/>
+          <p:cNvSpPr>
+            <a:spLocks noGrp="1"/>
+          </p:cNvSpPr>
+          <p:nvPr>
+            <p:ph type="sldNum" sz="quarter" idx="10"/>
+          </p:nvPr>
+        </p:nvSpPr>
+        <p:spPr/>
+        <p:txBody>
+          <a:bodyPr/>
+          <a:lstStyle/>
+          <a:p>
+            <a:pPr>
+              <a:defRPr/>
+            </a:pPr>
+            <a:fld id="{AA636275-F0AD-4626-A9C0-7FCBFCC6255E}" type="slidenum">
+              <a:rPr lang="ko-KR" altLang="en-US" smtClean="0"/>
+              <a:pPr>
+                <a:defRPr/>
+              </a:pPr>
+              <a:t>28</a:t>
+            </a:fld>
+            <a:endParaRPr lang="ko-KR" altLang="en-US"/>
+          </a:p>
+        </p:txBody>
+      </p:sp>
+    </p:spTree>
+  </p:cSld>
+  <p:clrMapOvr>
+    <a:masterClrMapping/>
+  </p:clrMapOvr>
+</p:notes>
+</file>
+
 <file path=ppt/notesSlides/notesSlide2.xml><?xml version="1.0" encoding="utf-8"?>
 <p:notes xmlns:a="http://schemas.openxmlformats.org/drawingml/2006/main" xmlns:r="http://schemas.openxmlformats.org/officeDocument/2006/relationships" xmlns:p="http://schemas.openxmlformats.org/presentationml/2006/main">
   <p:cSld>
@@ -736,51 +916,7 @@
                 <a:ea typeface="+mn-ea"/>
                 <a:cs typeface="+mn-cs"/>
               </a:rPr>
-              <a:t>Most inexpensive digital cameras use a color filter array (CFA) with each pixel element of the sensor recording intensity information of one color component, typically red, green, or blue. Although several different CFAs have been proposed, the Bayer CFA [1] shown in Figure 1 is widely used. Here the green filters are in a quincunx (interlaced) grid with the red and blue filters filling up the empty locations. </a:t>
-            </a:r>
-            <a:r>
-              <a:rPr lang="en-US" sz="1200" kern="1200" baseline="0" dirty="0" smtClean="0">
-                <a:solidFill>
-                  <a:schemeClr val="tx1"/>
-                </a:solidFill>
-                <a:latin typeface="+mn-lt"/>
-                <a:ea typeface="+mn-ea"/>
-                <a:cs typeface="+mn-cs"/>
-              </a:rPr>
-              <a:t>This paper </a:t>
-            </a:r>
-            <a:r>
-              <a:rPr lang="en-US" sz="1200" kern="1200" baseline="0" dirty="0" smtClean="0">
-                <a:solidFill>
-                  <a:schemeClr val="tx1"/>
-                </a:solidFill>
-                <a:latin typeface="+mn-lt"/>
-                <a:ea typeface="+mn-ea"/>
-                <a:cs typeface="+mn-cs"/>
-              </a:rPr>
-              <a:t>considers only the Bayer CFA, but the algorithm can </a:t>
-            </a:r>
-            <a:r>
-              <a:rPr lang="en-US" sz="1200" kern="1200" baseline="0" dirty="0" smtClean="0">
-                <a:solidFill>
-                  <a:schemeClr val="tx1"/>
-                </a:solidFill>
-                <a:latin typeface="+mn-lt"/>
-                <a:ea typeface="+mn-ea"/>
-                <a:cs typeface="+mn-cs"/>
-              </a:rPr>
-              <a:t>be adapted </a:t>
-            </a:r>
-            <a:r>
-              <a:rPr lang="en-US" sz="1200" kern="1200" baseline="0" dirty="0" smtClean="0">
-                <a:solidFill>
-                  <a:schemeClr val="tx1"/>
-                </a:solidFill>
-                <a:latin typeface="+mn-lt"/>
-                <a:ea typeface="+mn-ea"/>
-                <a:cs typeface="+mn-cs"/>
-              </a:rPr>
-              <a:t>to other CFAs as well.</a:t>
+              <a:t>Most inexpensive digital cameras use a color filter array (CFA) with each pixel element of the sensor recording intensity information of one color component, typically red, green, or blue. Although several different CFAs have been proposed, the Bayer CFA [1] shown in Figure 1 is widely used. Here the green filters are in a quincunx (interlaced) grid with the red and blue filters filling up the empty locations. This paper considers only the Bayer CFA, but the algorithm can be adapted to other CFAs as well.</a:t>
             </a:r>
             <a:endParaRPr lang="en-US" dirty="0"/>
           </a:p>
@@ -1425,17 +1561,6 @@
           </a:bodyPr>
           <a:lstStyle/>
           <a:p>
-            <a:r>
-              <a:rPr lang="en-US" sz="1200" kern="1200" baseline="0" dirty="0" smtClean="0">
-                <a:solidFill>
-                  <a:schemeClr val="tx1"/>
-                </a:solidFill>
-                <a:latin typeface="+mn-lt"/>
-                <a:ea typeface="+mn-ea"/>
-                <a:cs typeface="+mn-cs"/>
-              </a:rPr>
-              <a:t>The virtual pixels of upper boundary are got from the first even row, i.e., the second row. The virtual pixels of bottom are equal to the original pixels of the second last row, i.e., the pixels of the seventh row. In this method, the smooth filter is applied to the blank points to get pixels ‘ ’ firstly, and then down-sampling operation is realized by the way that the first column and the fourth column are removed in every four columns.</a:t>
-            </a:r>
             <a:endParaRPr lang="en-US" dirty="0"/>
           </a:p>
         </p:txBody>
@@ -1463,7 +1588,7 @@
               <a:pPr>
                 <a:defRPr/>
               </a:pPr>
-              <a:t>21</a:t>
+              <a:t>25</a:t>
             </a:fld>
             <a:endParaRPr lang="ko-KR" altLang="en-US"/>
           </a:p>
@@ -1523,17 +1648,6 @@
           </a:bodyPr>
           <a:lstStyle/>
           <a:p>
-            <a:r>
-              <a:rPr lang="en-US" sz="1200" kern="1200" baseline="0" dirty="0" smtClean="0">
-                <a:solidFill>
-                  <a:schemeClr val="tx1"/>
-                </a:solidFill>
-                <a:latin typeface="+mn-lt"/>
-                <a:ea typeface="+mn-ea"/>
-                <a:cs typeface="+mn-cs"/>
-              </a:rPr>
-              <a:t>In this method, the smooth filter is applied to the blank points to get pixels ‘ O ’ firstly, and then down-sampling operation is followed to removed the original pixels ‘ (colored) O ’. Those down-sampled pixels are lastly emerged into a rectangular shape, which is the transformation operation of G component from quincunx to rectangle. The low-pass filter reduces high frequency contents not only in the vertical direction but also in the horizontal direction, which can improve the compression performance.</a:t>
-            </a:r>
             <a:endParaRPr lang="en-US" dirty="0"/>
           </a:p>
         </p:txBody>
@@ -1561,7 +1675,7 @@
               <a:pPr>
                 <a:defRPr/>
               </a:pPr>
-              <a:t>22</a:t>
+              <a:t>26</a:t>
             </a:fld>
             <a:endParaRPr lang="ko-KR" altLang="en-US"/>
           </a:p>
@@ -1766,7 +1880,7 @@
               <a:pPr>
                 <a:defRPr/>
               </a:pPr>
-              <a:t>2010-03-06</a:t>
+              <a:t>2010-03-07</a:t>
             </a:fld>
             <a:endParaRPr lang="ko-KR" altLang="en-US"/>
           </a:p>
@@ -1958,7 +2072,7 @@
               <a:pPr>
                 <a:defRPr/>
               </a:pPr>
-              <a:t>2010-03-06</a:t>
+              <a:t>2010-03-07</a:t>
             </a:fld>
             <a:endParaRPr lang="ko-KR" altLang="en-US"/>
           </a:p>
@@ -2160,7 +2274,7 @@
               <a:pPr>
                 <a:defRPr/>
               </a:pPr>
-              <a:t>2010-03-06</a:t>
+              <a:t>2010-03-07</a:t>
             </a:fld>
             <a:endParaRPr lang="ko-KR" altLang="en-US"/>
           </a:p>
@@ -2352,7 +2466,7 @@
               <a:pPr>
                 <a:defRPr/>
               </a:pPr>
-              <a:t>2010-03-06</a:t>
+              <a:t>2010-03-07</a:t>
             </a:fld>
             <a:endParaRPr lang="ko-KR" altLang="en-US"/>
           </a:p>
@@ -2620,7 +2734,7 @@
               <a:pPr>
                 <a:defRPr/>
               </a:pPr>
-              <a:t>2010-03-06</a:t>
+              <a:t>2010-03-07</a:t>
             </a:fld>
             <a:endParaRPr lang="ko-KR" altLang="en-US"/>
           </a:p>
@@ -2930,7 +3044,7 @@
               <a:pPr>
                 <a:defRPr/>
               </a:pPr>
-              <a:t>2010-03-06</a:t>
+              <a:t>2010-03-07</a:t>
             </a:fld>
             <a:endParaRPr lang="ko-KR" altLang="en-US"/>
           </a:p>
@@ -3374,7 +3488,7 @@
               <a:pPr>
                 <a:defRPr/>
               </a:pPr>
-              <a:t>2010-03-06</a:t>
+              <a:t>2010-03-07</a:t>
             </a:fld>
             <a:endParaRPr lang="ko-KR" altLang="en-US"/>
           </a:p>
@@ -3514,7 +3628,7 @@
               <a:pPr>
                 <a:defRPr/>
               </a:pPr>
-              <a:t>2010-03-06</a:t>
+              <a:t>2010-03-07</a:t>
             </a:fld>
             <a:endParaRPr lang="ko-KR" altLang="en-US"/>
           </a:p>
@@ -3631,7 +3745,7 @@
               <a:pPr>
                 <a:defRPr/>
               </a:pPr>
-              <a:t>2010-03-06</a:t>
+              <a:t>2010-03-07</a:t>
             </a:fld>
             <a:endParaRPr lang="ko-KR" altLang="en-US"/>
           </a:p>
@@ -3930,7 +4044,7 @@
               <a:pPr>
                 <a:defRPr/>
               </a:pPr>
-              <a:t>2010-03-06</a:t>
+              <a:t>2010-03-07</a:t>
             </a:fld>
             <a:endParaRPr lang="ko-KR" altLang="en-US"/>
           </a:p>
@@ -4208,7 +4322,7 @@
               <a:pPr>
                 <a:defRPr/>
               </a:pPr>
-              <a:t>2010-03-06</a:t>
+              <a:t>2010-03-07</a:t>
             </a:fld>
             <a:endParaRPr lang="ko-KR" altLang="en-US"/>
           </a:p>
@@ -4473,7 +4587,7 @@
               <a:pPr>
                 <a:defRPr/>
               </a:pPr>
-              <a:t>2010-03-06</a:t>
+              <a:t>2010-03-07</a:t>
             </a:fld>
             <a:endParaRPr lang="ko-KR" altLang="en-US"/>
           </a:p>
@@ -6378,15 +6492,7 @@
                 <a:ea typeface="Tahoma" pitchFamily="34" charset="0"/>
                 <a:cs typeface="Tahoma" pitchFamily="34" charset="0"/>
               </a:rPr>
-              <a:t>Color space </a:t>
-            </a:r>
-            <a:r>
-              <a:rPr lang="en-US" altLang="ko-KR" dirty="0" smtClean="0">
-                <a:latin typeface="Trebuchet MS" pitchFamily="34" charset="0"/>
-                <a:ea typeface="Tahoma" pitchFamily="34" charset="0"/>
-                <a:cs typeface="Tahoma" pitchFamily="34" charset="0"/>
-              </a:rPr>
-              <a:t>conversion.</a:t>
+              <a:t>Color space conversion.</a:t>
             </a:r>
             <a:endParaRPr lang="en-US" dirty="0" smtClean="0">
               <a:latin typeface="Trebuchet MS" pitchFamily="34" charset="0"/>
@@ -6484,15 +6590,7 @@
                 <a:ea typeface="Tahoma" pitchFamily="34" charset="0"/>
                 <a:cs typeface="Tahoma" pitchFamily="34" charset="0"/>
               </a:rPr>
-              <a:t> Color </a:t>
-            </a:r>
-            <a:r>
-              <a:rPr lang="en-US" altLang="ko-KR" dirty="0" smtClean="0">
-                <a:latin typeface="Trebuchet MS" pitchFamily="34" charset="0"/>
-                <a:ea typeface="Tahoma" pitchFamily="34" charset="0"/>
-                <a:cs typeface="Tahoma" pitchFamily="34" charset="0"/>
-              </a:rPr>
-              <a:t>components.</a:t>
+              <a:t> Color components.</a:t>
             </a:r>
             <a:endParaRPr lang="en-US" dirty="0" smtClean="0">
               <a:latin typeface="Trebuchet MS" pitchFamily="34" charset="0"/>
@@ -8884,33 +8982,7 @@
                 <a:latin typeface="+mn-lt"/>
                 <a:ea typeface="+mj-ea"/>
               </a:rPr>
-              <a:t>Results of Existing </a:t>
-            </a:r>
-            <a:r>
-              <a:rPr kumimoji="0" lang="en-US" altLang="ko-KR" sz="1400" dirty="0" smtClean="0">
-                <a:solidFill>
-                  <a:schemeClr val="tx1">
-                    <a:lumMod val="65000"/>
-                    <a:lumOff val="35000"/>
-                  </a:schemeClr>
-                </a:solidFill>
-                <a:latin typeface="+mn-lt"/>
-                <a:ea typeface="+mj-ea"/>
-              </a:rPr>
-              <a:t>Solutions </a:t>
-            </a:r>
-            <a:r>
-              <a:rPr kumimoji="0" lang="en-US" altLang="ko-KR" sz="1400" dirty="0" smtClean="0">
-                <a:solidFill>
-                  <a:schemeClr val="tx1">
-                    <a:lumMod val="65000"/>
-                    <a:lumOff val="35000"/>
-                  </a:schemeClr>
-                </a:solidFill>
-                <a:latin typeface="+mn-lt"/>
-                <a:ea typeface="+mj-ea"/>
-              </a:rPr>
-              <a:t>I</a:t>
+              <a:t>Results of Existing Solutions I</a:t>
             </a:r>
             <a:endParaRPr kumimoji="0" lang="ko-KR" altLang="en-US" sz="1400" dirty="0">
               <a:solidFill>
@@ -9482,33 +9554,7 @@
                 <a:latin typeface="+mn-lt"/>
                 <a:ea typeface="+mj-ea"/>
               </a:rPr>
-              <a:t>Results of Existing </a:t>
-            </a:r>
-            <a:r>
-              <a:rPr kumimoji="0" lang="en-US" altLang="ko-KR" sz="1400" dirty="0" smtClean="0">
-                <a:solidFill>
-                  <a:schemeClr val="tx1">
-                    <a:lumMod val="65000"/>
-                    <a:lumOff val="35000"/>
-                  </a:schemeClr>
-                </a:solidFill>
-                <a:latin typeface="+mn-lt"/>
-                <a:ea typeface="+mj-ea"/>
-              </a:rPr>
-              <a:t>Solutions </a:t>
-            </a:r>
-            <a:r>
-              <a:rPr kumimoji="0" lang="en-US" altLang="ko-KR" sz="1400" dirty="0" smtClean="0">
-                <a:solidFill>
-                  <a:schemeClr val="tx1">
-                    <a:lumMod val="65000"/>
-                    <a:lumOff val="35000"/>
-                  </a:schemeClr>
-                </a:solidFill>
-                <a:latin typeface="+mn-lt"/>
-                <a:ea typeface="+mj-ea"/>
-              </a:rPr>
-              <a:t>I</a:t>
+              <a:t>Results of Existing Solutions I</a:t>
             </a:r>
             <a:endParaRPr kumimoji="0" lang="ko-KR" altLang="en-US" sz="1400" dirty="0">
               <a:solidFill>
@@ -9626,9 +9672,63 @@
           </a:p>
         </p:txBody>
       </p:sp>
+      <p:sp>
+        <p:nvSpPr>
+          <p:cNvPr id="11" name="TextBox 10"/>
+          <p:cNvSpPr txBox="1"/>
+          <p:nvPr/>
+        </p:nvSpPr>
+        <p:spPr>
+          <a:xfrm>
+            <a:off x="2000232" y="5643578"/>
+            <a:ext cx="5857916" cy="369332"/>
+          </a:xfrm>
+          <a:prstGeom prst="rect">
+            <a:avLst/>
+          </a:prstGeom>
+          <a:noFill/>
+        </p:spPr>
+        <p:txBody>
+          <a:bodyPr wrap="square" rtlCol="0">
+            <a:spAutoFit/>
+          </a:bodyPr>
+          <a:lstStyle/>
+          <a:p>
+            <a:r>
+              <a:rPr lang="en-US" dirty="0" smtClean="0">
+                <a:latin typeface="Trebuchet MS" pitchFamily="34" charset="0"/>
+                <a:ea typeface="Tahoma" pitchFamily="34" charset="0"/>
+                <a:cs typeface="Tahoma" pitchFamily="34" charset="0"/>
+              </a:rPr>
+              <a:t>Quality : 75 , </a:t>
+            </a:r>
+            <a:r>
+              <a:rPr lang="en-US" dirty="0" err="1" smtClean="0">
+                <a:latin typeface="Trebuchet MS" pitchFamily="34" charset="0"/>
+                <a:ea typeface="Tahoma" pitchFamily="34" charset="0"/>
+                <a:cs typeface="Tahoma" pitchFamily="34" charset="0"/>
+              </a:rPr>
+              <a:t>Demosaic</a:t>
+            </a:r>
+            <a:r>
+              <a:rPr lang="en-US" dirty="0" smtClean="0">
+                <a:latin typeface="Trebuchet MS" pitchFamily="34" charset="0"/>
+                <a:ea typeface="Tahoma" pitchFamily="34" charset="0"/>
+                <a:cs typeface="Tahoma" pitchFamily="34" charset="0"/>
+              </a:rPr>
+              <a:t> method : frequency</a:t>
+            </a:r>
+            <a:endParaRPr lang="en-US" dirty="0" smtClean="0">
+              <a:latin typeface="Trebuchet MS" pitchFamily="34" charset="0"/>
+              <a:ea typeface="Tahoma" pitchFamily="34" charset="0"/>
+              <a:cs typeface="Tahoma" pitchFamily="34" charset="0"/>
+            </a:endParaRPr>
+          </a:p>
+        </p:txBody>
+      </p:sp>
       <p:pic>
         <p:nvPicPr>
-          <p:cNvPr id="5122" name="Picture 2"/>
+          <p:cNvPr id="1027" name="Picture 3"/>
           <p:cNvPicPr>
             <a:picLocks noChangeAspect="1" noChangeArrowheads="1"/>
           </p:cNvPicPr>
@@ -9643,8 +9743,8 @@
         </p:blipFill>
         <p:spPr bwMode="auto">
           <a:xfrm>
-            <a:off x="357158" y="2357430"/>
-            <a:ext cx="8472854" cy="2643206"/>
+            <a:off x="314325" y="2571744"/>
+            <a:ext cx="8401079" cy="2791297"/>
           </a:xfrm>
           <a:prstGeom prst="rect">
             <a:avLst/>
@@ -9931,33 +10031,7 @@
                 <a:latin typeface="+mn-lt"/>
                 <a:ea typeface="+mj-ea"/>
               </a:rPr>
-              <a:t>Results of Existing </a:t>
-            </a:r>
-            <a:r>
-              <a:rPr kumimoji="0" lang="en-US" altLang="ko-KR" sz="1400" dirty="0" smtClean="0">
-                <a:solidFill>
-                  <a:schemeClr val="tx1">
-                    <a:lumMod val="65000"/>
-                    <a:lumOff val="35000"/>
-                  </a:schemeClr>
-                </a:solidFill>
-                <a:latin typeface="+mn-lt"/>
-                <a:ea typeface="+mj-ea"/>
-              </a:rPr>
-              <a:t>Solutions </a:t>
-            </a:r>
-            <a:r>
-              <a:rPr kumimoji="0" lang="en-US" altLang="ko-KR" sz="1400" dirty="0" smtClean="0">
-                <a:solidFill>
-                  <a:schemeClr val="tx1">
-                    <a:lumMod val="65000"/>
-                    <a:lumOff val="35000"/>
-                  </a:schemeClr>
-                </a:solidFill>
-                <a:latin typeface="+mn-lt"/>
-                <a:ea typeface="+mj-ea"/>
-              </a:rPr>
-              <a:t>I</a:t>
+              <a:t>Results of Existing Solutions I</a:t>
             </a:r>
             <a:endParaRPr kumimoji="0" lang="ko-KR" altLang="en-US" sz="1400" dirty="0">
               <a:solidFill>
@@ -10029,14 +10103,14 @@
       </p:sp>
       <p:sp>
         <p:nvSpPr>
-          <p:cNvPr id="17" name="TextBox 16"/>
+          <p:cNvPr id="15" name="TextBox 14"/>
           <p:cNvSpPr txBox="1"/>
           <p:nvPr/>
         </p:nvSpPr>
         <p:spPr>
           <a:xfrm>
             <a:off x="428596" y="1857364"/>
-            <a:ext cx="2643206" cy="369332"/>
+            <a:ext cx="2071702" cy="369332"/>
           </a:xfrm>
           <a:prstGeom prst="rect">
             <a:avLst/>
@@ -10067,7 +10141,7 @@
               <a:rPr lang="en-US" dirty="0" smtClean="0">
                 <a:latin typeface="Trebuchet MS" pitchFamily="34" charset="0"/>
               </a:rPr>
-              <a:t>Simple Merging</a:t>
+              <a:t>Direct apply JPEG</a:t>
             </a:r>
             <a:endParaRPr lang="en-US" dirty="0">
               <a:latin typeface="Trebuchet MS" pitchFamily="34" charset="0"/>
@@ -10075,6 +10149,92 @@
           </a:p>
         </p:txBody>
       </p:sp>
+      <p:sp>
+        <p:nvSpPr>
+          <p:cNvPr id="11" name="TextBox 10"/>
+          <p:cNvSpPr txBox="1"/>
+          <p:nvPr/>
+        </p:nvSpPr>
+        <p:spPr>
+          <a:xfrm>
+            <a:off x="2000232" y="5643578"/>
+            <a:ext cx="5857916" cy="369332"/>
+          </a:xfrm>
+          <a:prstGeom prst="rect">
+            <a:avLst/>
+          </a:prstGeom>
+          <a:noFill/>
+        </p:spPr>
+        <p:txBody>
+          <a:bodyPr wrap="square" rtlCol="0">
+            <a:spAutoFit/>
+          </a:bodyPr>
+          <a:lstStyle/>
+          <a:p>
+            <a:r>
+              <a:rPr lang="en-US" dirty="0" smtClean="0">
+                <a:latin typeface="Trebuchet MS" pitchFamily="34" charset="0"/>
+                <a:ea typeface="Tahoma" pitchFamily="34" charset="0"/>
+                <a:cs typeface="Tahoma" pitchFamily="34" charset="0"/>
+              </a:rPr>
+              <a:t>Quality : 75 , </a:t>
+            </a:r>
+            <a:r>
+              <a:rPr lang="en-US" dirty="0" err="1" smtClean="0">
+                <a:latin typeface="Trebuchet MS" pitchFamily="34" charset="0"/>
+                <a:ea typeface="Tahoma" pitchFamily="34" charset="0"/>
+                <a:cs typeface="Tahoma" pitchFamily="34" charset="0"/>
+              </a:rPr>
+              <a:t>Demosaic</a:t>
+            </a:r>
+            <a:r>
+              <a:rPr lang="en-US" dirty="0" smtClean="0">
+                <a:latin typeface="Trebuchet MS" pitchFamily="34" charset="0"/>
+                <a:ea typeface="Tahoma" pitchFamily="34" charset="0"/>
+                <a:cs typeface="Tahoma" pitchFamily="34" charset="0"/>
+              </a:rPr>
+              <a:t> method : frequency</a:t>
+            </a:r>
+            <a:endParaRPr lang="en-US" dirty="0" smtClean="0">
+              <a:latin typeface="Trebuchet MS" pitchFamily="34" charset="0"/>
+              <a:ea typeface="Tahoma" pitchFamily="34" charset="0"/>
+              <a:cs typeface="Tahoma" pitchFamily="34" charset="0"/>
+            </a:endParaRPr>
+          </a:p>
+        </p:txBody>
+      </p:sp>
+      <p:pic>
+        <p:nvPicPr>
+          <p:cNvPr id="2051" name="Picture 3"/>
+          <p:cNvPicPr>
+            <a:picLocks noChangeAspect="1" noChangeArrowheads="1"/>
+          </p:cNvPicPr>
+          <p:nvPr/>
+        </p:nvPicPr>
+        <p:blipFill>
+          <a:blip r:embed="rId2" cstate="print"/>
+          <a:srcRect/>
+          <a:stretch>
+            <a:fillRect/>
+          </a:stretch>
+        </p:blipFill>
+        <p:spPr bwMode="auto">
+          <a:xfrm>
+            <a:off x="214282" y="2500306"/>
+            <a:ext cx="8572560" cy="3013498"/>
+          </a:xfrm>
+          <a:prstGeom prst="rect">
+            <a:avLst/>
+          </a:prstGeom>
+          <a:noFill/>
+          <a:ln w="9525">
+            <a:noFill/>
+            <a:miter lim="800000"/>
+            <a:headEnd/>
+            <a:tailEnd/>
+          </a:ln>
+        </p:spPr>
+      </p:pic>
     </p:spTree>
   </p:cSld>
   <p:clrMapOvr>
@@ -10112,7 +10272,7 @@
       </p:grpSpPr>
       <p:sp>
         <p:nvSpPr>
-          <p:cNvPr id="10244" name="TextBox 3"/>
+          <p:cNvPr id="13314" name="TextBox 4"/>
           <p:cNvSpPr txBox="1">
             <a:spLocks noChangeArrowheads="1"/>
           </p:cNvSpPr>
@@ -10121,7 +10281,7 @@
         <p:spPr bwMode="auto">
           <a:xfrm>
             <a:off x="285750" y="457200"/>
-            <a:ext cx="325730" cy="400110"/>
+            <a:ext cx="325438" cy="400050"/>
           </a:xfrm>
           <a:prstGeom prst="rect">
             <a:avLst/>
@@ -10141,7 +10301,7 @@
           <a:lstStyle/>
           <a:p>
             <a:r>
-              <a:rPr kumimoji="0" lang="en-US" altLang="ko-KR" sz="2000" dirty="0" smtClean="0">
+              <a:rPr kumimoji="0" lang="en-US" altLang="ko-KR" sz="2000" dirty="0">
                 <a:solidFill>
                   <a:srgbClr val="FF5001"/>
                 </a:solidFill>
@@ -10162,7 +10322,7 @@
       </p:sp>
       <p:cxnSp>
         <p:nvCxnSpPr>
-          <p:cNvPr id="5" name="직선 연결선 4"/>
+          <p:cNvPr id="6" name="직선 연결선 5"/>
           <p:cNvCxnSpPr/>
           <p:nvPr/>
         </p:nvCxnSpPr>
@@ -10199,7 +10359,7 @@
       </p:cxnSp>
       <p:sp>
         <p:nvSpPr>
-          <p:cNvPr id="17" name="슬라이드 번호 개체 틀 16"/>
+          <p:cNvPr id="22" name="슬라이드 번호 개체 틀 21"/>
           <p:cNvSpPr>
             <a:spLocks noGrp="1"/>
           </p:cNvSpPr>
@@ -10228,14 +10388,14 @@
       </p:sp>
       <p:sp>
         <p:nvSpPr>
-          <p:cNvPr id="18" name="TextBox 17"/>
+          <p:cNvPr id="12" name="TextBox 11"/>
           <p:cNvSpPr txBox="1"/>
           <p:nvPr/>
         </p:nvSpPr>
         <p:spPr>
           <a:xfrm>
-            <a:off x="214313" y="49213"/>
-            <a:ext cx="4286250" cy="307975"/>
+            <a:off x="285750" y="912813"/>
+            <a:ext cx="5643572" cy="215444"/>
           </a:xfrm>
           <a:prstGeom prst="rect">
             <a:avLst/>
@@ -10243,7 +10403,7 @@
           <a:noFill/>
         </p:spPr>
         <p:txBody>
-          <a:bodyPr>
+          <a:bodyPr wrap="square">
             <a:spAutoFit/>
           </a:bodyPr>
           <a:lstStyle/>
@@ -10258,62 +10418,17 @@
               <a:defRPr/>
             </a:pPr>
             <a:r>
-              <a:rPr kumimoji="0" lang="en-US" altLang="ko-KR" sz="1400" dirty="0" smtClean="0">
-                <a:solidFill>
-                  <a:schemeClr val="bg1">
-                    <a:lumMod val="85000"/>
-                  </a:schemeClr>
-                </a:solidFill>
-                <a:latin typeface="BankGothic Md BT" pitchFamily="34" charset="0"/>
+              <a:rPr kumimoji="0" lang="en-US" altLang="ko-KR" sz="800" dirty="0" smtClean="0">
+                <a:solidFill>
+                  <a:srgbClr val="FF5001"/>
+                </a:solidFill>
+                <a:latin typeface="+mn-lt"/>
                 <a:ea typeface="+mn-ea"/>
               </a:rPr>
-              <a:t>EE398A 	Final Project</a:t>
-            </a:r>
-            <a:endParaRPr kumimoji="0" lang="ko-KR" altLang="en-US" sz="1400" dirty="0">
-              <a:solidFill>
-                <a:schemeClr val="bg1">
-                  <a:lumMod val="85000"/>
-                </a:schemeClr>
-              </a:solidFill>
-              <a:latin typeface="BankGothic Md BT" pitchFamily="34" charset="0"/>
-              <a:ea typeface="+mn-ea"/>
-            </a:endParaRPr>
-          </a:p>
-        </p:txBody>
-      </p:sp>
-      <p:sp>
-        <p:nvSpPr>
-          <p:cNvPr id="19" name="TextBox 18"/>
-          <p:cNvSpPr txBox="1"/>
-          <p:nvPr/>
-        </p:nvSpPr>
-        <p:spPr>
-          <a:xfrm>
-            <a:off x="520700" y="506413"/>
-            <a:ext cx="2644314" cy="307777"/>
-          </a:xfrm>
-          <a:prstGeom prst="rect">
-            <a:avLst/>
-          </a:prstGeom>
-          <a:noFill/>
-        </p:spPr>
-        <p:txBody>
-          <a:bodyPr wrap="none">
-            <a:spAutoFit/>
-          </a:bodyPr>
-          <a:lstStyle/>
-          <a:p>
-            <a:pPr fontAlgn="auto">
-              <a:spcBef>
-                <a:spcPts val="0"/>
-              </a:spcBef>
-              <a:spcAft>
-                <a:spcPts val="0"/>
-              </a:spcAft>
-              <a:defRPr/>
-            </a:pPr>
-            <a:r>
-              <a:rPr kumimoji="0" lang="en-US" altLang="ko-KR" sz="1400" dirty="0" smtClean="0">
+              <a:t>Conventional Method</a:t>
+            </a:r>
+            <a:r>
+              <a:rPr kumimoji="0" lang="ko-KR" altLang="en-US" sz="800" dirty="0" smtClean="0">
                 <a:solidFill>
                   <a:schemeClr val="tx1">
                     <a:lumMod val="65000"/>
@@ -10321,12 +10436,12 @@
                   </a:schemeClr>
                 </a:solidFill>
                 <a:latin typeface="+mn-lt"/>
-                <a:ea typeface="+mj-ea"/>
-              </a:rPr>
-              <a:t>Results of Existing </a:t>
-            </a:r>
-            <a:r>
-              <a:rPr kumimoji="0" lang="en-US" altLang="ko-KR" sz="1400" dirty="0" smtClean="0">
+                <a:ea typeface="+mn-ea"/>
+              </a:rPr>
+              <a:t>   </a:t>
+            </a:r>
+            <a:r>
+              <a:rPr kumimoji="0" lang="en-US" altLang="ko-KR" sz="800" dirty="0" smtClean="0">
                 <a:solidFill>
                   <a:schemeClr val="tx1">
                     <a:lumMod val="65000"/>
@@ -10334,10 +10449,54 @@
                   </a:schemeClr>
                 </a:solidFill>
                 <a:latin typeface="+mn-lt"/>
-                <a:ea typeface="+mj-ea"/>
-              </a:rPr>
-              <a:t>Solutions </a:t>
-            </a:r>
+                <a:ea typeface="+mn-ea"/>
+              </a:rPr>
+              <a:t>/  Structure Conversion  /  Structure Separation  /   Low-pass Filtering</a:t>
+            </a:r>
+            <a:endParaRPr kumimoji="0" lang="ko-KR" altLang="en-US" sz="800" dirty="0">
+              <a:solidFill>
+                <a:schemeClr val="tx1">
+                  <a:lumMod val="65000"/>
+                  <a:lumOff val="35000"/>
+                </a:schemeClr>
+              </a:solidFill>
+              <a:latin typeface="+mn-lt"/>
+              <a:ea typeface="+mn-ea"/>
+            </a:endParaRPr>
+          </a:p>
+        </p:txBody>
+      </p:sp>
+      <p:sp>
+        <p:nvSpPr>
+          <p:cNvPr id="13" name="TextBox 12"/>
+          <p:cNvSpPr txBox="1"/>
+          <p:nvPr/>
+        </p:nvSpPr>
+        <p:spPr>
+          <a:xfrm>
+            <a:off x="520700" y="506413"/>
+            <a:ext cx="2644314" cy="307777"/>
+          </a:xfrm>
+          <a:prstGeom prst="rect">
+            <a:avLst/>
+          </a:prstGeom>
+          <a:noFill/>
+        </p:spPr>
+        <p:txBody>
+          <a:bodyPr wrap="none">
+            <a:spAutoFit/>
+          </a:bodyPr>
+          <a:lstStyle/>
+          <a:p>
+            <a:pPr fontAlgn="auto">
+              <a:spcBef>
+                <a:spcPts val="0"/>
+              </a:spcBef>
+              <a:spcAft>
+                <a:spcPts val="0"/>
+              </a:spcAft>
+              <a:defRPr/>
+            </a:pPr>
             <a:r>
               <a:rPr kumimoji="0" lang="en-US" altLang="ko-KR" sz="1400" dirty="0" smtClean="0">
                 <a:solidFill>
@@ -10349,7 +10508,7 @@
                 <a:latin typeface="+mn-lt"/>
                 <a:ea typeface="+mj-ea"/>
               </a:rPr>
-              <a:t>I</a:t>
+              <a:t>Results of Existing Solutions I</a:t>
             </a:r>
             <a:endParaRPr kumimoji="0" lang="ko-KR" altLang="en-US" sz="1400" dirty="0">
               <a:solidFill>
@@ -10366,14 +10525,14 @@
       </p:sp>
       <p:sp>
         <p:nvSpPr>
-          <p:cNvPr id="20" name="TextBox 19"/>
+          <p:cNvPr id="14" name="TextBox 13"/>
           <p:cNvSpPr txBox="1"/>
           <p:nvPr/>
         </p:nvSpPr>
         <p:spPr>
           <a:xfrm>
-            <a:off x="285750" y="912813"/>
-            <a:ext cx="5643572" cy="215444"/>
+            <a:off x="214313" y="49213"/>
+            <a:ext cx="4286250" cy="307975"/>
           </a:xfrm>
           <a:prstGeom prst="rect">
             <a:avLst/>
@@ -10381,7 +10540,7 @@
           <a:noFill/>
         </p:spPr>
         <p:txBody>
-          <a:bodyPr wrap="square">
+          <a:bodyPr>
             <a:spAutoFit/>
           </a:bodyPr>
           <a:lstStyle/>
@@ -10396,75 +10555,24 @@
               <a:defRPr/>
             </a:pPr>
             <a:r>
-              <a:rPr kumimoji="0" lang="en-US" altLang="ko-KR" sz="800" dirty="0" smtClean="0">
-                <a:solidFill>
-                  <a:schemeClr val="tx1">
-                    <a:lumMod val="65000"/>
-                    <a:lumOff val="35000"/>
+              <a:rPr kumimoji="0" lang="en-US" altLang="ko-KR" sz="1400" dirty="0" smtClean="0">
+                <a:solidFill>
+                  <a:schemeClr val="bg1">
+                    <a:lumMod val="85000"/>
                   </a:schemeClr>
                 </a:solidFill>
-                <a:latin typeface="+mn-lt"/>
+                <a:latin typeface="BankGothic Md BT" pitchFamily="34" charset="0"/>
                 <a:ea typeface="+mn-ea"/>
               </a:rPr>
-              <a:t>Conventional Method</a:t>
-            </a:r>
-            <a:r>
-              <a:rPr kumimoji="0" lang="ko-KR" altLang="en-US" sz="800" dirty="0" smtClean="0">
-                <a:solidFill>
-                  <a:schemeClr val="tx1">
-                    <a:lumMod val="65000"/>
-                    <a:lumOff val="35000"/>
-                  </a:schemeClr>
-                </a:solidFill>
-                <a:latin typeface="+mn-lt"/>
-                <a:ea typeface="+mn-ea"/>
-              </a:rPr>
-              <a:t>   </a:t>
-            </a:r>
-            <a:r>
-              <a:rPr kumimoji="0" lang="en-US" altLang="ko-KR" sz="800" dirty="0" smtClean="0">
-                <a:solidFill>
-                  <a:schemeClr val="tx1">
-                    <a:lumMod val="65000"/>
-                    <a:lumOff val="35000"/>
-                  </a:schemeClr>
-                </a:solidFill>
-                <a:latin typeface="+mn-lt"/>
-                <a:ea typeface="+mn-ea"/>
-              </a:rPr>
-              <a:t>/  </a:t>
-            </a:r>
-            <a:r>
-              <a:rPr kumimoji="0" lang="en-US" altLang="ko-KR" sz="800" dirty="0" smtClean="0">
-                <a:solidFill>
-                  <a:srgbClr val="FF5001"/>
-                </a:solidFill>
-                <a:latin typeface="+mn-lt"/>
-                <a:ea typeface="+mn-ea"/>
-              </a:rPr>
-              <a:t>Structure Conversion</a:t>
-            </a:r>
-            <a:r>
-              <a:rPr kumimoji="0" lang="en-US" altLang="ko-KR" sz="800" dirty="0" smtClean="0">
-                <a:solidFill>
-                  <a:schemeClr val="tx1">
-                    <a:lumMod val="65000"/>
-                    <a:lumOff val="35000"/>
-                  </a:schemeClr>
-                </a:solidFill>
-                <a:latin typeface="+mn-lt"/>
-                <a:ea typeface="+mn-ea"/>
-              </a:rPr>
-              <a:t>  /  Structure Separation  /   Low-pass Filtering</a:t>
-            </a:r>
-            <a:endParaRPr kumimoji="0" lang="ko-KR" altLang="en-US" sz="800" dirty="0">
+              <a:t>EE398A 	Final Project</a:t>
+            </a:r>
+            <a:endParaRPr kumimoji="0" lang="ko-KR" altLang="en-US" sz="1400" dirty="0">
               <a:solidFill>
-                <a:schemeClr val="tx1">
-                  <a:lumMod val="65000"/>
-                  <a:lumOff val="35000"/>
+                <a:schemeClr val="bg1">
+                  <a:lumMod val="85000"/>
                 </a:schemeClr>
               </a:solidFill>
-              <a:latin typeface="+mn-lt"/>
+              <a:latin typeface="BankGothic Md BT" pitchFamily="34" charset="0"/>
               <a:ea typeface="+mn-ea"/>
             </a:endParaRPr>
           </a:p>
@@ -10472,14 +10580,14 @@
       </p:sp>
       <p:sp>
         <p:nvSpPr>
-          <p:cNvPr id="21" name="TextBox 20"/>
+          <p:cNvPr id="17" name="TextBox 16"/>
           <p:cNvSpPr txBox="1"/>
           <p:nvPr/>
         </p:nvSpPr>
         <p:spPr>
           <a:xfrm>
             <a:off x="428596" y="1857364"/>
-            <a:ext cx="2500330" cy="369332"/>
+            <a:ext cx="2643206" cy="369332"/>
           </a:xfrm>
           <a:prstGeom prst="rect">
             <a:avLst/>
@@ -10510,7 +10618,7 @@
               <a:rPr lang="en-US" dirty="0" smtClean="0">
                 <a:latin typeface="Trebuchet MS" pitchFamily="34" charset="0"/>
               </a:rPr>
-              <a:t>Structure Conversion</a:t>
+              <a:t>Simple Merging</a:t>
             </a:r>
             <a:endParaRPr lang="en-US" dirty="0">
               <a:latin typeface="Trebuchet MS" pitchFamily="34" charset="0"/>
@@ -10518,6 +10626,92 @@
           </a:p>
         </p:txBody>
       </p:sp>
+      <p:sp>
+        <p:nvSpPr>
+          <p:cNvPr id="10" name="TextBox 9"/>
+          <p:cNvSpPr txBox="1"/>
+          <p:nvPr/>
+        </p:nvSpPr>
+        <p:spPr>
+          <a:xfrm>
+            <a:off x="2000232" y="5643578"/>
+            <a:ext cx="5857916" cy="369332"/>
+          </a:xfrm>
+          <a:prstGeom prst="rect">
+            <a:avLst/>
+          </a:prstGeom>
+          <a:noFill/>
+        </p:spPr>
+        <p:txBody>
+          <a:bodyPr wrap="square" rtlCol="0">
+            <a:spAutoFit/>
+          </a:bodyPr>
+          <a:lstStyle/>
+          <a:p>
+            <a:r>
+              <a:rPr lang="en-US" dirty="0" smtClean="0">
+                <a:latin typeface="Trebuchet MS" pitchFamily="34" charset="0"/>
+                <a:ea typeface="Tahoma" pitchFamily="34" charset="0"/>
+                <a:cs typeface="Tahoma" pitchFamily="34" charset="0"/>
+              </a:rPr>
+              <a:t>Quality : 75 , </a:t>
+            </a:r>
+            <a:r>
+              <a:rPr lang="en-US" dirty="0" err="1" smtClean="0">
+                <a:latin typeface="Trebuchet MS" pitchFamily="34" charset="0"/>
+                <a:ea typeface="Tahoma" pitchFamily="34" charset="0"/>
+                <a:cs typeface="Tahoma" pitchFamily="34" charset="0"/>
+              </a:rPr>
+              <a:t>Demosaic</a:t>
+            </a:r>
+            <a:r>
+              <a:rPr lang="en-US" dirty="0" smtClean="0">
+                <a:latin typeface="Trebuchet MS" pitchFamily="34" charset="0"/>
+                <a:ea typeface="Tahoma" pitchFamily="34" charset="0"/>
+                <a:cs typeface="Tahoma" pitchFamily="34" charset="0"/>
+              </a:rPr>
+              <a:t> method : frequency</a:t>
+            </a:r>
+            <a:endParaRPr lang="en-US" dirty="0" smtClean="0">
+              <a:latin typeface="Trebuchet MS" pitchFamily="34" charset="0"/>
+              <a:ea typeface="Tahoma" pitchFamily="34" charset="0"/>
+              <a:cs typeface="Tahoma" pitchFamily="34" charset="0"/>
+            </a:endParaRPr>
+          </a:p>
+        </p:txBody>
+      </p:sp>
+      <p:pic>
+        <p:nvPicPr>
+          <p:cNvPr id="3076" name="Picture 4"/>
+          <p:cNvPicPr>
+            <a:picLocks noChangeAspect="1" noChangeArrowheads="1"/>
+          </p:cNvPicPr>
+          <p:nvPr/>
+        </p:nvPicPr>
+        <p:blipFill>
+          <a:blip r:embed="rId2" cstate="print"/>
+          <a:srcRect/>
+          <a:stretch>
+            <a:fillRect/>
+          </a:stretch>
+        </p:blipFill>
+        <p:spPr bwMode="auto">
+          <a:xfrm>
+            <a:off x="428596" y="2643182"/>
+            <a:ext cx="8143900" cy="2788161"/>
+          </a:xfrm>
+          <a:prstGeom prst="rect">
+            <a:avLst/>
+          </a:prstGeom>
+          <a:noFill/>
+          <a:ln w="9525">
+            <a:noFill/>
+            <a:miter lim="800000"/>
+            <a:headEnd/>
+            <a:tailEnd/>
+          </a:ln>
+        </p:spPr>
+      </p:pic>
     </p:spTree>
   </p:cSld>
   <p:clrMapOvr>
@@ -11069,9 +11263,59 @@
           <a:chExt cx="0" cy="0"/>
         </a:xfrm>
       </p:grpSpPr>
+      <p:sp>
+        <p:nvSpPr>
+          <p:cNvPr id="13314" name="TextBox 4"/>
+          <p:cNvSpPr txBox="1">
+            <a:spLocks noChangeArrowheads="1"/>
+          </p:cNvSpPr>
+          <p:nvPr/>
+        </p:nvSpPr>
+        <p:spPr bwMode="auto">
+          <a:xfrm>
+            <a:off x="285750" y="457200"/>
+            <a:ext cx="325438" cy="400050"/>
+          </a:xfrm>
+          <a:prstGeom prst="rect">
+            <a:avLst/>
+          </a:prstGeom>
+          <a:noFill/>
+          <a:ln w="9525">
+            <a:noFill/>
+            <a:miter lim="800000"/>
+            <a:headEnd/>
+            <a:tailEnd/>
+          </a:ln>
+        </p:spPr>
+        <p:txBody>
+          <a:bodyPr wrap="none">
+            <a:spAutoFit/>
+          </a:bodyPr>
+          <a:lstStyle/>
+          <a:p>
+            <a:r>
+              <a:rPr kumimoji="0" lang="en-US" altLang="ko-KR" sz="2000" dirty="0">
+                <a:solidFill>
+                  <a:srgbClr val="FF5001"/>
+                </a:solidFill>
+                <a:latin typeface="맑은 고딕" pitchFamily="50" charset="-127"/>
+                <a:ea typeface="맑은 고딕" pitchFamily="50" charset="-127"/>
+              </a:rPr>
+              <a:t>3</a:t>
+            </a:r>
+            <a:endParaRPr kumimoji="0" lang="ko-KR" altLang="en-US" sz="2000" dirty="0">
+              <a:solidFill>
+                <a:srgbClr val="FF5001"/>
+              </a:solidFill>
+              <a:latin typeface="맑은 고딕" pitchFamily="50" charset="-127"/>
+              <a:ea typeface="맑은 고딕" pitchFamily="50" charset="-127"/>
+            </a:endParaRPr>
+          </a:p>
+        </p:txBody>
+      </p:sp>
       <p:cxnSp>
         <p:nvCxnSpPr>
-          <p:cNvPr id="5" name="직선 연결선 4"/>
+          <p:cNvPr id="6" name="직선 연결선 5"/>
           <p:cNvCxnSpPr/>
           <p:nvPr/>
         </p:nvCxnSpPr>
@@ -11108,7 +11352,7 @@
       </p:cxnSp>
       <p:sp>
         <p:nvSpPr>
-          <p:cNvPr id="17" name="슬라이드 번호 개체 틀 16"/>
+          <p:cNvPr id="22" name="슬라이드 번호 개체 틀 21"/>
           <p:cNvSpPr>
             <a:spLocks noGrp="1"/>
           </p:cNvSpPr>
@@ -11137,62 +11381,7 @@
       </p:sp>
       <p:sp>
         <p:nvSpPr>
-          <p:cNvPr id="18" name="TextBox 17"/>
-          <p:cNvSpPr txBox="1"/>
-          <p:nvPr/>
-        </p:nvSpPr>
-        <p:spPr>
-          <a:xfrm>
-            <a:off x="214313" y="49213"/>
-            <a:ext cx="4286250" cy="307975"/>
-          </a:xfrm>
-          <a:prstGeom prst="rect">
-            <a:avLst/>
-          </a:prstGeom>
-          <a:noFill/>
-        </p:spPr>
-        <p:txBody>
-          <a:bodyPr>
-            <a:spAutoFit/>
-          </a:bodyPr>
-          <a:lstStyle/>
-          <a:p>
-            <a:pPr fontAlgn="auto">
-              <a:spcBef>
-                <a:spcPts val="0"/>
-              </a:spcBef>
-              <a:spcAft>
-                <a:spcPts val="0"/>
-              </a:spcAft>
-              <a:defRPr/>
-            </a:pPr>
-            <a:r>
-              <a:rPr kumimoji="0" lang="en-US" altLang="ko-KR" sz="1400" dirty="0" smtClean="0">
-                <a:solidFill>
-                  <a:schemeClr val="bg1">
-                    <a:lumMod val="85000"/>
-                  </a:schemeClr>
-                </a:solidFill>
-                <a:latin typeface="BankGothic Md BT" pitchFamily="34" charset="0"/>
-                <a:ea typeface="+mn-ea"/>
-              </a:rPr>
-              <a:t>EE398A 	Final Project</a:t>
-            </a:r>
-            <a:endParaRPr kumimoji="0" lang="ko-KR" altLang="en-US" sz="1400" dirty="0">
-              <a:solidFill>
-                <a:schemeClr val="bg1">
-                  <a:lumMod val="85000"/>
-                </a:schemeClr>
-              </a:solidFill>
-              <a:latin typeface="BankGothic Md BT" pitchFamily="34" charset="0"/>
-              <a:ea typeface="+mn-ea"/>
-            </a:endParaRPr>
-          </a:p>
-        </p:txBody>
-      </p:sp>
-      <p:sp>
-        <p:nvSpPr>
-          <p:cNvPr id="20" name="TextBox 19"/>
+          <p:cNvPr id="12" name="TextBox 11"/>
           <p:cNvSpPr txBox="1"/>
           <p:nvPr/>
         </p:nvSpPr>
@@ -11223,6 +11412,16 @@
             </a:pPr>
             <a:r>
               <a:rPr kumimoji="0" lang="en-US" altLang="ko-KR" sz="800" dirty="0" smtClean="0">
+                <a:solidFill>
+                  <a:srgbClr val="FF5001"/>
+                </a:solidFill>
+                <a:latin typeface="+mn-lt"/>
+                <a:ea typeface="+mn-ea"/>
+              </a:rPr>
+              <a:t>Conventional Method</a:t>
+            </a:r>
+            <a:r>
+              <a:rPr kumimoji="0" lang="ko-KR" altLang="en-US" sz="800" dirty="0" smtClean="0">
                 <a:solidFill>
                   <a:schemeClr val="tx1">
                     <a:lumMod val="65000"/>
@@ -11232,10 +11431,10 @@
                 <a:latin typeface="+mn-lt"/>
                 <a:ea typeface="+mn-ea"/>
               </a:rPr>
-              <a:t>Conventional Method</a:t>
-            </a:r>
-            <a:r>
-              <a:rPr kumimoji="0" lang="ko-KR" altLang="en-US" sz="800" dirty="0" smtClean="0">
+              <a:t>   </a:t>
+            </a:r>
+            <a:r>
+              <a:rPr kumimoji="0" lang="en-US" altLang="ko-KR" sz="800" dirty="0" smtClean="0">
                 <a:solidFill>
                   <a:schemeClr val="tx1">
                     <a:lumMod val="65000"/>
@@ -11245,43 +11444,7 @@
                 <a:latin typeface="+mn-lt"/>
                 <a:ea typeface="+mn-ea"/>
               </a:rPr>
-              <a:t>   </a:t>
-            </a:r>
-            <a:r>
-              <a:rPr kumimoji="0" lang="en-US" altLang="ko-KR" sz="800" dirty="0" smtClean="0">
-                <a:solidFill>
-                  <a:schemeClr val="tx1">
-                    <a:lumMod val="65000"/>
-                    <a:lumOff val="35000"/>
-                  </a:schemeClr>
-                </a:solidFill>
-                <a:latin typeface="+mn-lt"/>
-                <a:ea typeface="+mn-ea"/>
-              </a:rPr>
-              <a:t>/  Structure Conversion  /  </a:t>
-            </a:r>
-            <a:r>
-              <a:rPr kumimoji="0" lang="en-US" altLang="ko-KR" sz="800" dirty="0" smtClean="0">
-                <a:solidFill>
-                  <a:srgbClr val="FF5001"/>
-                </a:solidFill>
-                <a:latin typeface="+mn-lt"/>
-                <a:ea typeface="+mn-ea"/>
-              </a:rPr>
-              <a:t>Structure Separation  </a:t>
-            </a:r>
-            <a:r>
-              <a:rPr kumimoji="0" lang="en-US" altLang="ko-KR" sz="800" dirty="0" smtClean="0">
-                <a:solidFill>
-                  <a:schemeClr val="tx1">
-                    <a:lumMod val="65000"/>
-                    <a:lumOff val="35000"/>
-                  </a:schemeClr>
-                </a:solidFill>
-                <a:latin typeface="+mn-lt"/>
-                <a:ea typeface="+mn-ea"/>
-              </a:rPr>
-              <a:t>/   Low-pass Filtering</a:t>
+              <a:t>/  Structure Conversion  /  Structure Separation  /   Low-pass Filtering</a:t>
             </a:r>
             <a:endParaRPr kumimoji="0" lang="ko-KR" altLang="en-US" sz="800" dirty="0">
               <a:solidFill>
@@ -11298,14 +11461,126 @@
       </p:sp>
       <p:sp>
         <p:nvSpPr>
-          <p:cNvPr id="21" name="TextBox 20"/>
+          <p:cNvPr id="13" name="TextBox 12"/>
           <p:cNvSpPr txBox="1"/>
           <p:nvPr/>
         </p:nvSpPr>
         <p:spPr>
           <a:xfrm>
+            <a:off x="520700" y="506413"/>
+            <a:ext cx="2644314" cy="307777"/>
+          </a:xfrm>
+          <a:prstGeom prst="rect">
+            <a:avLst/>
+          </a:prstGeom>
+          <a:noFill/>
+        </p:spPr>
+        <p:txBody>
+          <a:bodyPr wrap="none">
+            <a:spAutoFit/>
+          </a:bodyPr>
+          <a:lstStyle/>
+          <a:p>
+            <a:pPr fontAlgn="auto">
+              <a:spcBef>
+                <a:spcPts val="0"/>
+              </a:spcBef>
+              <a:spcAft>
+                <a:spcPts val="0"/>
+              </a:spcAft>
+              <a:defRPr/>
+            </a:pPr>
+            <a:r>
+              <a:rPr kumimoji="0" lang="en-US" altLang="ko-KR" sz="1400" dirty="0" smtClean="0">
+                <a:solidFill>
+                  <a:schemeClr val="tx1">
+                    <a:lumMod val="65000"/>
+                    <a:lumOff val="35000"/>
+                  </a:schemeClr>
+                </a:solidFill>
+                <a:latin typeface="+mn-lt"/>
+                <a:ea typeface="+mj-ea"/>
+              </a:rPr>
+              <a:t>Results of Existing Solutions I</a:t>
+            </a:r>
+            <a:endParaRPr kumimoji="0" lang="ko-KR" altLang="en-US" sz="1400" dirty="0">
+              <a:solidFill>
+                <a:schemeClr val="tx1">
+                  <a:lumMod val="65000"/>
+                  <a:lumOff val="35000"/>
+                </a:schemeClr>
+              </a:solidFill>
+              <a:latin typeface="+mn-lt"/>
+              <a:ea typeface="+mj-ea"/>
+            </a:endParaRPr>
+          </a:p>
+        </p:txBody>
+      </p:sp>
+      <p:sp>
+        <p:nvSpPr>
+          <p:cNvPr id="14" name="TextBox 13"/>
+          <p:cNvSpPr txBox="1"/>
+          <p:nvPr/>
+        </p:nvSpPr>
+        <p:spPr>
+          <a:xfrm>
+            <a:off x="214313" y="49213"/>
+            <a:ext cx="4286250" cy="307975"/>
+          </a:xfrm>
+          <a:prstGeom prst="rect">
+            <a:avLst/>
+          </a:prstGeom>
+          <a:noFill/>
+        </p:spPr>
+        <p:txBody>
+          <a:bodyPr>
+            <a:spAutoFit/>
+          </a:bodyPr>
+          <a:lstStyle/>
+          <a:p>
+            <a:pPr fontAlgn="auto">
+              <a:spcBef>
+                <a:spcPts val="0"/>
+              </a:spcBef>
+              <a:spcAft>
+                <a:spcPts val="0"/>
+              </a:spcAft>
+              <a:defRPr/>
+            </a:pPr>
+            <a:r>
+              <a:rPr kumimoji="0" lang="en-US" altLang="ko-KR" sz="1400" dirty="0" smtClean="0">
+                <a:solidFill>
+                  <a:schemeClr val="bg1">
+                    <a:lumMod val="85000"/>
+                  </a:schemeClr>
+                </a:solidFill>
+                <a:latin typeface="BankGothic Md BT" pitchFamily="34" charset="0"/>
+                <a:ea typeface="+mn-ea"/>
+              </a:rPr>
+              <a:t>EE398A 	Final Project</a:t>
+            </a:r>
+            <a:endParaRPr kumimoji="0" lang="ko-KR" altLang="en-US" sz="1400" dirty="0">
+              <a:solidFill>
+                <a:schemeClr val="bg1">
+                  <a:lumMod val="85000"/>
+                </a:schemeClr>
+              </a:solidFill>
+              <a:latin typeface="BankGothic Md BT" pitchFamily="34" charset="0"/>
+              <a:ea typeface="+mn-ea"/>
+            </a:endParaRPr>
+          </a:p>
+        </p:txBody>
+      </p:sp>
+      <p:sp>
+        <p:nvSpPr>
+          <p:cNvPr id="17" name="TextBox 16"/>
+          <p:cNvSpPr txBox="1"/>
+          <p:nvPr/>
+        </p:nvSpPr>
+        <p:spPr>
+          <a:xfrm>
             <a:off x="428596" y="1857364"/>
-            <a:ext cx="2500330" cy="369332"/>
+            <a:ext cx="2643206" cy="369332"/>
           </a:xfrm>
           <a:prstGeom prst="rect">
             <a:avLst/>
@@ -11336,7 +11611,7 @@
               <a:rPr lang="en-US" dirty="0" smtClean="0">
                 <a:latin typeface="Trebuchet MS" pitchFamily="34" charset="0"/>
               </a:rPr>
-              <a:t>Structure Separation</a:t>
+              <a:t>Simple Merging</a:t>
             </a:r>
             <a:endParaRPr lang="en-US" dirty="0">
               <a:latin typeface="Trebuchet MS" pitchFamily="34" charset="0"/>
@@ -11346,16 +11621,77 @@
       </p:sp>
       <p:sp>
         <p:nvSpPr>
-          <p:cNvPr id="13" name="TextBox 3"/>
-          <p:cNvSpPr txBox="1">
-            <a:spLocks noChangeArrowheads="1"/>
-          </p:cNvSpPr>
-          <p:nvPr/>
-        </p:nvSpPr>
+          <p:cNvPr id="10" name="TextBox 9"/>
+          <p:cNvSpPr txBox="1"/>
+          <p:nvPr/>
+        </p:nvSpPr>
+        <p:spPr>
+          <a:xfrm>
+            <a:off x="2000232" y="5643578"/>
+            <a:ext cx="5857916" cy="369332"/>
+          </a:xfrm>
+          <a:prstGeom prst="rect">
+            <a:avLst/>
+          </a:prstGeom>
+          <a:noFill/>
+        </p:spPr>
+        <p:txBody>
+          <a:bodyPr wrap="square" rtlCol="0">
+            <a:spAutoFit/>
+          </a:bodyPr>
+          <a:lstStyle/>
+          <a:p>
+            <a:r>
+              <a:rPr lang="en-US" dirty="0" smtClean="0">
+                <a:latin typeface="Trebuchet MS" pitchFamily="34" charset="0"/>
+                <a:ea typeface="Tahoma" pitchFamily="34" charset="0"/>
+                <a:cs typeface="Tahoma" pitchFamily="34" charset="0"/>
+              </a:rPr>
+              <a:t>Quality : 75 , </a:t>
+            </a:r>
+            <a:r>
+              <a:rPr lang="en-US" dirty="0" err="1" smtClean="0">
+                <a:latin typeface="Trebuchet MS" pitchFamily="34" charset="0"/>
+                <a:ea typeface="Tahoma" pitchFamily="34" charset="0"/>
+                <a:cs typeface="Tahoma" pitchFamily="34" charset="0"/>
+              </a:rPr>
+              <a:t>Demosaic</a:t>
+            </a:r>
+            <a:r>
+              <a:rPr lang="en-US" dirty="0" smtClean="0">
+                <a:latin typeface="Trebuchet MS" pitchFamily="34" charset="0"/>
+                <a:ea typeface="Tahoma" pitchFamily="34" charset="0"/>
+                <a:cs typeface="Tahoma" pitchFamily="34" charset="0"/>
+              </a:rPr>
+              <a:t> method : frequency</a:t>
+            </a:r>
+            <a:endParaRPr lang="en-US" dirty="0" smtClean="0">
+              <a:latin typeface="Trebuchet MS" pitchFamily="34" charset="0"/>
+              <a:ea typeface="Tahoma" pitchFamily="34" charset="0"/>
+              <a:cs typeface="Tahoma" pitchFamily="34" charset="0"/>
+            </a:endParaRPr>
+          </a:p>
+        </p:txBody>
+      </p:sp>
+      <p:pic>
+        <p:nvPicPr>
+          <p:cNvPr id="4099" name="Picture 3"/>
+          <p:cNvPicPr>
+            <a:picLocks noChangeAspect="1" noChangeArrowheads="1"/>
+          </p:cNvPicPr>
+          <p:nvPr/>
+        </p:nvPicPr>
+        <p:blipFill>
+          <a:blip r:embed="rId2" cstate="print"/>
+          <a:srcRect/>
+          <a:stretch>
+            <a:fillRect/>
+          </a:stretch>
+        </p:blipFill>
         <p:spPr bwMode="auto">
           <a:xfrm>
-            <a:off x="285750" y="457200"/>
-            <a:ext cx="325730" cy="400110"/>
+            <a:off x="214282" y="2357430"/>
+            <a:ext cx="8667750" cy="3009900"/>
           </a:xfrm>
           <a:prstGeom prst="rect">
             <a:avLst/>
@@ -11368,152 +11704,7 @@
             <a:tailEnd/>
           </a:ln>
         </p:spPr>
-        <p:txBody>
-          <a:bodyPr wrap="none">
-            <a:spAutoFit/>
-          </a:bodyPr>
-          <a:lstStyle/>
-          <a:p>
-            <a:r>
-              <a:rPr kumimoji="0" lang="en-US" altLang="ko-KR" sz="2000" dirty="0" smtClean="0">
-                <a:solidFill>
-                  <a:srgbClr val="FF5001"/>
-                </a:solidFill>
-                <a:latin typeface="맑은 고딕" pitchFamily="50" charset="-127"/>
-                <a:ea typeface="맑은 고딕" pitchFamily="50" charset="-127"/>
-              </a:rPr>
-              <a:t>3</a:t>
-            </a:r>
-            <a:endParaRPr kumimoji="0" lang="ko-KR" altLang="en-US" sz="2000" dirty="0">
-              <a:solidFill>
-                <a:srgbClr val="FF5001"/>
-              </a:solidFill>
-              <a:latin typeface="맑은 고딕" pitchFamily="50" charset="-127"/>
-              <a:ea typeface="맑은 고딕" pitchFamily="50" charset="-127"/>
-            </a:endParaRPr>
-          </a:p>
-        </p:txBody>
-      </p:sp>
-      <p:cxnSp>
-        <p:nvCxnSpPr>
-          <p:cNvPr id="14" name="직선 연결선 4"/>
-          <p:cNvCxnSpPr/>
-          <p:nvPr/>
-        </p:nvCxnSpPr>
-        <p:spPr>
-          <a:xfrm>
-            <a:off x="357188" y="855663"/>
-            <a:ext cx="8429625" cy="1587"/>
-          </a:xfrm>
-          <a:prstGeom prst="line">
-            <a:avLst/>
-          </a:prstGeom>
-          <a:ln w="6350">
-            <a:solidFill>
-              <a:schemeClr val="bg1">
-                <a:lumMod val="75000"/>
-              </a:schemeClr>
-            </a:solidFill>
-          </a:ln>
-        </p:spPr>
-        <p:style>
-          <a:lnRef idx="1">
-            <a:schemeClr val="accent1"/>
-          </a:lnRef>
-          <a:fillRef idx="0">
-            <a:schemeClr val="accent1"/>
-          </a:fillRef>
-          <a:effectRef idx="0">
-            <a:schemeClr val="accent1"/>
-          </a:effectRef>
-          <a:fontRef idx="minor">
-            <a:schemeClr val="tx1"/>
-          </a:fontRef>
-        </p:style>
-      </p:cxnSp>
-      <p:sp>
-        <p:nvSpPr>
-          <p:cNvPr id="15" name="TextBox 14"/>
-          <p:cNvSpPr txBox="1"/>
-          <p:nvPr/>
-        </p:nvSpPr>
-        <p:spPr>
-          <a:xfrm>
-            <a:off x="520700" y="506413"/>
-            <a:ext cx="2644314" cy="307777"/>
-          </a:xfrm>
-          <a:prstGeom prst="rect">
-            <a:avLst/>
-          </a:prstGeom>
-          <a:noFill/>
-        </p:spPr>
-        <p:txBody>
-          <a:bodyPr wrap="none">
-            <a:spAutoFit/>
-          </a:bodyPr>
-          <a:lstStyle/>
-          <a:p>
-            <a:pPr fontAlgn="auto">
-              <a:spcBef>
-                <a:spcPts val="0"/>
-              </a:spcBef>
-              <a:spcAft>
-                <a:spcPts val="0"/>
-              </a:spcAft>
-              <a:defRPr/>
-            </a:pPr>
-            <a:r>
-              <a:rPr kumimoji="0" lang="en-US" altLang="ko-KR" sz="1400" dirty="0" smtClean="0">
-                <a:solidFill>
-                  <a:schemeClr val="tx1">
-                    <a:lumMod val="65000"/>
-                    <a:lumOff val="35000"/>
-                  </a:schemeClr>
-                </a:solidFill>
-                <a:latin typeface="+mn-lt"/>
-                <a:ea typeface="+mj-ea"/>
-              </a:rPr>
-              <a:t>Results of Existing </a:t>
-            </a:r>
-            <a:r>
-              <a:rPr kumimoji="0" lang="en-US" altLang="ko-KR" sz="1400" dirty="0" smtClean="0">
-                <a:solidFill>
-                  <a:schemeClr val="tx1">
-                    <a:lumMod val="65000"/>
-                    <a:lumOff val="35000"/>
-                  </a:schemeClr>
-                </a:solidFill>
-                <a:latin typeface="+mn-lt"/>
-                <a:ea typeface="+mj-ea"/>
-              </a:rPr>
-              <a:t>Solutions </a:t>
-            </a:r>
-            <a:r>
-              <a:rPr kumimoji="0" lang="en-US" altLang="ko-KR" sz="1400" dirty="0" smtClean="0">
-                <a:solidFill>
-                  <a:schemeClr val="tx1">
-                    <a:lumMod val="65000"/>
-                    <a:lumOff val="35000"/>
-                  </a:schemeClr>
-                </a:solidFill>
-                <a:latin typeface="+mn-lt"/>
-                <a:ea typeface="+mj-ea"/>
-              </a:rPr>
-              <a:t>I</a:t>
-            </a:r>
-            <a:endParaRPr kumimoji="0" lang="ko-KR" altLang="en-US" sz="1400" dirty="0">
-              <a:solidFill>
-                <a:schemeClr val="tx1">
-                  <a:lumMod val="65000"/>
-                  <a:lumOff val="35000"/>
-                </a:schemeClr>
-              </a:solidFill>
-              <a:latin typeface="+mn-lt"/>
-              <a:ea typeface="+mj-ea"/>
-            </a:endParaRPr>
-          </a:p>
-        </p:txBody>
-      </p:sp>
+      </p:pic>
     </p:spTree>
   </p:cSld>
   <p:clrMapOvr>
@@ -11549,6 +11740,56 @@
           <a:chExt cx="0" cy="0"/>
         </a:xfrm>
       </p:grpSpPr>
+      <p:sp>
+        <p:nvSpPr>
+          <p:cNvPr id="10244" name="TextBox 3"/>
+          <p:cNvSpPr txBox="1">
+            <a:spLocks noChangeArrowheads="1"/>
+          </p:cNvSpPr>
+          <p:nvPr/>
+        </p:nvSpPr>
+        <p:spPr bwMode="auto">
+          <a:xfrm>
+            <a:off x="285750" y="457200"/>
+            <a:ext cx="325730" cy="400110"/>
+          </a:xfrm>
+          <a:prstGeom prst="rect">
+            <a:avLst/>
+          </a:prstGeom>
+          <a:noFill/>
+          <a:ln w="9525">
+            <a:noFill/>
+            <a:miter lim="800000"/>
+            <a:headEnd/>
+            <a:tailEnd/>
+          </a:ln>
+        </p:spPr>
+        <p:txBody>
+          <a:bodyPr wrap="none">
+            <a:spAutoFit/>
+          </a:bodyPr>
+          <a:lstStyle/>
+          <a:p>
+            <a:r>
+              <a:rPr kumimoji="0" lang="en-US" altLang="ko-KR" sz="2000" dirty="0" smtClean="0">
+                <a:solidFill>
+                  <a:srgbClr val="FF5001"/>
+                </a:solidFill>
+                <a:latin typeface="맑은 고딕" pitchFamily="50" charset="-127"/>
+                <a:ea typeface="맑은 고딕" pitchFamily="50" charset="-127"/>
+              </a:rPr>
+              <a:t>3</a:t>
+            </a:r>
+            <a:endParaRPr kumimoji="0" lang="ko-KR" altLang="en-US" sz="2000" dirty="0">
+              <a:solidFill>
+                <a:srgbClr val="FF5001"/>
+              </a:solidFill>
+              <a:latin typeface="맑은 고딕" pitchFamily="50" charset="-127"/>
+              <a:ea typeface="맑은 고딕" pitchFamily="50" charset="-127"/>
+            </a:endParaRPr>
+          </a:p>
+        </p:txBody>
+      </p:sp>
       <p:cxnSp>
         <p:nvCxnSpPr>
           <p:cNvPr id="5" name="직선 연결선 4"/>
@@ -11672,14 +11913,14 @@
       </p:sp>
       <p:sp>
         <p:nvSpPr>
-          <p:cNvPr id="20" name="TextBox 19"/>
+          <p:cNvPr id="19" name="TextBox 18"/>
           <p:cNvSpPr txBox="1"/>
           <p:nvPr/>
         </p:nvSpPr>
         <p:spPr>
           <a:xfrm>
-            <a:off x="285750" y="912813"/>
-            <a:ext cx="5643572" cy="215444"/>
+            <a:off x="520700" y="506413"/>
+            <a:ext cx="2644314" cy="307777"/>
           </a:xfrm>
           <a:prstGeom prst="rect">
             <a:avLst/>
@@ -11687,7 +11928,7 @@
           <a:noFill/>
         </p:spPr>
         <p:txBody>
-          <a:bodyPr wrap="square">
+          <a:bodyPr wrap="none">
             <a:spAutoFit/>
           </a:bodyPr>
           <a:lstStyle/>
@@ -11702,7 +11943,7 @@
               <a:defRPr/>
             </a:pPr>
             <a:r>
-              <a:rPr kumimoji="0" lang="en-US" altLang="ko-KR" sz="800" dirty="0" smtClean="0">
+              <a:rPr kumimoji="0" lang="en-US" altLang="ko-KR" sz="1400" dirty="0" smtClean="0">
                 <a:solidFill>
                   <a:schemeClr val="tx1">
                     <a:lumMod val="65000"/>
@@ -11710,12 +11951,56 @@
                   </a:schemeClr>
                 </a:solidFill>
                 <a:latin typeface="+mn-lt"/>
-                <a:ea typeface="+mn-ea"/>
-              </a:rPr>
-              <a:t>Conventional Method</a:t>
-            </a:r>
-            <a:r>
-              <a:rPr kumimoji="0" lang="ko-KR" altLang="en-US" sz="800" dirty="0" smtClean="0">
+                <a:ea typeface="+mj-ea"/>
+              </a:rPr>
+              <a:t>Results of Existing Solutions I</a:t>
+            </a:r>
+            <a:endParaRPr kumimoji="0" lang="ko-KR" altLang="en-US" sz="1400" dirty="0">
+              <a:solidFill>
+                <a:schemeClr val="tx1">
+                  <a:lumMod val="65000"/>
+                  <a:lumOff val="35000"/>
+                </a:schemeClr>
+              </a:solidFill>
+              <a:latin typeface="+mn-lt"/>
+              <a:ea typeface="+mj-ea"/>
+            </a:endParaRPr>
+          </a:p>
+        </p:txBody>
+      </p:sp>
+      <p:sp>
+        <p:nvSpPr>
+          <p:cNvPr id="20" name="TextBox 19"/>
+          <p:cNvSpPr txBox="1"/>
+          <p:nvPr/>
+        </p:nvSpPr>
+        <p:spPr>
+          <a:xfrm>
+            <a:off x="285750" y="912813"/>
+            <a:ext cx="5643572" cy="215444"/>
+          </a:xfrm>
+          <a:prstGeom prst="rect">
+            <a:avLst/>
+          </a:prstGeom>
+          <a:noFill/>
+        </p:spPr>
+        <p:txBody>
+          <a:bodyPr wrap="square">
+            <a:spAutoFit/>
+          </a:bodyPr>
+          <a:lstStyle/>
+          <a:p>
+            <a:pPr fontAlgn="auto">
+              <a:spcBef>
+                <a:spcPts val="0"/>
+              </a:spcBef>
+              <a:spcAft>
+                <a:spcPts val="0"/>
+              </a:spcAft>
+              <a:defRPr/>
+            </a:pPr>
+            <a:r>
+              <a:rPr kumimoji="0" lang="en-US" altLang="ko-KR" sz="800" dirty="0" smtClean="0">
                 <a:solidFill>
                   <a:schemeClr val="tx1">
                     <a:lumMod val="65000"/>
@@ -11725,10 +12010,10 @@
                 <a:latin typeface="+mn-lt"/>
                 <a:ea typeface="+mn-ea"/>
               </a:rPr>
-              <a:t>   </a:t>
-            </a:r>
-            <a:r>
-              <a:rPr kumimoji="0" lang="en-US" altLang="ko-KR" sz="800" dirty="0" smtClean="0">
+              <a:t>Conventional Method</a:t>
+            </a:r>
+            <a:r>
+              <a:rPr kumimoji="0" lang="ko-KR" altLang="en-US" sz="800" dirty="0" smtClean="0">
                 <a:solidFill>
                   <a:schemeClr val="tx1">
                     <a:lumMod val="65000"/>
@@ -11738,21 +12023,50 @@
                 <a:latin typeface="+mn-lt"/>
                 <a:ea typeface="+mn-ea"/>
               </a:rPr>
-              <a:t>/  Structure Conversion  /  Structure Separation  /   </a:t>
+              <a:t>   </a:t>
             </a:r>
             <a:r>
               <a:rPr kumimoji="0" lang="en-US" altLang="ko-KR" sz="800" dirty="0" smtClean="0">
                 <a:solidFill>
-                  <a:srgbClr val="FF5001"/>
+                  <a:schemeClr val="tx1">
+                    <a:lumMod val="65000"/>
+                    <a:lumOff val="35000"/>
+                  </a:schemeClr>
                 </a:solidFill>
                 <a:latin typeface="+mn-lt"/>
                 <a:ea typeface="+mn-ea"/>
               </a:rPr>
-              <a:t>Low-pass Filtering</a:t>
+              <a:t>/  </a:t>
+            </a:r>
+            <a:r>
+              <a:rPr kumimoji="0" lang="en-US" altLang="ko-KR" sz="800" dirty="0" smtClean="0">
+                <a:solidFill>
+                  <a:srgbClr val="FF5001"/>
+                </a:solidFill>
+                <a:latin typeface="+mn-lt"/>
+                <a:ea typeface="+mn-ea"/>
+              </a:rPr>
+              <a:t>Structure Conversion</a:t>
+            </a:r>
+            <a:r>
+              <a:rPr kumimoji="0" lang="en-US" altLang="ko-KR" sz="800" dirty="0" smtClean="0">
+                <a:solidFill>
+                  <a:schemeClr val="tx1">
+                    <a:lumMod val="65000"/>
+                    <a:lumOff val="35000"/>
+                  </a:schemeClr>
+                </a:solidFill>
+                <a:latin typeface="+mn-lt"/>
+                <a:ea typeface="+mn-ea"/>
+              </a:rPr>
+              <a:t>  /  Structure Separation  /   Low-pass Filtering</a:t>
             </a:r>
             <a:endParaRPr kumimoji="0" lang="ko-KR" altLang="en-US" sz="800" dirty="0">
               <a:solidFill>
-                <a:srgbClr val="FF5001"/>
+                <a:schemeClr val="tx1">
+                  <a:lumMod val="65000"/>
+                  <a:lumOff val="35000"/>
+                </a:schemeClr>
               </a:solidFill>
               <a:latin typeface="+mn-lt"/>
               <a:ea typeface="+mn-ea"/>
@@ -11800,7 +12114,7 @@
               <a:rPr lang="en-US" dirty="0" smtClean="0">
                 <a:latin typeface="Trebuchet MS" pitchFamily="34" charset="0"/>
               </a:rPr>
-              <a:t>Low-pass Filtering -1</a:t>
+              <a:t>Structure Conversion</a:t>
             </a:r>
             <a:endParaRPr lang="en-US" dirty="0">
               <a:latin typeface="Trebuchet MS" pitchFamily="34" charset="0"/>
@@ -11810,16 +12124,77 @@
       </p:sp>
       <p:sp>
         <p:nvSpPr>
-          <p:cNvPr id="11" name="TextBox 3"/>
-          <p:cNvSpPr txBox="1">
-            <a:spLocks noChangeArrowheads="1"/>
-          </p:cNvSpPr>
-          <p:nvPr/>
-        </p:nvSpPr>
+          <p:cNvPr id="10" name="TextBox 9"/>
+          <p:cNvSpPr txBox="1"/>
+          <p:nvPr/>
+        </p:nvSpPr>
+        <p:spPr>
+          <a:xfrm>
+            <a:off x="2000232" y="5643578"/>
+            <a:ext cx="5857916" cy="369332"/>
+          </a:xfrm>
+          <a:prstGeom prst="rect">
+            <a:avLst/>
+          </a:prstGeom>
+          <a:noFill/>
+        </p:spPr>
+        <p:txBody>
+          <a:bodyPr wrap="square" rtlCol="0">
+            <a:spAutoFit/>
+          </a:bodyPr>
+          <a:lstStyle/>
+          <a:p>
+            <a:r>
+              <a:rPr lang="en-US" dirty="0" smtClean="0">
+                <a:latin typeface="Trebuchet MS" pitchFamily="34" charset="0"/>
+                <a:ea typeface="Tahoma" pitchFamily="34" charset="0"/>
+                <a:cs typeface="Tahoma" pitchFamily="34" charset="0"/>
+              </a:rPr>
+              <a:t>Quality : 75 , </a:t>
+            </a:r>
+            <a:r>
+              <a:rPr lang="en-US" dirty="0" err="1" smtClean="0">
+                <a:latin typeface="Trebuchet MS" pitchFamily="34" charset="0"/>
+                <a:ea typeface="Tahoma" pitchFamily="34" charset="0"/>
+                <a:cs typeface="Tahoma" pitchFamily="34" charset="0"/>
+              </a:rPr>
+              <a:t>Demosaic</a:t>
+            </a:r>
+            <a:r>
+              <a:rPr lang="en-US" dirty="0" smtClean="0">
+                <a:latin typeface="Trebuchet MS" pitchFamily="34" charset="0"/>
+                <a:ea typeface="Tahoma" pitchFamily="34" charset="0"/>
+                <a:cs typeface="Tahoma" pitchFamily="34" charset="0"/>
+              </a:rPr>
+              <a:t> method : frequency</a:t>
+            </a:r>
+            <a:endParaRPr lang="en-US" dirty="0" smtClean="0">
+              <a:latin typeface="Trebuchet MS" pitchFamily="34" charset="0"/>
+              <a:ea typeface="Tahoma" pitchFamily="34" charset="0"/>
+              <a:cs typeface="Tahoma" pitchFamily="34" charset="0"/>
+            </a:endParaRPr>
+          </a:p>
+        </p:txBody>
+      </p:sp>
+      <p:pic>
+        <p:nvPicPr>
+          <p:cNvPr id="5124" name="Picture 4"/>
+          <p:cNvPicPr>
+            <a:picLocks noChangeAspect="1" noChangeArrowheads="1"/>
+          </p:cNvPicPr>
+          <p:nvPr/>
+        </p:nvPicPr>
+        <p:blipFill>
+          <a:blip r:embed="rId2" cstate="print"/>
+          <a:srcRect/>
+          <a:stretch>
+            <a:fillRect/>
+          </a:stretch>
+        </p:blipFill>
         <p:spPr bwMode="auto">
           <a:xfrm>
-            <a:off x="285750" y="457200"/>
-            <a:ext cx="325730" cy="400110"/>
+            <a:off x="352425" y="2571745"/>
+            <a:ext cx="8434417" cy="2841932"/>
           </a:xfrm>
           <a:prstGeom prst="rect">
             <a:avLst/>
@@ -11832,152 +12207,7 @@
             <a:tailEnd/>
           </a:ln>
         </p:spPr>
-        <p:txBody>
-          <a:bodyPr wrap="none">
-            <a:spAutoFit/>
-          </a:bodyPr>
-          <a:lstStyle/>
-          <a:p>
-            <a:r>
-              <a:rPr kumimoji="0" lang="en-US" altLang="ko-KR" sz="2000" dirty="0" smtClean="0">
-                <a:solidFill>
-                  <a:srgbClr val="FF5001"/>
-                </a:solidFill>
-                <a:latin typeface="맑은 고딕" pitchFamily="50" charset="-127"/>
-                <a:ea typeface="맑은 고딕" pitchFamily="50" charset="-127"/>
-              </a:rPr>
-              <a:t>3</a:t>
-            </a:r>
-            <a:endParaRPr kumimoji="0" lang="ko-KR" altLang="en-US" sz="2000" dirty="0">
-              <a:solidFill>
-                <a:srgbClr val="FF5001"/>
-              </a:solidFill>
-              <a:latin typeface="맑은 고딕" pitchFamily="50" charset="-127"/>
-              <a:ea typeface="맑은 고딕" pitchFamily="50" charset="-127"/>
-            </a:endParaRPr>
-          </a:p>
-        </p:txBody>
-      </p:sp>
-      <p:cxnSp>
-        <p:nvCxnSpPr>
-          <p:cNvPr id="12" name="직선 연결선 4"/>
-          <p:cNvCxnSpPr/>
-          <p:nvPr/>
-        </p:nvCxnSpPr>
-        <p:spPr>
-          <a:xfrm>
-            <a:off x="357188" y="855663"/>
-            <a:ext cx="8429625" cy="1587"/>
-          </a:xfrm>
-          <a:prstGeom prst="line">
-            <a:avLst/>
-          </a:prstGeom>
-          <a:ln w="6350">
-            <a:solidFill>
-              <a:schemeClr val="bg1">
-                <a:lumMod val="75000"/>
-              </a:schemeClr>
-            </a:solidFill>
-          </a:ln>
-        </p:spPr>
-        <p:style>
-          <a:lnRef idx="1">
-            <a:schemeClr val="accent1"/>
-          </a:lnRef>
-          <a:fillRef idx="0">
-            <a:schemeClr val="accent1"/>
-          </a:fillRef>
-          <a:effectRef idx="0">
-            <a:schemeClr val="accent1"/>
-          </a:effectRef>
-          <a:fontRef idx="minor">
-            <a:schemeClr val="tx1"/>
-          </a:fontRef>
-        </p:style>
-      </p:cxnSp>
-      <p:sp>
-        <p:nvSpPr>
-          <p:cNvPr id="13" name="TextBox 12"/>
-          <p:cNvSpPr txBox="1"/>
-          <p:nvPr/>
-        </p:nvSpPr>
-        <p:spPr>
-          <a:xfrm>
-            <a:off x="520700" y="506413"/>
-            <a:ext cx="2644314" cy="307777"/>
-          </a:xfrm>
-          <a:prstGeom prst="rect">
-            <a:avLst/>
-          </a:prstGeom>
-          <a:noFill/>
-        </p:spPr>
-        <p:txBody>
-          <a:bodyPr wrap="none">
-            <a:spAutoFit/>
-          </a:bodyPr>
-          <a:lstStyle/>
-          <a:p>
-            <a:pPr fontAlgn="auto">
-              <a:spcBef>
-                <a:spcPts val="0"/>
-              </a:spcBef>
-              <a:spcAft>
-                <a:spcPts val="0"/>
-              </a:spcAft>
-              <a:defRPr/>
-            </a:pPr>
-            <a:r>
-              <a:rPr kumimoji="0" lang="en-US" altLang="ko-KR" sz="1400" dirty="0" smtClean="0">
-                <a:solidFill>
-                  <a:schemeClr val="tx1">
-                    <a:lumMod val="65000"/>
-                    <a:lumOff val="35000"/>
-                  </a:schemeClr>
-                </a:solidFill>
-                <a:latin typeface="+mn-lt"/>
-                <a:ea typeface="+mj-ea"/>
-              </a:rPr>
-              <a:t>Results of Existing </a:t>
-            </a:r>
-            <a:r>
-              <a:rPr kumimoji="0" lang="en-US" altLang="ko-KR" sz="1400" dirty="0" smtClean="0">
-                <a:solidFill>
-                  <a:schemeClr val="tx1">
-                    <a:lumMod val="65000"/>
-                    <a:lumOff val="35000"/>
-                  </a:schemeClr>
-                </a:solidFill>
-                <a:latin typeface="+mn-lt"/>
-                <a:ea typeface="+mj-ea"/>
-              </a:rPr>
-              <a:t>Solutions </a:t>
-            </a:r>
-            <a:r>
-              <a:rPr kumimoji="0" lang="en-US" altLang="ko-KR" sz="1400" dirty="0" smtClean="0">
-                <a:solidFill>
-                  <a:schemeClr val="tx1">
-                    <a:lumMod val="65000"/>
-                    <a:lumOff val="35000"/>
-                  </a:schemeClr>
-                </a:solidFill>
-                <a:latin typeface="+mn-lt"/>
-                <a:ea typeface="+mj-ea"/>
-              </a:rPr>
-              <a:t>I</a:t>
-            </a:r>
-            <a:endParaRPr kumimoji="0" lang="ko-KR" altLang="en-US" sz="1400" dirty="0">
-              <a:solidFill>
-                <a:schemeClr val="tx1">
-                  <a:lumMod val="65000"/>
-                  <a:lumOff val="35000"/>
-                </a:schemeClr>
-              </a:solidFill>
-              <a:latin typeface="+mn-lt"/>
-              <a:ea typeface="+mj-ea"/>
-            </a:endParaRPr>
-          </a:p>
-        </p:txBody>
-      </p:sp>
+      </p:pic>
     </p:spTree>
   </p:cSld>
   <p:clrMapOvr>
@@ -12013,6 +12243,56 @@
           <a:chExt cx="0" cy="0"/>
         </a:xfrm>
       </p:grpSpPr>
+      <p:sp>
+        <p:nvSpPr>
+          <p:cNvPr id="10244" name="TextBox 3"/>
+          <p:cNvSpPr txBox="1">
+            <a:spLocks noChangeArrowheads="1"/>
+          </p:cNvSpPr>
+          <p:nvPr/>
+        </p:nvSpPr>
+        <p:spPr bwMode="auto">
+          <a:xfrm>
+            <a:off x="285750" y="457200"/>
+            <a:ext cx="325730" cy="400110"/>
+          </a:xfrm>
+          <a:prstGeom prst="rect">
+            <a:avLst/>
+          </a:prstGeom>
+          <a:noFill/>
+          <a:ln w="9525">
+            <a:noFill/>
+            <a:miter lim="800000"/>
+            <a:headEnd/>
+            <a:tailEnd/>
+          </a:ln>
+        </p:spPr>
+        <p:txBody>
+          <a:bodyPr wrap="none">
+            <a:spAutoFit/>
+          </a:bodyPr>
+          <a:lstStyle/>
+          <a:p>
+            <a:r>
+              <a:rPr kumimoji="0" lang="en-US" altLang="ko-KR" sz="2000" dirty="0" smtClean="0">
+                <a:solidFill>
+                  <a:srgbClr val="FF5001"/>
+                </a:solidFill>
+                <a:latin typeface="맑은 고딕" pitchFamily="50" charset="-127"/>
+                <a:ea typeface="맑은 고딕" pitchFamily="50" charset="-127"/>
+              </a:rPr>
+              <a:t>3</a:t>
+            </a:r>
+            <a:endParaRPr kumimoji="0" lang="ko-KR" altLang="en-US" sz="2000" dirty="0">
+              <a:solidFill>
+                <a:srgbClr val="FF5001"/>
+              </a:solidFill>
+              <a:latin typeface="맑은 고딕" pitchFamily="50" charset="-127"/>
+              <a:ea typeface="맑은 고딕" pitchFamily="50" charset="-127"/>
+            </a:endParaRPr>
+          </a:p>
+        </p:txBody>
+      </p:sp>
       <p:cxnSp>
         <p:nvCxnSpPr>
           <p:cNvPr id="5" name="직선 연결선 4"/>
@@ -12136,14 +12416,14 @@
       </p:sp>
       <p:sp>
         <p:nvSpPr>
-          <p:cNvPr id="20" name="TextBox 19"/>
+          <p:cNvPr id="19" name="TextBox 18"/>
           <p:cNvSpPr txBox="1"/>
           <p:nvPr/>
         </p:nvSpPr>
         <p:spPr>
           <a:xfrm>
-            <a:off x="285750" y="912813"/>
-            <a:ext cx="5643572" cy="215444"/>
+            <a:off x="520700" y="506413"/>
+            <a:ext cx="2644314" cy="307777"/>
           </a:xfrm>
           <a:prstGeom prst="rect">
             <a:avLst/>
@@ -12151,7 +12431,7 @@
           <a:noFill/>
         </p:spPr>
         <p:txBody>
-          <a:bodyPr wrap="square">
+          <a:bodyPr wrap="none">
             <a:spAutoFit/>
           </a:bodyPr>
           <a:lstStyle/>
@@ -12166,7 +12446,7 @@
               <a:defRPr/>
             </a:pPr>
             <a:r>
-              <a:rPr kumimoji="0" lang="en-US" altLang="ko-KR" sz="800" dirty="0" smtClean="0">
+              <a:rPr kumimoji="0" lang="en-US" altLang="ko-KR" sz="1400" dirty="0" smtClean="0">
                 <a:solidFill>
                   <a:schemeClr val="tx1">
                     <a:lumMod val="65000"/>
@@ -12174,12 +12454,56 @@
                   </a:schemeClr>
                 </a:solidFill>
                 <a:latin typeface="+mn-lt"/>
-                <a:ea typeface="+mn-ea"/>
-              </a:rPr>
-              <a:t>Conventional Method</a:t>
-            </a:r>
-            <a:r>
-              <a:rPr kumimoji="0" lang="ko-KR" altLang="en-US" sz="800" dirty="0" smtClean="0">
+                <a:ea typeface="+mj-ea"/>
+              </a:rPr>
+              <a:t>Results of Existing Solutions I</a:t>
+            </a:r>
+            <a:endParaRPr kumimoji="0" lang="ko-KR" altLang="en-US" sz="1400" dirty="0">
+              <a:solidFill>
+                <a:schemeClr val="tx1">
+                  <a:lumMod val="65000"/>
+                  <a:lumOff val="35000"/>
+                </a:schemeClr>
+              </a:solidFill>
+              <a:latin typeface="+mn-lt"/>
+              <a:ea typeface="+mj-ea"/>
+            </a:endParaRPr>
+          </a:p>
+        </p:txBody>
+      </p:sp>
+      <p:sp>
+        <p:nvSpPr>
+          <p:cNvPr id="20" name="TextBox 19"/>
+          <p:cNvSpPr txBox="1"/>
+          <p:nvPr/>
+        </p:nvSpPr>
+        <p:spPr>
+          <a:xfrm>
+            <a:off x="285750" y="912813"/>
+            <a:ext cx="5643572" cy="215444"/>
+          </a:xfrm>
+          <a:prstGeom prst="rect">
+            <a:avLst/>
+          </a:prstGeom>
+          <a:noFill/>
+        </p:spPr>
+        <p:txBody>
+          <a:bodyPr wrap="square">
+            <a:spAutoFit/>
+          </a:bodyPr>
+          <a:lstStyle/>
+          <a:p>
+            <a:pPr fontAlgn="auto">
+              <a:spcBef>
+                <a:spcPts val="0"/>
+              </a:spcBef>
+              <a:spcAft>
+                <a:spcPts val="0"/>
+              </a:spcAft>
+              <a:defRPr/>
+            </a:pPr>
+            <a:r>
+              <a:rPr kumimoji="0" lang="en-US" altLang="ko-KR" sz="800" dirty="0" smtClean="0">
                 <a:solidFill>
                   <a:schemeClr val="tx1">
                     <a:lumMod val="65000"/>
@@ -12189,10 +12513,10 @@
                 <a:latin typeface="+mn-lt"/>
                 <a:ea typeface="+mn-ea"/>
               </a:rPr>
-              <a:t>   </a:t>
-            </a:r>
-            <a:r>
-              <a:rPr kumimoji="0" lang="en-US" altLang="ko-KR" sz="800" dirty="0" smtClean="0">
+              <a:t>Conventional Method</a:t>
+            </a:r>
+            <a:r>
+              <a:rPr kumimoji="0" lang="ko-KR" altLang="en-US" sz="800" dirty="0" smtClean="0">
                 <a:solidFill>
                   <a:schemeClr val="tx1">
                     <a:lumMod val="65000"/>
@@ -12202,21 +12526,50 @@
                 <a:latin typeface="+mn-lt"/>
                 <a:ea typeface="+mn-ea"/>
               </a:rPr>
-              <a:t>/  Structure Conversion  /  Structure Separation  /   </a:t>
+              <a:t>   </a:t>
             </a:r>
             <a:r>
               <a:rPr kumimoji="0" lang="en-US" altLang="ko-KR" sz="800" dirty="0" smtClean="0">
                 <a:solidFill>
-                  <a:srgbClr val="FF5001"/>
+                  <a:schemeClr val="tx1">
+                    <a:lumMod val="65000"/>
+                    <a:lumOff val="35000"/>
+                  </a:schemeClr>
                 </a:solidFill>
                 <a:latin typeface="+mn-lt"/>
                 <a:ea typeface="+mn-ea"/>
               </a:rPr>
-              <a:t>Low-pass Filtering</a:t>
+              <a:t>/  </a:t>
+            </a:r>
+            <a:r>
+              <a:rPr kumimoji="0" lang="en-US" altLang="ko-KR" sz="800" dirty="0" smtClean="0">
+                <a:solidFill>
+                  <a:srgbClr val="FF5001"/>
+                </a:solidFill>
+                <a:latin typeface="+mn-lt"/>
+                <a:ea typeface="+mn-ea"/>
+              </a:rPr>
+              <a:t>Structure Conversion</a:t>
+            </a:r>
+            <a:r>
+              <a:rPr kumimoji="0" lang="en-US" altLang="ko-KR" sz="800" dirty="0" smtClean="0">
+                <a:solidFill>
+                  <a:schemeClr val="tx1">
+                    <a:lumMod val="65000"/>
+                    <a:lumOff val="35000"/>
+                  </a:schemeClr>
+                </a:solidFill>
+                <a:latin typeface="+mn-lt"/>
+                <a:ea typeface="+mn-ea"/>
+              </a:rPr>
+              <a:t>  /  Structure Separation  /   Low-pass Filtering</a:t>
             </a:r>
             <a:endParaRPr kumimoji="0" lang="ko-KR" altLang="en-US" sz="800" dirty="0">
               <a:solidFill>
-                <a:srgbClr val="FF5001"/>
+                <a:schemeClr val="tx1">
+                  <a:lumMod val="65000"/>
+                  <a:lumOff val="35000"/>
+                </a:schemeClr>
               </a:solidFill>
               <a:latin typeface="+mn-lt"/>
               <a:ea typeface="+mn-ea"/>
@@ -12264,7 +12617,7 @@
               <a:rPr lang="en-US" dirty="0" smtClean="0">
                 <a:latin typeface="Trebuchet MS" pitchFamily="34" charset="0"/>
               </a:rPr>
-              <a:t>Low-pass Filtering -2</a:t>
+              <a:t>Structure Conversion</a:t>
             </a:r>
             <a:endParaRPr lang="en-US" dirty="0">
               <a:latin typeface="Trebuchet MS" pitchFamily="34" charset="0"/>
@@ -12274,16 +12627,77 @@
       </p:sp>
       <p:sp>
         <p:nvSpPr>
-          <p:cNvPr id="11" name="TextBox 3"/>
-          <p:cNvSpPr txBox="1">
-            <a:spLocks noChangeArrowheads="1"/>
-          </p:cNvSpPr>
-          <p:nvPr/>
-        </p:nvSpPr>
+          <p:cNvPr id="10" name="TextBox 9"/>
+          <p:cNvSpPr txBox="1"/>
+          <p:nvPr/>
+        </p:nvSpPr>
+        <p:spPr>
+          <a:xfrm>
+            <a:off x="2000232" y="5643578"/>
+            <a:ext cx="5857916" cy="369332"/>
+          </a:xfrm>
+          <a:prstGeom prst="rect">
+            <a:avLst/>
+          </a:prstGeom>
+          <a:noFill/>
+        </p:spPr>
+        <p:txBody>
+          <a:bodyPr wrap="square" rtlCol="0">
+            <a:spAutoFit/>
+          </a:bodyPr>
+          <a:lstStyle/>
+          <a:p>
+            <a:r>
+              <a:rPr lang="en-US" dirty="0" smtClean="0">
+                <a:latin typeface="Trebuchet MS" pitchFamily="34" charset="0"/>
+                <a:ea typeface="Tahoma" pitchFamily="34" charset="0"/>
+                <a:cs typeface="Tahoma" pitchFamily="34" charset="0"/>
+              </a:rPr>
+              <a:t>Quality : 75 , </a:t>
+            </a:r>
+            <a:r>
+              <a:rPr lang="en-US" dirty="0" err="1" smtClean="0">
+                <a:latin typeface="Trebuchet MS" pitchFamily="34" charset="0"/>
+                <a:ea typeface="Tahoma" pitchFamily="34" charset="0"/>
+                <a:cs typeface="Tahoma" pitchFamily="34" charset="0"/>
+              </a:rPr>
+              <a:t>Demosaic</a:t>
+            </a:r>
+            <a:r>
+              <a:rPr lang="en-US" dirty="0" smtClean="0">
+                <a:latin typeface="Trebuchet MS" pitchFamily="34" charset="0"/>
+                <a:ea typeface="Tahoma" pitchFamily="34" charset="0"/>
+                <a:cs typeface="Tahoma" pitchFamily="34" charset="0"/>
+              </a:rPr>
+              <a:t> method : frequency</a:t>
+            </a:r>
+            <a:endParaRPr lang="en-US" dirty="0" smtClean="0">
+              <a:latin typeface="Trebuchet MS" pitchFamily="34" charset="0"/>
+              <a:ea typeface="Tahoma" pitchFamily="34" charset="0"/>
+              <a:cs typeface="Tahoma" pitchFamily="34" charset="0"/>
+            </a:endParaRPr>
+          </a:p>
+        </p:txBody>
+      </p:sp>
+      <p:pic>
+        <p:nvPicPr>
+          <p:cNvPr id="6146" name="Picture 2"/>
+          <p:cNvPicPr>
+            <a:picLocks noChangeAspect="1" noChangeArrowheads="1"/>
+          </p:cNvPicPr>
+          <p:nvPr/>
+        </p:nvPicPr>
+        <p:blipFill>
+          <a:blip r:embed="rId2" cstate="print"/>
+          <a:srcRect/>
+          <a:stretch>
+            <a:fillRect/>
+          </a:stretch>
+        </p:blipFill>
         <p:spPr bwMode="auto">
           <a:xfrm>
-            <a:off x="285750" y="457200"/>
-            <a:ext cx="325730" cy="400110"/>
+            <a:off x="214282" y="2500306"/>
+            <a:ext cx="8639175" cy="3057525"/>
           </a:xfrm>
           <a:prstGeom prst="rect">
             <a:avLst/>
@@ -12296,152 +12710,7 @@
             <a:tailEnd/>
           </a:ln>
         </p:spPr>
-        <p:txBody>
-          <a:bodyPr wrap="none">
-            <a:spAutoFit/>
-          </a:bodyPr>
-          <a:lstStyle/>
-          <a:p>
-            <a:r>
-              <a:rPr kumimoji="0" lang="en-US" altLang="ko-KR" sz="2000" dirty="0" smtClean="0">
-                <a:solidFill>
-                  <a:srgbClr val="FF5001"/>
-                </a:solidFill>
-                <a:latin typeface="맑은 고딕" pitchFamily="50" charset="-127"/>
-                <a:ea typeface="맑은 고딕" pitchFamily="50" charset="-127"/>
-              </a:rPr>
-              <a:t>3</a:t>
-            </a:r>
-            <a:endParaRPr kumimoji="0" lang="ko-KR" altLang="en-US" sz="2000" dirty="0">
-              <a:solidFill>
-                <a:srgbClr val="FF5001"/>
-              </a:solidFill>
-              <a:latin typeface="맑은 고딕" pitchFamily="50" charset="-127"/>
-              <a:ea typeface="맑은 고딕" pitchFamily="50" charset="-127"/>
-            </a:endParaRPr>
-          </a:p>
-        </p:txBody>
-      </p:sp>
-      <p:cxnSp>
-        <p:nvCxnSpPr>
-          <p:cNvPr id="12" name="직선 연결선 4"/>
-          <p:cNvCxnSpPr/>
-          <p:nvPr/>
-        </p:nvCxnSpPr>
-        <p:spPr>
-          <a:xfrm>
-            <a:off x="357188" y="855663"/>
-            <a:ext cx="8429625" cy="1587"/>
-          </a:xfrm>
-          <a:prstGeom prst="line">
-            <a:avLst/>
-          </a:prstGeom>
-          <a:ln w="6350">
-            <a:solidFill>
-              <a:schemeClr val="bg1">
-                <a:lumMod val="75000"/>
-              </a:schemeClr>
-            </a:solidFill>
-          </a:ln>
-        </p:spPr>
-        <p:style>
-          <a:lnRef idx="1">
-            <a:schemeClr val="accent1"/>
-          </a:lnRef>
-          <a:fillRef idx="0">
-            <a:schemeClr val="accent1"/>
-          </a:fillRef>
-          <a:effectRef idx="0">
-            <a:schemeClr val="accent1"/>
-          </a:effectRef>
-          <a:fontRef idx="minor">
-            <a:schemeClr val="tx1"/>
-          </a:fontRef>
-        </p:style>
-      </p:cxnSp>
-      <p:sp>
-        <p:nvSpPr>
-          <p:cNvPr id="13" name="TextBox 12"/>
-          <p:cNvSpPr txBox="1"/>
-          <p:nvPr/>
-        </p:nvSpPr>
-        <p:spPr>
-          <a:xfrm>
-            <a:off x="520700" y="506413"/>
-            <a:ext cx="2644314" cy="307777"/>
-          </a:xfrm>
-          <a:prstGeom prst="rect">
-            <a:avLst/>
-          </a:prstGeom>
-          <a:noFill/>
-        </p:spPr>
-        <p:txBody>
-          <a:bodyPr wrap="none">
-            <a:spAutoFit/>
-          </a:bodyPr>
-          <a:lstStyle/>
-          <a:p>
-            <a:pPr fontAlgn="auto">
-              <a:spcBef>
-                <a:spcPts val="0"/>
-              </a:spcBef>
-              <a:spcAft>
-                <a:spcPts val="0"/>
-              </a:spcAft>
-              <a:defRPr/>
-            </a:pPr>
-            <a:r>
-              <a:rPr kumimoji="0" lang="en-US" altLang="ko-KR" sz="1400" dirty="0" smtClean="0">
-                <a:solidFill>
-                  <a:schemeClr val="tx1">
-                    <a:lumMod val="65000"/>
-                    <a:lumOff val="35000"/>
-                  </a:schemeClr>
-                </a:solidFill>
-                <a:latin typeface="+mn-lt"/>
-                <a:ea typeface="+mj-ea"/>
-              </a:rPr>
-              <a:t>Results of Existing </a:t>
-            </a:r>
-            <a:r>
-              <a:rPr kumimoji="0" lang="en-US" altLang="ko-KR" sz="1400" dirty="0" smtClean="0">
-                <a:solidFill>
-                  <a:schemeClr val="tx1">
-                    <a:lumMod val="65000"/>
-                    <a:lumOff val="35000"/>
-                  </a:schemeClr>
-                </a:solidFill>
-                <a:latin typeface="+mn-lt"/>
-                <a:ea typeface="+mj-ea"/>
-              </a:rPr>
-              <a:t>Solutions </a:t>
-            </a:r>
-            <a:r>
-              <a:rPr kumimoji="0" lang="en-US" altLang="ko-KR" sz="1400" dirty="0" smtClean="0">
-                <a:solidFill>
-                  <a:schemeClr val="tx1">
-                    <a:lumMod val="65000"/>
-                    <a:lumOff val="35000"/>
-                  </a:schemeClr>
-                </a:solidFill>
-                <a:latin typeface="+mn-lt"/>
-                <a:ea typeface="+mj-ea"/>
-              </a:rPr>
-              <a:t>I</a:t>
-            </a:r>
-            <a:endParaRPr kumimoji="0" lang="ko-KR" altLang="en-US" sz="1400" dirty="0">
-              <a:solidFill>
-                <a:schemeClr val="tx1">
-                  <a:lumMod val="65000"/>
-                  <a:lumOff val="35000"/>
-                </a:schemeClr>
-              </a:solidFill>
-              <a:latin typeface="+mn-lt"/>
-              <a:ea typeface="+mj-ea"/>
-            </a:endParaRPr>
-          </a:p>
-        </p:txBody>
-      </p:sp>
+      </p:pic>
     </p:spTree>
   </p:cSld>
   <p:clrMapOvr>
@@ -12477,77 +12746,6 @@
           <a:chExt cx="0" cy="0"/>
         </a:xfrm>
       </p:grpSpPr>
-      <p:sp>
-        <p:nvSpPr>
-          <p:cNvPr id="2" name="제목 1"/>
-          <p:cNvSpPr>
-            <a:spLocks noGrp="1"/>
-          </p:cNvSpPr>
-          <p:nvPr>
-            <p:ph type="title"/>
-          </p:nvPr>
-        </p:nvSpPr>
-        <p:spPr>
-          <a:xfrm>
-            <a:off x="457200" y="4500563"/>
-            <a:ext cx="8229600" cy="654050"/>
-          </a:xfrm>
-          <a:effectLst>
-            <a:outerShdw blurRad="25400" dir="8340000" sx="89000" sy="89000" rotWithShape="0">
-              <a:schemeClr val="tx1">
-                <a:lumMod val="85000"/>
-                <a:lumOff val="15000"/>
-                <a:alpha val="0"/>
-              </a:schemeClr>
-            </a:outerShdw>
-          </a:effectLst>
-        </p:spPr>
-        <p:txBody>
-          <a:bodyPr rtlCol="0">
-            <a:normAutofit fontScale="90000"/>
-          </a:bodyPr>
-          <a:lstStyle/>
-          <a:p>
-            <a:pPr algn="r" eaLnBrk="1" fontAlgn="auto" hangingPunct="1">
-              <a:spcAft>
-                <a:spcPts val="0"/>
-              </a:spcAft>
-              <a:defRPr/>
-            </a:pPr>
-            <a:r>
-              <a:rPr lang="en-US" altLang="ko-KR" sz="3100" dirty="0" smtClean="0">
-                <a:solidFill>
-                  <a:srgbClr val="FF5001"/>
-                </a:solidFill>
-                <a:latin typeface="BankGothic Md BT" pitchFamily="34" charset="0"/>
-              </a:rPr>
-              <a:t>Thank you,</a:t>
-            </a:r>
-            <a:r>
-              <a:rPr lang="en-US" altLang="ko-KR" dirty="0" smtClean="0">
-                <a:solidFill>
-                  <a:srgbClr val="FF5001"/>
-                </a:solidFill>
-                <a:latin typeface="BankGothic Md BT" pitchFamily="34" charset="0"/>
-              </a:rPr>
-              <a:t/>
-            </a:r>
-            <a:br>
-              <a:rPr lang="en-US" altLang="ko-KR" dirty="0" smtClean="0">
-                <a:solidFill>
-                  <a:srgbClr val="FF5001"/>
-                </a:solidFill>
-                <a:latin typeface="BankGothic Md BT" pitchFamily="34" charset="0"/>
-              </a:rPr>
-            </a:br>
-            <a:endParaRPr lang="ko-KR" altLang="en-US" dirty="0">
-              <a:solidFill>
-                <a:srgbClr val="FF5001"/>
-              </a:solidFill>
-            </a:endParaRPr>
-          </a:p>
-        </p:txBody>
-      </p:sp>
       <p:cxnSp>
         <p:nvCxnSpPr>
           <p:cNvPr id="5" name="직선 연결선 4"/>
@@ -12556,7 +12754,7 @@
         </p:nvCxnSpPr>
         <p:spPr>
           <a:xfrm>
-            <a:off x="357188" y="4214813"/>
+            <a:off x="357188" y="855663"/>
             <a:ext cx="8429625" cy="1587"/>
           </a:xfrm>
           <a:prstGeom prst="line">
@@ -12587,6 +12785,3253 @@
       </p:cxnSp>
       <p:sp>
         <p:nvSpPr>
+          <p:cNvPr id="17" name="슬라이드 번호 개체 틀 16"/>
+          <p:cNvSpPr>
+            <a:spLocks noGrp="1"/>
+          </p:cNvSpPr>
+          <p:nvPr>
+            <p:ph type="sldNum" sz="quarter" idx="12"/>
+          </p:nvPr>
+        </p:nvSpPr>
+        <p:spPr/>
+        <p:txBody>
+          <a:bodyPr/>
+          <a:lstStyle/>
+          <a:p>
+            <a:pPr>
+              <a:defRPr/>
+            </a:pPr>
+            <a:fld id="{0966E806-9C6D-4C18-B035-4C94F8AC2EC1}" type="slidenum">
+              <a:rPr lang="ko-KR" altLang="en-US" smtClean="0"/>
+              <a:pPr>
+                <a:defRPr/>
+              </a:pPr>
+              <a:t>23</a:t>
+            </a:fld>
+            <a:endParaRPr lang="ko-KR" altLang="en-US"/>
+          </a:p>
+        </p:txBody>
+      </p:sp>
+      <p:sp>
+        <p:nvSpPr>
+          <p:cNvPr id="18" name="TextBox 17"/>
+          <p:cNvSpPr txBox="1"/>
+          <p:nvPr/>
+        </p:nvSpPr>
+        <p:spPr>
+          <a:xfrm>
+            <a:off x="214313" y="49213"/>
+            <a:ext cx="4286250" cy="307975"/>
+          </a:xfrm>
+          <a:prstGeom prst="rect">
+            <a:avLst/>
+          </a:prstGeom>
+          <a:noFill/>
+        </p:spPr>
+        <p:txBody>
+          <a:bodyPr>
+            <a:spAutoFit/>
+          </a:bodyPr>
+          <a:lstStyle/>
+          <a:p>
+            <a:pPr fontAlgn="auto">
+              <a:spcBef>
+                <a:spcPts val="0"/>
+              </a:spcBef>
+              <a:spcAft>
+                <a:spcPts val="0"/>
+              </a:spcAft>
+              <a:defRPr/>
+            </a:pPr>
+            <a:r>
+              <a:rPr kumimoji="0" lang="en-US" altLang="ko-KR" sz="1400" dirty="0" smtClean="0">
+                <a:solidFill>
+                  <a:schemeClr val="bg1">
+                    <a:lumMod val="85000"/>
+                  </a:schemeClr>
+                </a:solidFill>
+                <a:latin typeface="BankGothic Md BT" pitchFamily="34" charset="0"/>
+                <a:ea typeface="+mn-ea"/>
+              </a:rPr>
+              <a:t>EE398A 	Final Project</a:t>
+            </a:r>
+            <a:endParaRPr kumimoji="0" lang="ko-KR" altLang="en-US" sz="1400" dirty="0">
+              <a:solidFill>
+                <a:schemeClr val="bg1">
+                  <a:lumMod val="85000"/>
+                </a:schemeClr>
+              </a:solidFill>
+              <a:latin typeface="BankGothic Md BT" pitchFamily="34" charset="0"/>
+              <a:ea typeface="+mn-ea"/>
+            </a:endParaRPr>
+          </a:p>
+        </p:txBody>
+      </p:sp>
+      <p:sp>
+        <p:nvSpPr>
+          <p:cNvPr id="20" name="TextBox 19"/>
+          <p:cNvSpPr txBox="1"/>
+          <p:nvPr/>
+        </p:nvSpPr>
+        <p:spPr>
+          <a:xfrm>
+            <a:off x="285750" y="912813"/>
+            <a:ext cx="5643572" cy="215444"/>
+          </a:xfrm>
+          <a:prstGeom prst="rect">
+            <a:avLst/>
+          </a:prstGeom>
+          <a:noFill/>
+        </p:spPr>
+        <p:txBody>
+          <a:bodyPr wrap="square">
+            <a:spAutoFit/>
+          </a:bodyPr>
+          <a:lstStyle/>
+          <a:p>
+            <a:pPr fontAlgn="auto">
+              <a:spcBef>
+                <a:spcPts val="0"/>
+              </a:spcBef>
+              <a:spcAft>
+                <a:spcPts val="0"/>
+              </a:spcAft>
+              <a:defRPr/>
+            </a:pPr>
+            <a:r>
+              <a:rPr kumimoji="0" lang="en-US" altLang="ko-KR" sz="800" dirty="0" smtClean="0">
+                <a:solidFill>
+                  <a:schemeClr val="tx1">
+                    <a:lumMod val="65000"/>
+                    <a:lumOff val="35000"/>
+                  </a:schemeClr>
+                </a:solidFill>
+                <a:latin typeface="+mn-lt"/>
+                <a:ea typeface="+mn-ea"/>
+              </a:rPr>
+              <a:t>Conventional Method</a:t>
+            </a:r>
+            <a:r>
+              <a:rPr kumimoji="0" lang="ko-KR" altLang="en-US" sz="800" dirty="0" smtClean="0">
+                <a:solidFill>
+                  <a:schemeClr val="tx1">
+                    <a:lumMod val="65000"/>
+                    <a:lumOff val="35000"/>
+                  </a:schemeClr>
+                </a:solidFill>
+                <a:latin typeface="+mn-lt"/>
+                <a:ea typeface="+mn-ea"/>
+              </a:rPr>
+              <a:t>   </a:t>
+            </a:r>
+            <a:r>
+              <a:rPr kumimoji="0" lang="en-US" altLang="ko-KR" sz="800" dirty="0" smtClean="0">
+                <a:solidFill>
+                  <a:schemeClr val="tx1">
+                    <a:lumMod val="65000"/>
+                    <a:lumOff val="35000"/>
+                  </a:schemeClr>
+                </a:solidFill>
+                <a:latin typeface="+mn-lt"/>
+                <a:ea typeface="+mn-ea"/>
+              </a:rPr>
+              <a:t>/  Structure Conversion  /  </a:t>
+            </a:r>
+            <a:r>
+              <a:rPr kumimoji="0" lang="en-US" altLang="ko-KR" sz="800" dirty="0" smtClean="0">
+                <a:solidFill>
+                  <a:srgbClr val="FF5001"/>
+                </a:solidFill>
+                <a:latin typeface="+mn-lt"/>
+                <a:ea typeface="+mn-ea"/>
+              </a:rPr>
+              <a:t>Structure Separation  </a:t>
+            </a:r>
+            <a:r>
+              <a:rPr kumimoji="0" lang="en-US" altLang="ko-KR" sz="800" dirty="0" smtClean="0">
+                <a:solidFill>
+                  <a:schemeClr val="tx1">
+                    <a:lumMod val="65000"/>
+                    <a:lumOff val="35000"/>
+                  </a:schemeClr>
+                </a:solidFill>
+                <a:latin typeface="+mn-lt"/>
+                <a:ea typeface="+mn-ea"/>
+              </a:rPr>
+              <a:t>/   Low-pass Filtering</a:t>
+            </a:r>
+            <a:endParaRPr kumimoji="0" lang="ko-KR" altLang="en-US" sz="800" dirty="0">
+              <a:solidFill>
+                <a:schemeClr val="tx1">
+                  <a:lumMod val="65000"/>
+                  <a:lumOff val="35000"/>
+                </a:schemeClr>
+              </a:solidFill>
+              <a:latin typeface="+mn-lt"/>
+              <a:ea typeface="+mn-ea"/>
+            </a:endParaRPr>
+          </a:p>
+        </p:txBody>
+      </p:sp>
+      <p:sp>
+        <p:nvSpPr>
+          <p:cNvPr id="21" name="TextBox 20"/>
+          <p:cNvSpPr txBox="1"/>
+          <p:nvPr/>
+        </p:nvSpPr>
+        <p:spPr>
+          <a:xfrm>
+            <a:off x="428596" y="1857364"/>
+            <a:ext cx="2500330" cy="369332"/>
+          </a:xfrm>
+          <a:prstGeom prst="rect">
+            <a:avLst/>
+          </a:prstGeom>
+        </p:spPr>
+        <p:style>
+          <a:lnRef idx="2">
+            <a:schemeClr val="accent1"/>
+          </a:lnRef>
+          <a:fillRef idx="1">
+            <a:schemeClr val="lt1"/>
+          </a:fillRef>
+          <a:effectRef idx="0">
+            <a:schemeClr val="accent1"/>
+          </a:effectRef>
+          <a:fontRef idx="minor">
+            <a:schemeClr val="dk1"/>
+          </a:fontRef>
+        </p:style>
+        <p:txBody>
+          <a:bodyPr wrap="square" rtlCol="0">
+            <a:spAutoFit/>
+          </a:bodyPr>
+          <a:lstStyle/>
+          <a:p>
+            <a:pPr algn="ctr"/>
+            <a:r>
+              <a:rPr lang="en-US" dirty="0" smtClean="0">
+                <a:latin typeface="Trebuchet MS" pitchFamily="34" charset="0"/>
+              </a:rPr>
+              <a:t>Structure Separation</a:t>
+            </a:r>
+            <a:endParaRPr lang="en-US" dirty="0">
+              <a:latin typeface="Trebuchet MS" pitchFamily="34" charset="0"/>
+            </a:endParaRPr>
+          </a:p>
+        </p:txBody>
+      </p:sp>
+      <p:sp>
+        <p:nvSpPr>
+          <p:cNvPr id="13" name="TextBox 3"/>
+          <p:cNvSpPr txBox="1">
+            <a:spLocks noChangeArrowheads="1"/>
+          </p:cNvSpPr>
+          <p:nvPr/>
+        </p:nvSpPr>
+        <p:spPr bwMode="auto">
+          <a:xfrm>
+            <a:off x="285750" y="457200"/>
+            <a:ext cx="325730" cy="400110"/>
+          </a:xfrm>
+          <a:prstGeom prst="rect">
+            <a:avLst/>
+          </a:prstGeom>
+          <a:noFill/>
+          <a:ln w="9525">
+            <a:noFill/>
+            <a:miter lim="800000"/>
+            <a:headEnd/>
+            <a:tailEnd/>
+          </a:ln>
+        </p:spPr>
+        <p:txBody>
+          <a:bodyPr wrap="none">
+            <a:spAutoFit/>
+          </a:bodyPr>
+          <a:lstStyle/>
+          <a:p>
+            <a:r>
+              <a:rPr kumimoji="0" lang="en-US" altLang="ko-KR" sz="2000" dirty="0" smtClean="0">
+                <a:solidFill>
+                  <a:srgbClr val="FF5001"/>
+                </a:solidFill>
+                <a:latin typeface="맑은 고딕" pitchFamily="50" charset="-127"/>
+                <a:ea typeface="맑은 고딕" pitchFamily="50" charset="-127"/>
+              </a:rPr>
+              <a:t>3</a:t>
+            </a:r>
+            <a:endParaRPr kumimoji="0" lang="ko-KR" altLang="en-US" sz="2000" dirty="0">
+              <a:solidFill>
+                <a:srgbClr val="FF5001"/>
+              </a:solidFill>
+              <a:latin typeface="맑은 고딕" pitchFamily="50" charset="-127"/>
+              <a:ea typeface="맑은 고딕" pitchFamily="50" charset="-127"/>
+            </a:endParaRPr>
+          </a:p>
+        </p:txBody>
+      </p:sp>
+      <p:cxnSp>
+        <p:nvCxnSpPr>
+          <p:cNvPr id="14" name="직선 연결선 4"/>
+          <p:cNvCxnSpPr/>
+          <p:nvPr/>
+        </p:nvCxnSpPr>
+        <p:spPr>
+          <a:xfrm>
+            <a:off x="357188" y="855663"/>
+            <a:ext cx="8429625" cy="1587"/>
+          </a:xfrm>
+          <a:prstGeom prst="line">
+            <a:avLst/>
+          </a:prstGeom>
+          <a:ln w="6350">
+            <a:solidFill>
+              <a:schemeClr val="bg1">
+                <a:lumMod val="75000"/>
+              </a:schemeClr>
+            </a:solidFill>
+          </a:ln>
+        </p:spPr>
+        <p:style>
+          <a:lnRef idx="1">
+            <a:schemeClr val="accent1"/>
+          </a:lnRef>
+          <a:fillRef idx="0">
+            <a:schemeClr val="accent1"/>
+          </a:fillRef>
+          <a:effectRef idx="0">
+            <a:schemeClr val="accent1"/>
+          </a:effectRef>
+          <a:fontRef idx="minor">
+            <a:schemeClr val="tx1"/>
+          </a:fontRef>
+        </p:style>
+      </p:cxnSp>
+      <p:sp>
+        <p:nvSpPr>
+          <p:cNvPr id="15" name="TextBox 14"/>
+          <p:cNvSpPr txBox="1"/>
+          <p:nvPr/>
+        </p:nvSpPr>
+        <p:spPr>
+          <a:xfrm>
+            <a:off x="520700" y="506413"/>
+            <a:ext cx="2644314" cy="307777"/>
+          </a:xfrm>
+          <a:prstGeom prst="rect">
+            <a:avLst/>
+          </a:prstGeom>
+          <a:noFill/>
+        </p:spPr>
+        <p:txBody>
+          <a:bodyPr wrap="none">
+            <a:spAutoFit/>
+          </a:bodyPr>
+          <a:lstStyle/>
+          <a:p>
+            <a:pPr fontAlgn="auto">
+              <a:spcBef>
+                <a:spcPts val="0"/>
+              </a:spcBef>
+              <a:spcAft>
+                <a:spcPts val="0"/>
+              </a:spcAft>
+              <a:defRPr/>
+            </a:pPr>
+            <a:r>
+              <a:rPr kumimoji="0" lang="en-US" altLang="ko-KR" sz="1400" dirty="0" smtClean="0">
+                <a:solidFill>
+                  <a:schemeClr val="tx1">
+                    <a:lumMod val="65000"/>
+                    <a:lumOff val="35000"/>
+                  </a:schemeClr>
+                </a:solidFill>
+                <a:latin typeface="+mn-lt"/>
+                <a:ea typeface="+mj-ea"/>
+              </a:rPr>
+              <a:t>Results of Existing Solutions I</a:t>
+            </a:r>
+            <a:endParaRPr kumimoji="0" lang="ko-KR" altLang="en-US" sz="1400" dirty="0">
+              <a:solidFill>
+                <a:schemeClr val="tx1">
+                  <a:lumMod val="65000"/>
+                  <a:lumOff val="35000"/>
+                </a:schemeClr>
+              </a:solidFill>
+              <a:latin typeface="+mn-lt"/>
+              <a:ea typeface="+mj-ea"/>
+            </a:endParaRPr>
+          </a:p>
+        </p:txBody>
+      </p:sp>
+      <p:sp>
+        <p:nvSpPr>
+          <p:cNvPr id="11" name="TextBox 10"/>
+          <p:cNvSpPr txBox="1"/>
+          <p:nvPr/>
+        </p:nvSpPr>
+        <p:spPr>
+          <a:xfrm>
+            <a:off x="2000232" y="5643578"/>
+            <a:ext cx="5857916" cy="369332"/>
+          </a:xfrm>
+          <a:prstGeom prst="rect">
+            <a:avLst/>
+          </a:prstGeom>
+          <a:noFill/>
+        </p:spPr>
+        <p:txBody>
+          <a:bodyPr wrap="square" rtlCol="0">
+            <a:spAutoFit/>
+          </a:bodyPr>
+          <a:lstStyle/>
+          <a:p>
+            <a:r>
+              <a:rPr lang="en-US" dirty="0" smtClean="0">
+                <a:latin typeface="Trebuchet MS" pitchFamily="34" charset="0"/>
+                <a:ea typeface="Tahoma" pitchFamily="34" charset="0"/>
+                <a:cs typeface="Tahoma" pitchFamily="34" charset="0"/>
+              </a:rPr>
+              <a:t>Quality : 75 , </a:t>
+            </a:r>
+            <a:r>
+              <a:rPr lang="en-US" dirty="0" err="1" smtClean="0">
+                <a:latin typeface="Trebuchet MS" pitchFamily="34" charset="0"/>
+                <a:ea typeface="Tahoma" pitchFamily="34" charset="0"/>
+                <a:cs typeface="Tahoma" pitchFamily="34" charset="0"/>
+              </a:rPr>
+              <a:t>Demosaic</a:t>
+            </a:r>
+            <a:r>
+              <a:rPr lang="en-US" dirty="0" smtClean="0">
+                <a:latin typeface="Trebuchet MS" pitchFamily="34" charset="0"/>
+                <a:ea typeface="Tahoma" pitchFamily="34" charset="0"/>
+                <a:cs typeface="Tahoma" pitchFamily="34" charset="0"/>
+              </a:rPr>
+              <a:t> method : frequency</a:t>
+            </a:r>
+            <a:endParaRPr lang="en-US" dirty="0" smtClean="0">
+              <a:latin typeface="Trebuchet MS" pitchFamily="34" charset="0"/>
+              <a:ea typeface="Tahoma" pitchFamily="34" charset="0"/>
+              <a:cs typeface="Tahoma" pitchFamily="34" charset="0"/>
+            </a:endParaRPr>
+          </a:p>
+        </p:txBody>
+      </p:sp>
+      <p:pic>
+        <p:nvPicPr>
+          <p:cNvPr id="7170" name="Picture 2"/>
+          <p:cNvPicPr>
+            <a:picLocks noChangeAspect="1" noChangeArrowheads="1"/>
+          </p:cNvPicPr>
+          <p:nvPr/>
+        </p:nvPicPr>
+        <p:blipFill>
+          <a:blip r:embed="rId2" cstate="print"/>
+          <a:srcRect/>
+          <a:stretch>
+            <a:fillRect/>
+          </a:stretch>
+        </p:blipFill>
+        <p:spPr bwMode="auto">
+          <a:xfrm>
+            <a:off x="357158" y="2643182"/>
+            <a:ext cx="8429652" cy="2803795"/>
+          </a:xfrm>
+          <a:prstGeom prst="rect">
+            <a:avLst/>
+          </a:prstGeom>
+          <a:noFill/>
+          <a:ln w="9525">
+            <a:noFill/>
+            <a:miter lim="800000"/>
+            <a:headEnd/>
+            <a:tailEnd/>
+          </a:ln>
+        </p:spPr>
+      </p:pic>
+    </p:spTree>
+  </p:cSld>
+  <p:clrMapOvr>
+    <a:masterClrMapping/>
+  </p:clrMapOvr>
+  <p:transition>
+    <p:fade/>
+  </p:transition>
+  <p:timing>
+    <p:tnLst>
+      <p:par>
+        <p:cTn id="1" dur="indefinite" restart="never" nodeType="tmRoot"/>
+      </p:par>
+    </p:tnLst>
+  </p:timing>
+</p:sld>
+</file>
+
+<file path=ppt/slides/slide24.xml><?xml version="1.0" encoding="utf-8"?>
+<p:sld xmlns:a="http://schemas.openxmlformats.org/drawingml/2006/main" xmlns:r="http://schemas.openxmlformats.org/officeDocument/2006/relationships" xmlns:p="http://schemas.openxmlformats.org/presentationml/2006/main">
+  <p:cSld>
+    <p:spTree>
+      <p:nvGrpSpPr>
+        <p:cNvPr id="1" name=""/>
+        <p:cNvGrpSpPr/>
+        <p:nvPr/>
+      </p:nvGrpSpPr>
+      <p:grpSpPr>
+        <a:xfrm>
+          <a:off x="0" y="0"/>
+          <a:ext cx="0" cy="0"/>
+          <a:chOff x="0" y="0"/>
+          <a:chExt cx="0" cy="0"/>
+        </a:xfrm>
+      </p:grpSpPr>
+      <p:cxnSp>
+        <p:nvCxnSpPr>
+          <p:cNvPr id="5" name="직선 연결선 4"/>
+          <p:cNvCxnSpPr/>
+          <p:nvPr/>
+        </p:nvCxnSpPr>
+        <p:spPr>
+          <a:xfrm>
+            <a:off x="357188" y="855663"/>
+            <a:ext cx="8429625" cy="1587"/>
+          </a:xfrm>
+          <a:prstGeom prst="line">
+            <a:avLst/>
+          </a:prstGeom>
+          <a:ln w="6350">
+            <a:solidFill>
+              <a:schemeClr val="bg1">
+                <a:lumMod val="75000"/>
+              </a:schemeClr>
+            </a:solidFill>
+          </a:ln>
+        </p:spPr>
+        <p:style>
+          <a:lnRef idx="1">
+            <a:schemeClr val="accent1"/>
+          </a:lnRef>
+          <a:fillRef idx="0">
+            <a:schemeClr val="accent1"/>
+          </a:fillRef>
+          <a:effectRef idx="0">
+            <a:schemeClr val="accent1"/>
+          </a:effectRef>
+          <a:fontRef idx="minor">
+            <a:schemeClr val="tx1"/>
+          </a:fontRef>
+        </p:style>
+      </p:cxnSp>
+      <p:sp>
+        <p:nvSpPr>
+          <p:cNvPr id="17" name="슬라이드 번호 개체 틀 16"/>
+          <p:cNvSpPr>
+            <a:spLocks noGrp="1"/>
+          </p:cNvSpPr>
+          <p:nvPr>
+            <p:ph type="sldNum" sz="quarter" idx="12"/>
+          </p:nvPr>
+        </p:nvSpPr>
+        <p:spPr/>
+        <p:txBody>
+          <a:bodyPr/>
+          <a:lstStyle/>
+          <a:p>
+            <a:pPr>
+              <a:defRPr/>
+            </a:pPr>
+            <a:fld id="{0966E806-9C6D-4C18-B035-4C94F8AC2EC1}" type="slidenum">
+              <a:rPr lang="ko-KR" altLang="en-US" smtClean="0"/>
+              <a:pPr>
+                <a:defRPr/>
+              </a:pPr>
+              <a:t>24</a:t>
+            </a:fld>
+            <a:endParaRPr lang="ko-KR" altLang="en-US"/>
+          </a:p>
+        </p:txBody>
+      </p:sp>
+      <p:sp>
+        <p:nvSpPr>
+          <p:cNvPr id="18" name="TextBox 17"/>
+          <p:cNvSpPr txBox="1"/>
+          <p:nvPr/>
+        </p:nvSpPr>
+        <p:spPr>
+          <a:xfrm>
+            <a:off x="214313" y="49213"/>
+            <a:ext cx="4286250" cy="307975"/>
+          </a:xfrm>
+          <a:prstGeom prst="rect">
+            <a:avLst/>
+          </a:prstGeom>
+          <a:noFill/>
+        </p:spPr>
+        <p:txBody>
+          <a:bodyPr>
+            <a:spAutoFit/>
+          </a:bodyPr>
+          <a:lstStyle/>
+          <a:p>
+            <a:pPr fontAlgn="auto">
+              <a:spcBef>
+                <a:spcPts val="0"/>
+              </a:spcBef>
+              <a:spcAft>
+                <a:spcPts val="0"/>
+              </a:spcAft>
+              <a:defRPr/>
+            </a:pPr>
+            <a:r>
+              <a:rPr kumimoji="0" lang="en-US" altLang="ko-KR" sz="1400" dirty="0" smtClean="0">
+                <a:solidFill>
+                  <a:schemeClr val="bg1">
+                    <a:lumMod val="85000"/>
+                  </a:schemeClr>
+                </a:solidFill>
+                <a:latin typeface="BankGothic Md BT" pitchFamily="34" charset="0"/>
+                <a:ea typeface="+mn-ea"/>
+              </a:rPr>
+              <a:t>EE398A 	Final Project</a:t>
+            </a:r>
+            <a:endParaRPr kumimoji="0" lang="ko-KR" altLang="en-US" sz="1400" dirty="0">
+              <a:solidFill>
+                <a:schemeClr val="bg1">
+                  <a:lumMod val="85000"/>
+                </a:schemeClr>
+              </a:solidFill>
+              <a:latin typeface="BankGothic Md BT" pitchFamily="34" charset="0"/>
+              <a:ea typeface="+mn-ea"/>
+            </a:endParaRPr>
+          </a:p>
+        </p:txBody>
+      </p:sp>
+      <p:sp>
+        <p:nvSpPr>
+          <p:cNvPr id="20" name="TextBox 19"/>
+          <p:cNvSpPr txBox="1"/>
+          <p:nvPr/>
+        </p:nvSpPr>
+        <p:spPr>
+          <a:xfrm>
+            <a:off x="285750" y="912813"/>
+            <a:ext cx="5643572" cy="215444"/>
+          </a:xfrm>
+          <a:prstGeom prst="rect">
+            <a:avLst/>
+          </a:prstGeom>
+          <a:noFill/>
+        </p:spPr>
+        <p:txBody>
+          <a:bodyPr wrap="square">
+            <a:spAutoFit/>
+          </a:bodyPr>
+          <a:lstStyle/>
+          <a:p>
+            <a:pPr fontAlgn="auto">
+              <a:spcBef>
+                <a:spcPts val="0"/>
+              </a:spcBef>
+              <a:spcAft>
+                <a:spcPts val="0"/>
+              </a:spcAft>
+              <a:defRPr/>
+            </a:pPr>
+            <a:r>
+              <a:rPr kumimoji="0" lang="en-US" altLang="ko-KR" sz="800" dirty="0" smtClean="0">
+                <a:solidFill>
+                  <a:schemeClr val="tx1">
+                    <a:lumMod val="65000"/>
+                    <a:lumOff val="35000"/>
+                  </a:schemeClr>
+                </a:solidFill>
+                <a:latin typeface="+mn-lt"/>
+                <a:ea typeface="+mn-ea"/>
+              </a:rPr>
+              <a:t>Conventional Method</a:t>
+            </a:r>
+            <a:r>
+              <a:rPr kumimoji="0" lang="ko-KR" altLang="en-US" sz="800" dirty="0" smtClean="0">
+                <a:solidFill>
+                  <a:schemeClr val="tx1">
+                    <a:lumMod val="65000"/>
+                    <a:lumOff val="35000"/>
+                  </a:schemeClr>
+                </a:solidFill>
+                <a:latin typeface="+mn-lt"/>
+                <a:ea typeface="+mn-ea"/>
+              </a:rPr>
+              <a:t>   </a:t>
+            </a:r>
+            <a:r>
+              <a:rPr kumimoji="0" lang="en-US" altLang="ko-KR" sz="800" dirty="0" smtClean="0">
+                <a:solidFill>
+                  <a:schemeClr val="tx1">
+                    <a:lumMod val="65000"/>
+                    <a:lumOff val="35000"/>
+                  </a:schemeClr>
+                </a:solidFill>
+                <a:latin typeface="+mn-lt"/>
+                <a:ea typeface="+mn-ea"/>
+              </a:rPr>
+              <a:t>/  Structure Conversion  /  </a:t>
+            </a:r>
+            <a:r>
+              <a:rPr kumimoji="0" lang="en-US" altLang="ko-KR" sz="800" dirty="0" smtClean="0">
+                <a:solidFill>
+                  <a:srgbClr val="FF5001"/>
+                </a:solidFill>
+                <a:latin typeface="+mn-lt"/>
+                <a:ea typeface="+mn-ea"/>
+              </a:rPr>
+              <a:t>Structure Separation  </a:t>
+            </a:r>
+            <a:r>
+              <a:rPr kumimoji="0" lang="en-US" altLang="ko-KR" sz="800" dirty="0" smtClean="0">
+                <a:solidFill>
+                  <a:schemeClr val="tx1">
+                    <a:lumMod val="65000"/>
+                    <a:lumOff val="35000"/>
+                  </a:schemeClr>
+                </a:solidFill>
+                <a:latin typeface="+mn-lt"/>
+                <a:ea typeface="+mn-ea"/>
+              </a:rPr>
+              <a:t>/   Low-pass Filtering</a:t>
+            </a:r>
+            <a:endParaRPr kumimoji="0" lang="ko-KR" altLang="en-US" sz="800" dirty="0">
+              <a:solidFill>
+                <a:schemeClr val="tx1">
+                  <a:lumMod val="65000"/>
+                  <a:lumOff val="35000"/>
+                </a:schemeClr>
+              </a:solidFill>
+              <a:latin typeface="+mn-lt"/>
+              <a:ea typeface="+mn-ea"/>
+            </a:endParaRPr>
+          </a:p>
+        </p:txBody>
+      </p:sp>
+      <p:sp>
+        <p:nvSpPr>
+          <p:cNvPr id="21" name="TextBox 20"/>
+          <p:cNvSpPr txBox="1"/>
+          <p:nvPr/>
+        </p:nvSpPr>
+        <p:spPr>
+          <a:xfrm>
+            <a:off x="428596" y="1857364"/>
+            <a:ext cx="2500330" cy="369332"/>
+          </a:xfrm>
+          <a:prstGeom prst="rect">
+            <a:avLst/>
+          </a:prstGeom>
+        </p:spPr>
+        <p:style>
+          <a:lnRef idx="2">
+            <a:schemeClr val="accent1"/>
+          </a:lnRef>
+          <a:fillRef idx="1">
+            <a:schemeClr val="lt1"/>
+          </a:fillRef>
+          <a:effectRef idx="0">
+            <a:schemeClr val="accent1"/>
+          </a:effectRef>
+          <a:fontRef idx="minor">
+            <a:schemeClr val="dk1"/>
+          </a:fontRef>
+        </p:style>
+        <p:txBody>
+          <a:bodyPr wrap="square" rtlCol="0">
+            <a:spAutoFit/>
+          </a:bodyPr>
+          <a:lstStyle/>
+          <a:p>
+            <a:pPr algn="ctr"/>
+            <a:r>
+              <a:rPr lang="en-US" dirty="0" smtClean="0">
+                <a:latin typeface="Trebuchet MS" pitchFamily="34" charset="0"/>
+              </a:rPr>
+              <a:t>Structure Separation</a:t>
+            </a:r>
+            <a:endParaRPr lang="en-US" dirty="0">
+              <a:latin typeface="Trebuchet MS" pitchFamily="34" charset="0"/>
+            </a:endParaRPr>
+          </a:p>
+        </p:txBody>
+      </p:sp>
+      <p:sp>
+        <p:nvSpPr>
+          <p:cNvPr id="13" name="TextBox 3"/>
+          <p:cNvSpPr txBox="1">
+            <a:spLocks noChangeArrowheads="1"/>
+          </p:cNvSpPr>
+          <p:nvPr/>
+        </p:nvSpPr>
+        <p:spPr bwMode="auto">
+          <a:xfrm>
+            <a:off x="285750" y="457200"/>
+            <a:ext cx="325730" cy="400110"/>
+          </a:xfrm>
+          <a:prstGeom prst="rect">
+            <a:avLst/>
+          </a:prstGeom>
+          <a:noFill/>
+          <a:ln w="9525">
+            <a:noFill/>
+            <a:miter lim="800000"/>
+            <a:headEnd/>
+            <a:tailEnd/>
+          </a:ln>
+        </p:spPr>
+        <p:txBody>
+          <a:bodyPr wrap="none">
+            <a:spAutoFit/>
+          </a:bodyPr>
+          <a:lstStyle/>
+          <a:p>
+            <a:r>
+              <a:rPr kumimoji="0" lang="en-US" altLang="ko-KR" sz="2000" dirty="0" smtClean="0">
+                <a:solidFill>
+                  <a:srgbClr val="FF5001"/>
+                </a:solidFill>
+                <a:latin typeface="맑은 고딕" pitchFamily="50" charset="-127"/>
+                <a:ea typeface="맑은 고딕" pitchFamily="50" charset="-127"/>
+              </a:rPr>
+              <a:t>3</a:t>
+            </a:r>
+            <a:endParaRPr kumimoji="0" lang="ko-KR" altLang="en-US" sz="2000" dirty="0">
+              <a:solidFill>
+                <a:srgbClr val="FF5001"/>
+              </a:solidFill>
+              <a:latin typeface="맑은 고딕" pitchFamily="50" charset="-127"/>
+              <a:ea typeface="맑은 고딕" pitchFamily="50" charset="-127"/>
+            </a:endParaRPr>
+          </a:p>
+        </p:txBody>
+      </p:sp>
+      <p:cxnSp>
+        <p:nvCxnSpPr>
+          <p:cNvPr id="14" name="직선 연결선 4"/>
+          <p:cNvCxnSpPr/>
+          <p:nvPr/>
+        </p:nvCxnSpPr>
+        <p:spPr>
+          <a:xfrm>
+            <a:off x="357188" y="855663"/>
+            <a:ext cx="8429625" cy="1587"/>
+          </a:xfrm>
+          <a:prstGeom prst="line">
+            <a:avLst/>
+          </a:prstGeom>
+          <a:ln w="6350">
+            <a:solidFill>
+              <a:schemeClr val="bg1">
+                <a:lumMod val="75000"/>
+              </a:schemeClr>
+            </a:solidFill>
+          </a:ln>
+        </p:spPr>
+        <p:style>
+          <a:lnRef idx="1">
+            <a:schemeClr val="accent1"/>
+          </a:lnRef>
+          <a:fillRef idx="0">
+            <a:schemeClr val="accent1"/>
+          </a:fillRef>
+          <a:effectRef idx="0">
+            <a:schemeClr val="accent1"/>
+          </a:effectRef>
+          <a:fontRef idx="minor">
+            <a:schemeClr val="tx1"/>
+          </a:fontRef>
+        </p:style>
+      </p:cxnSp>
+      <p:sp>
+        <p:nvSpPr>
+          <p:cNvPr id="15" name="TextBox 14"/>
+          <p:cNvSpPr txBox="1"/>
+          <p:nvPr/>
+        </p:nvSpPr>
+        <p:spPr>
+          <a:xfrm>
+            <a:off x="520700" y="506413"/>
+            <a:ext cx="2644314" cy="307777"/>
+          </a:xfrm>
+          <a:prstGeom prst="rect">
+            <a:avLst/>
+          </a:prstGeom>
+          <a:noFill/>
+        </p:spPr>
+        <p:txBody>
+          <a:bodyPr wrap="none">
+            <a:spAutoFit/>
+          </a:bodyPr>
+          <a:lstStyle/>
+          <a:p>
+            <a:pPr fontAlgn="auto">
+              <a:spcBef>
+                <a:spcPts val="0"/>
+              </a:spcBef>
+              <a:spcAft>
+                <a:spcPts val="0"/>
+              </a:spcAft>
+              <a:defRPr/>
+            </a:pPr>
+            <a:r>
+              <a:rPr kumimoji="0" lang="en-US" altLang="ko-KR" sz="1400" dirty="0" smtClean="0">
+                <a:solidFill>
+                  <a:schemeClr val="tx1">
+                    <a:lumMod val="65000"/>
+                    <a:lumOff val="35000"/>
+                  </a:schemeClr>
+                </a:solidFill>
+                <a:latin typeface="+mn-lt"/>
+                <a:ea typeface="+mj-ea"/>
+              </a:rPr>
+              <a:t>Results of Existing Solutions I</a:t>
+            </a:r>
+            <a:endParaRPr kumimoji="0" lang="ko-KR" altLang="en-US" sz="1400" dirty="0">
+              <a:solidFill>
+                <a:schemeClr val="tx1">
+                  <a:lumMod val="65000"/>
+                  <a:lumOff val="35000"/>
+                </a:schemeClr>
+              </a:solidFill>
+              <a:latin typeface="+mn-lt"/>
+              <a:ea typeface="+mj-ea"/>
+            </a:endParaRPr>
+          </a:p>
+        </p:txBody>
+      </p:sp>
+      <p:sp>
+        <p:nvSpPr>
+          <p:cNvPr id="11" name="TextBox 10"/>
+          <p:cNvSpPr txBox="1"/>
+          <p:nvPr/>
+        </p:nvSpPr>
+        <p:spPr>
+          <a:xfrm>
+            <a:off x="2000232" y="5643578"/>
+            <a:ext cx="5857916" cy="369332"/>
+          </a:xfrm>
+          <a:prstGeom prst="rect">
+            <a:avLst/>
+          </a:prstGeom>
+          <a:noFill/>
+        </p:spPr>
+        <p:txBody>
+          <a:bodyPr wrap="square" rtlCol="0">
+            <a:spAutoFit/>
+          </a:bodyPr>
+          <a:lstStyle/>
+          <a:p>
+            <a:r>
+              <a:rPr lang="en-US" dirty="0" smtClean="0">
+                <a:latin typeface="Trebuchet MS" pitchFamily="34" charset="0"/>
+                <a:ea typeface="Tahoma" pitchFamily="34" charset="0"/>
+                <a:cs typeface="Tahoma" pitchFamily="34" charset="0"/>
+              </a:rPr>
+              <a:t>Quality : 75 , </a:t>
+            </a:r>
+            <a:r>
+              <a:rPr lang="en-US" dirty="0" err="1" smtClean="0">
+                <a:latin typeface="Trebuchet MS" pitchFamily="34" charset="0"/>
+                <a:ea typeface="Tahoma" pitchFamily="34" charset="0"/>
+                <a:cs typeface="Tahoma" pitchFamily="34" charset="0"/>
+              </a:rPr>
+              <a:t>Demosaic</a:t>
+            </a:r>
+            <a:r>
+              <a:rPr lang="en-US" dirty="0" smtClean="0">
+                <a:latin typeface="Trebuchet MS" pitchFamily="34" charset="0"/>
+                <a:ea typeface="Tahoma" pitchFamily="34" charset="0"/>
+                <a:cs typeface="Tahoma" pitchFamily="34" charset="0"/>
+              </a:rPr>
+              <a:t> method : frequency</a:t>
+            </a:r>
+            <a:endParaRPr lang="en-US" dirty="0" smtClean="0">
+              <a:latin typeface="Trebuchet MS" pitchFamily="34" charset="0"/>
+              <a:ea typeface="Tahoma" pitchFamily="34" charset="0"/>
+              <a:cs typeface="Tahoma" pitchFamily="34" charset="0"/>
+            </a:endParaRPr>
+          </a:p>
+        </p:txBody>
+      </p:sp>
+      <p:pic>
+        <p:nvPicPr>
+          <p:cNvPr id="8194" name="Picture 2"/>
+          <p:cNvPicPr>
+            <a:picLocks noChangeAspect="1" noChangeArrowheads="1"/>
+          </p:cNvPicPr>
+          <p:nvPr/>
+        </p:nvPicPr>
+        <p:blipFill>
+          <a:blip r:embed="rId2" cstate="print"/>
+          <a:srcRect/>
+          <a:stretch>
+            <a:fillRect/>
+          </a:stretch>
+        </p:blipFill>
+        <p:spPr bwMode="auto">
+          <a:xfrm>
+            <a:off x="428596" y="2571744"/>
+            <a:ext cx="8372505" cy="2892152"/>
+          </a:xfrm>
+          <a:prstGeom prst="rect">
+            <a:avLst/>
+          </a:prstGeom>
+          <a:noFill/>
+          <a:ln w="9525">
+            <a:noFill/>
+            <a:miter lim="800000"/>
+            <a:headEnd/>
+            <a:tailEnd/>
+          </a:ln>
+        </p:spPr>
+      </p:pic>
+    </p:spTree>
+  </p:cSld>
+  <p:clrMapOvr>
+    <a:masterClrMapping/>
+  </p:clrMapOvr>
+  <p:transition>
+    <p:fade/>
+  </p:transition>
+  <p:timing>
+    <p:tnLst>
+      <p:par>
+        <p:cTn id="1" dur="indefinite" restart="never" nodeType="tmRoot"/>
+      </p:par>
+    </p:tnLst>
+  </p:timing>
+</p:sld>
+</file>
+
+<file path=ppt/slides/slide25.xml><?xml version="1.0" encoding="utf-8"?>
+<p:sld xmlns:a="http://schemas.openxmlformats.org/drawingml/2006/main" xmlns:r="http://schemas.openxmlformats.org/officeDocument/2006/relationships" xmlns:p="http://schemas.openxmlformats.org/presentationml/2006/main">
+  <p:cSld>
+    <p:spTree>
+      <p:nvGrpSpPr>
+        <p:cNvPr id="1" name=""/>
+        <p:cNvGrpSpPr/>
+        <p:nvPr/>
+      </p:nvGrpSpPr>
+      <p:grpSpPr>
+        <a:xfrm>
+          <a:off x="0" y="0"/>
+          <a:ext cx="0" cy="0"/>
+          <a:chOff x="0" y="0"/>
+          <a:chExt cx="0" cy="0"/>
+        </a:xfrm>
+      </p:grpSpPr>
+      <p:cxnSp>
+        <p:nvCxnSpPr>
+          <p:cNvPr id="5" name="직선 연결선 4"/>
+          <p:cNvCxnSpPr/>
+          <p:nvPr/>
+        </p:nvCxnSpPr>
+        <p:spPr>
+          <a:xfrm>
+            <a:off x="357188" y="855663"/>
+            <a:ext cx="8429625" cy="1587"/>
+          </a:xfrm>
+          <a:prstGeom prst="line">
+            <a:avLst/>
+          </a:prstGeom>
+          <a:ln w="6350">
+            <a:solidFill>
+              <a:schemeClr val="bg1">
+                <a:lumMod val="75000"/>
+              </a:schemeClr>
+            </a:solidFill>
+          </a:ln>
+        </p:spPr>
+        <p:style>
+          <a:lnRef idx="1">
+            <a:schemeClr val="accent1"/>
+          </a:lnRef>
+          <a:fillRef idx="0">
+            <a:schemeClr val="accent1"/>
+          </a:fillRef>
+          <a:effectRef idx="0">
+            <a:schemeClr val="accent1"/>
+          </a:effectRef>
+          <a:fontRef idx="minor">
+            <a:schemeClr val="tx1"/>
+          </a:fontRef>
+        </p:style>
+      </p:cxnSp>
+      <p:sp>
+        <p:nvSpPr>
+          <p:cNvPr id="17" name="슬라이드 번호 개체 틀 16"/>
+          <p:cNvSpPr>
+            <a:spLocks noGrp="1"/>
+          </p:cNvSpPr>
+          <p:nvPr>
+            <p:ph type="sldNum" sz="quarter" idx="12"/>
+          </p:nvPr>
+        </p:nvSpPr>
+        <p:spPr/>
+        <p:txBody>
+          <a:bodyPr/>
+          <a:lstStyle/>
+          <a:p>
+            <a:pPr>
+              <a:defRPr/>
+            </a:pPr>
+            <a:fld id="{0966E806-9C6D-4C18-B035-4C94F8AC2EC1}" type="slidenum">
+              <a:rPr lang="ko-KR" altLang="en-US" smtClean="0"/>
+              <a:pPr>
+                <a:defRPr/>
+              </a:pPr>
+              <a:t>25</a:t>
+            </a:fld>
+            <a:endParaRPr lang="ko-KR" altLang="en-US"/>
+          </a:p>
+        </p:txBody>
+      </p:sp>
+      <p:sp>
+        <p:nvSpPr>
+          <p:cNvPr id="18" name="TextBox 17"/>
+          <p:cNvSpPr txBox="1"/>
+          <p:nvPr/>
+        </p:nvSpPr>
+        <p:spPr>
+          <a:xfrm>
+            <a:off x="214313" y="49213"/>
+            <a:ext cx="4286250" cy="307975"/>
+          </a:xfrm>
+          <a:prstGeom prst="rect">
+            <a:avLst/>
+          </a:prstGeom>
+          <a:noFill/>
+        </p:spPr>
+        <p:txBody>
+          <a:bodyPr>
+            <a:spAutoFit/>
+          </a:bodyPr>
+          <a:lstStyle/>
+          <a:p>
+            <a:pPr fontAlgn="auto">
+              <a:spcBef>
+                <a:spcPts val="0"/>
+              </a:spcBef>
+              <a:spcAft>
+                <a:spcPts val="0"/>
+              </a:spcAft>
+              <a:defRPr/>
+            </a:pPr>
+            <a:r>
+              <a:rPr kumimoji="0" lang="en-US" altLang="ko-KR" sz="1400" dirty="0" smtClean="0">
+                <a:solidFill>
+                  <a:schemeClr val="bg1">
+                    <a:lumMod val="85000"/>
+                  </a:schemeClr>
+                </a:solidFill>
+                <a:latin typeface="BankGothic Md BT" pitchFamily="34" charset="0"/>
+                <a:ea typeface="+mn-ea"/>
+              </a:rPr>
+              <a:t>EE398A 	Final Project</a:t>
+            </a:r>
+            <a:endParaRPr kumimoji="0" lang="ko-KR" altLang="en-US" sz="1400" dirty="0">
+              <a:solidFill>
+                <a:schemeClr val="bg1">
+                  <a:lumMod val="85000"/>
+                </a:schemeClr>
+              </a:solidFill>
+              <a:latin typeface="BankGothic Md BT" pitchFamily="34" charset="0"/>
+              <a:ea typeface="+mn-ea"/>
+            </a:endParaRPr>
+          </a:p>
+        </p:txBody>
+      </p:sp>
+      <p:sp>
+        <p:nvSpPr>
+          <p:cNvPr id="20" name="TextBox 19"/>
+          <p:cNvSpPr txBox="1"/>
+          <p:nvPr/>
+        </p:nvSpPr>
+        <p:spPr>
+          <a:xfrm>
+            <a:off x="285750" y="912813"/>
+            <a:ext cx="5643572" cy="215444"/>
+          </a:xfrm>
+          <a:prstGeom prst="rect">
+            <a:avLst/>
+          </a:prstGeom>
+          <a:noFill/>
+        </p:spPr>
+        <p:txBody>
+          <a:bodyPr wrap="square">
+            <a:spAutoFit/>
+          </a:bodyPr>
+          <a:lstStyle/>
+          <a:p>
+            <a:pPr fontAlgn="auto">
+              <a:spcBef>
+                <a:spcPts val="0"/>
+              </a:spcBef>
+              <a:spcAft>
+                <a:spcPts val="0"/>
+              </a:spcAft>
+              <a:defRPr/>
+            </a:pPr>
+            <a:r>
+              <a:rPr kumimoji="0" lang="en-US" altLang="ko-KR" sz="800" dirty="0" smtClean="0">
+                <a:solidFill>
+                  <a:schemeClr val="tx1">
+                    <a:lumMod val="65000"/>
+                    <a:lumOff val="35000"/>
+                  </a:schemeClr>
+                </a:solidFill>
+                <a:latin typeface="+mn-lt"/>
+                <a:ea typeface="+mn-ea"/>
+              </a:rPr>
+              <a:t>Conventional Method</a:t>
+            </a:r>
+            <a:r>
+              <a:rPr kumimoji="0" lang="ko-KR" altLang="en-US" sz="800" dirty="0" smtClean="0">
+                <a:solidFill>
+                  <a:schemeClr val="tx1">
+                    <a:lumMod val="65000"/>
+                    <a:lumOff val="35000"/>
+                  </a:schemeClr>
+                </a:solidFill>
+                <a:latin typeface="+mn-lt"/>
+                <a:ea typeface="+mn-ea"/>
+              </a:rPr>
+              <a:t>   </a:t>
+            </a:r>
+            <a:r>
+              <a:rPr kumimoji="0" lang="en-US" altLang="ko-KR" sz="800" dirty="0" smtClean="0">
+                <a:solidFill>
+                  <a:schemeClr val="tx1">
+                    <a:lumMod val="65000"/>
+                    <a:lumOff val="35000"/>
+                  </a:schemeClr>
+                </a:solidFill>
+                <a:latin typeface="+mn-lt"/>
+                <a:ea typeface="+mn-ea"/>
+              </a:rPr>
+              <a:t>/  Structure Conversion  /  Structure Separation  /   </a:t>
+            </a:r>
+            <a:r>
+              <a:rPr kumimoji="0" lang="en-US" altLang="ko-KR" sz="800" dirty="0" smtClean="0">
+                <a:solidFill>
+                  <a:srgbClr val="FF5001"/>
+                </a:solidFill>
+                <a:latin typeface="+mn-lt"/>
+                <a:ea typeface="+mn-ea"/>
+              </a:rPr>
+              <a:t>Low-pass Filtering</a:t>
+            </a:r>
+            <a:endParaRPr kumimoji="0" lang="ko-KR" altLang="en-US" sz="800" dirty="0">
+              <a:solidFill>
+                <a:srgbClr val="FF5001"/>
+              </a:solidFill>
+              <a:latin typeface="+mn-lt"/>
+              <a:ea typeface="+mn-ea"/>
+            </a:endParaRPr>
+          </a:p>
+        </p:txBody>
+      </p:sp>
+      <p:sp>
+        <p:nvSpPr>
+          <p:cNvPr id="21" name="TextBox 20"/>
+          <p:cNvSpPr txBox="1"/>
+          <p:nvPr/>
+        </p:nvSpPr>
+        <p:spPr>
+          <a:xfrm>
+            <a:off x="428596" y="1857364"/>
+            <a:ext cx="2500330" cy="369332"/>
+          </a:xfrm>
+          <a:prstGeom prst="rect">
+            <a:avLst/>
+          </a:prstGeom>
+        </p:spPr>
+        <p:style>
+          <a:lnRef idx="2">
+            <a:schemeClr val="accent1"/>
+          </a:lnRef>
+          <a:fillRef idx="1">
+            <a:schemeClr val="lt1"/>
+          </a:fillRef>
+          <a:effectRef idx="0">
+            <a:schemeClr val="accent1"/>
+          </a:effectRef>
+          <a:fontRef idx="minor">
+            <a:schemeClr val="dk1"/>
+          </a:fontRef>
+        </p:style>
+        <p:txBody>
+          <a:bodyPr wrap="square" rtlCol="0">
+            <a:spAutoFit/>
+          </a:bodyPr>
+          <a:lstStyle/>
+          <a:p>
+            <a:pPr algn="ctr"/>
+            <a:r>
+              <a:rPr lang="en-US" dirty="0" smtClean="0">
+                <a:latin typeface="Trebuchet MS" pitchFamily="34" charset="0"/>
+              </a:rPr>
+              <a:t>Low-pass Filtering -1</a:t>
+            </a:r>
+            <a:endParaRPr lang="en-US" dirty="0">
+              <a:latin typeface="Trebuchet MS" pitchFamily="34" charset="0"/>
+            </a:endParaRPr>
+          </a:p>
+        </p:txBody>
+      </p:sp>
+      <p:sp>
+        <p:nvSpPr>
+          <p:cNvPr id="11" name="TextBox 3"/>
+          <p:cNvSpPr txBox="1">
+            <a:spLocks noChangeArrowheads="1"/>
+          </p:cNvSpPr>
+          <p:nvPr/>
+        </p:nvSpPr>
+        <p:spPr bwMode="auto">
+          <a:xfrm>
+            <a:off x="285750" y="457200"/>
+            <a:ext cx="325730" cy="400110"/>
+          </a:xfrm>
+          <a:prstGeom prst="rect">
+            <a:avLst/>
+          </a:prstGeom>
+          <a:noFill/>
+          <a:ln w="9525">
+            <a:noFill/>
+            <a:miter lim="800000"/>
+            <a:headEnd/>
+            <a:tailEnd/>
+          </a:ln>
+        </p:spPr>
+        <p:txBody>
+          <a:bodyPr wrap="none">
+            <a:spAutoFit/>
+          </a:bodyPr>
+          <a:lstStyle/>
+          <a:p>
+            <a:r>
+              <a:rPr kumimoji="0" lang="en-US" altLang="ko-KR" sz="2000" dirty="0" smtClean="0">
+                <a:solidFill>
+                  <a:srgbClr val="FF5001"/>
+                </a:solidFill>
+                <a:latin typeface="맑은 고딕" pitchFamily="50" charset="-127"/>
+                <a:ea typeface="맑은 고딕" pitchFamily="50" charset="-127"/>
+              </a:rPr>
+              <a:t>3</a:t>
+            </a:r>
+            <a:endParaRPr kumimoji="0" lang="ko-KR" altLang="en-US" sz="2000" dirty="0">
+              <a:solidFill>
+                <a:srgbClr val="FF5001"/>
+              </a:solidFill>
+              <a:latin typeface="맑은 고딕" pitchFamily="50" charset="-127"/>
+              <a:ea typeface="맑은 고딕" pitchFamily="50" charset="-127"/>
+            </a:endParaRPr>
+          </a:p>
+        </p:txBody>
+      </p:sp>
+      <p:cxnSp>
+        <p:nvCxnSpPr>
+          <p:cNvPr id="12" name="직선 연결선 4"/>
+          <p:cNvCxnSpPr/>
+          <p:nvPr/>
+        </p:nvCxnSpPr>
+        <p:spPr>
+          <a:xfrm>
+            <a:off x="357188" y="855663"/>
+            <a:ext cx="8429625" cy="1587"/>
+          </a:xfrm>
+          <a:prstGeom prst="line">
+            <a:avLst/>
+          </a:prstGeom>
+          <a:ln w="6350">
+            <a:solidFill>
+              <a:schemeClr val="bg1">
+                <a:lumMod val="75000"/>
+              </a:schemeClr>
+            </a:solidFill>
+          </a:ln>
+        </p:spPr>
+        <p:style>
+          <a:lnRef idx="1">
+            <a:schemeClr val="accent1"/>
+          </a:lnRef>
+          <a:fillRef idx="0">
+            <a:schemeClr val="accent1"/>
+          </a:fillRef>
+          <a:effectRef idx="0">
+            <a:schemeClr val="accent1"/>
+          </a:effectRef>
+          <a:fontRef idx="minor">
+            <a:schemeClr val="tx1"/>
+          </a:fontRef>
+        </p:style>
+      </p:cxnSp>
+      <p:sp>
+        <p:nvSpPr>
+          <p:cNvPr id="13" name="TextBox 12"/>
+          <p:cNvSpPr txBox="1"/>
+          <p:nvPr/>
+        </p:nvSpPr>
+        <p:spPr>
+          <a:xfrm>
+            <a:off x="520700" y="506413"/>
+            <a:ext cx="2644314" cy="307777"/>
+          </a:xfrm>
+          <a:prstGeom prst="rect">
+            <a:avLst/>
+          </a:prstGeom>
+          <a:noFill/>
+        </p:spPr>
+        <p:txBody>
+          <a:bodyPr wrap="none">
+            <a:spAutoFit/>
+          </a:bodyPr>
+          <a:lstStyle/>
+          <a:p>
+            <a:pPr fontAlgn="auto">
+              <a:spcBef>
+                <a:spcPts val="0"/>
+              </a:spcBef>
+              <a:spcAft>
+                <a:spcPts val="0"/>
+              </a:spcAft>
+              <a:defRPr/>
+            </a:pPr>
+            <a:r>
+              <a:rPr kumimoji="0" lang="en-US" altLang="ko-KR" sz="1400" dirty="0" smtClean="0">
+                <a:solidFill>
+                  <a:schemeClr val="tx1">
+                    <a:lumMod val="65000"/>
+                    <a:lumOff val="35000"/>
+                  </a:schemeClr>
+                </a:solidFill>
+                <a:latin typeface="+mn-lt"/>
+                <a:ea typeface="+mj-ea"/>
+              </a:rPr>
+              <a:t>Results of Existing Solutions I</a:t>
+            </a:r>
+            <a:endParaRPr kumimoji="0" lang="ko-KR" altLang="en-US" sz="1400" dirty="0">
+              <a:solidFill>
+                <a:schemeClr val="tx1">
+                  <a:lumMod val="65000"/>
+                  <a:lumOff val="35000"/>
+                </a:schemeClr>
+              </a:solidFill>
+              <a:latin typeface="+mn-lt"/>
+              <a:ea typeface="+mj-ea"/>
+            </a:endParaRPr>
+          </a:p>
+        </p:txBody>
+      </p:sp>
+      <p:sp>
+        <p:nvSpPr>
+          <p:cNvPr id="10" name="TextBox 9"/>
+          <p:cNvSpPr txBox="1"/>
+          <p:nvPr/>
+        </p:nvSpPr>
+        <p:spPr>
+          <a:xfrm>
+            <a:off x="2000232" y="5643578"/>
+            <a:ext cx="5857916" cy="369332"/>
+          </a:xfrm>
+          <a:prstGeom prst="rect">
+            <a:avLst/>
+          </a:prstGeom>
+          <a:noFill/>
+        </p:spPr>
+        <p:txBody>
+          <a:bodyPr wrap="square" rtlCol="0">
+            <a:spAutoFit/>
+          </a:bodyPr>
+          <a:lstStyle/>
+          <a:p>
+            <a:r>
+              <a:rPr lang="en-US" dirty="0" smtClean="0">
+                <a:latin typeface="Trebuchet MS" pitchFamily="34" charset="0"/>
+                <a:ea typeface="Tahoma" pitchFamily="34" charset="0"/>
+                <a:cs typeface="Tahoma" pitchFamily="34" charset="0"/>
+              </a:rPr>
+              <a:t>Quality : 75 , </a:t>
+            </a:r>
+            <a:r>
+              <a:rPr lang="en-US" dirty="0" err="1" smtClean="0">
+                <a:latin typeface="Trebuchet MS" pitchFamily="34" charset="0"/>
+                <a:ea typeface="Tahoma" pitchFamily="34" charset="0"/>
+                <a:cs typeface="Tahoma" pitchFamily="34" charset="0"/>
+              </a:rPr>
+              <a:t>Demosaic</a:t>
+            </a:r>
+            <a:r>
+              <a:rPr lang="en-US" dirty="0" smtClean="0">
+                <a:latin typeface="Trebuchet MS" pitchFamily="34" charset="0"/>
+                <a:ea typeface="Tahoma" pitchFamily="34" charset="0"/>
+                <a:cs typeface="Tahoma" pitchFamily="34" charset="0"/>
+              </a:rPr>
+              <a:t> method : frequency</a:t>
+            </a:r>
+            <a:endParaRPr lang="en-US" dirty="0" smtClean="0">
+              <a:latin typeface="Trebuchet MS" pitchFamily="34" charset="0"/>
+              <a:ea typeface="Tahoma" pitchFamily="34" charset="0"/>
+              <a:cs typeface="Tahoma" pitchFamily="34" charset="0"/>
+            </a:endParaRPr>
+          </a:p>
+        </p:txBody>
+      </p:sp>
+      <p:pic>
+        <p:nvPicPr>
+          <p:cNvPr id="9218" name="Picture 2"/>
+          <p:cNvPicPr>
+            <a:picLocks noChangeAspect="1" noChangeArrowheads="1"/>
+          </p:cNvPicPr>
+          <p:nvPr/>
+        </p:nvPicPr>
+        <p:blipFill>
+          <a:blip r:embed="rId3" cstate="print"/>
+          <a:srcRect/>
+          <a:stretch>
+            <a:fillRect/>
+          </a:stretch>
+        </p:blipFill>
+        <p:spPr bwMode="auto">
+          <a:xfrm>
+            <a:off x="214282" y="2357430"/>
+            <a:ext cx="8705850" cy="3000375"/>
+          </a:xfrm>
+          <a:prstGeom prst="rect">
+            <a:avLst/>
+          </a:prstGeom>
+          <a:noFill/>
+          <a:ln w="9525">
+            <a:noFill/>
+            <a:miter lim="800000"/>
+            <a:headEnd/>
+            <a:tailEnd/>
+          </a:ln>
+        </p:spPr>
+      </p:pic>
+    </p:spTree>
+  </p:cSld>
+  <p:clrMapOvr>
+    <a:masterClrMapping/>
+  </p:clrMapOvr>
+  <p:transition>
+    <p:fade/>
+  </p:transition>
+  <p:timing>
+    <p:tnLst>
+      <p:par>
+        <p:cTn id="1" dur="indefinite" restart="never" nodeType="tmRoot"/>
+      </p:par>
+    </p:tnLst>
+  </p:timing>
+</p:sld>
+</file>
+
+<file path=ppt/slides/slide26.xml><?xml version="1.0" encoding="utf-8"?>
+<p:sld xmlns:a="http://schemas.openxmlformats.org/drawingml/2006/main" xmlns:r="http://schemas.openxmlformats.org/officeDocument/2006/relationships" xmlns:p="http://schemas.openxmlformats.org/presentationml/2006/main">
+  <p:cSld>
+    <p:spTree>
+      <p:nvGrpSpPr>
+        <p:cNvPr id="1" name=""/>
+        <p:cNvGrpSpPr/>
+        <p:nvPr/>
+      </p:nvGrpSpPr>
+      <p:grpSpPr>
+        <a:xfrm>
+          <a:off x="0" y="0"/>
+          <a:ext cx="0" cy="0"/>
+          <a:chOff x="0" y="0"/>
+          <a:chExt cx="0" cy="0"/>
+        </a:xfrm>
+      </p:grpSpPr>
+      <p:cxnSp>
+        <p:nvCxnSpPr>
+          <p:cNvPr id="5" name="직선 연결선 4"/>
+          <p:cNvCxnSpPr/>
+          <p:nvPr/>
+        </p:nvCxnSpPr>
+        <p:spPr>
+          <a:xfrm>
+            <a:off x="357188" y="855663"/>
+            <a:ext cx="8429625" cy="1587"/>
+          </a:xfrm>
+          <a:prstGeom prst="line">
+            <a:avLst/>
+          </a:prstGeom>
+          <a:ln w="6350">
+            <a:solidFill>
+              <a:schemeClr val="bg1">
+                <a:lumMod val="75000"/>
+              </a:schemeClr>
+            </a:solidFill>
+          </a:ln>
+        </p:spPr>
+        <p:style>
+          <a:lnRef idx="1">
+            <a:schemeClr val="accent1"/>
+          </a:lnRef>
+          <a:fillRef idx="0">
+            <a:schemeClr val="accent1"/>
+          </a:fillRef>
+          <a:effectRef idx="0">
+            <a:schemeClr val="accent1"/>
+          </a:effectRef>
+          <a:fontRef idx="minor">
+            <a:schemeClr val="tx1"/>
+          </a:fontRef>
+        </p:style>
+      </p:cxnSp>
+      <p:sp>
+        <p:nvSpPr>
+          <p:cNvPr id="17" name="슬라이드 번호 개체 틀 16"/>
+          <p:cNvSpPr>
+            <a:spLocks noGrp="1"/>
+          </p:cNvSpPr>
+          <p:nvPr>
+            <p:ph type="sldNum" sz="quarter" idx="12"/>
+          </p:nvPr>
+        </p:nvSpPr>
+        <p:spPr/>
+        <p:txBody>
+          <a:bodyPr/>
+          <a:lstStyle/>
+          <a:p>
+            <a:pPr>
+              <a:defRPr/>
+            </a:pPr>
+            <a:fld id="{0966E806-9C6D-4C18-B035-4C94F8AC2EC1}" type="slidenum">
+              <a:rPr lang="ko-KR" altLang="en-US" smtClean="0"/>
+              <a:pPr>
+                <a:defRPr/>
+              </a:pPr>
+              <a:t>26</a:t>
+            </a:fld>
+            <a:endParaRPr lang="ko-KR" altLang="en-US"/>
+          </a:p>
+        </p:txBody>
+      </p:sp>
+      <p:sp>
+        <p:nvSpPr>
+          <p:cNvPr id="18" name="TextBox 17"/>
+          <p:cNvSpPr txBox="1"/>
+          <p:nvPr/>
+        </p:nvSpPr>
+        <p:spPr>
+          <a:xfrm>
+            <a:off x="214313" y="49213"/>
+            <a:ext cx="4286250" cy="307975"/>
+          </a:xfrm>
+          <a:prstGeom prst="rect">
+            <a:avLst/>
+          </a:prstGeom>
+          <a:noFill/>
+        </p:spPr>
+        <p:txBody>
+          <a:bodyPr>
+            <a:spAutoFit/>
+          </a:bodyPr>
+          <a:lstStyle/>
+          <a:p>
+            <a:pPr fontAlgn="auto">
+              <a:spcBef>
+                <a:spcPts val="0"/>
+              </a:spcBef>
+              <a:spcAft>
+                <a:spcPts val="0"/>
+              </a:spcAft>
+              <a:defRPr/>
+            </a:pPr>
+            <a:r>
+              <a:rPr kumimoji="0" lang="en-US" altLang="ko-KR" sz="1400" dirty="0" smtClean="0">
+                <a:solidFill>
+                  <a:schemeClr val="bg1">
+                    <a:lumMod val="85000"/>
+                  </a:schemeClr>
+                </a:solidFill>
+                <a:latin typeface="BankGothic Md BT" pitchFamily="34" charset="0"/>
+                <a:ea typeface="+mn-ea"/>
+              </a:rPr>
+              <a:t>EE398A 	Final Project</a:t>
+            </a:r>
+            <a:endParaRPr kumimoji="0" lang="ko-KR" altLang="en-US" sz="1400" dirty="0">
+              <a:solidFill>
+                <a:schemeClr val="bg1">
+                  <a:lumMod val="85000"/>
+                </a:schemeClr>
+              </a:solidFill>
+              <a:latin typeface="BankGothic Md BT" pitchFamily="34" charset="0"/>
+              <a:ea typeface="+mn-ea"/>
+            </a:endParaRPr>
+          </a:p>
+        </p:txBody>
+      </p:sp>
+      <p:sp>
+        <p:nvSpPr>
+          <p:cNvPr id="20" name="TextBox 19"/>
+          <p:cNvSpPr txBox="1"/>
+          <p:nvPr/>
+        </p:nvSpPr>
+        <p:spPr>
+          <a:xfrm>
+            <a:off x="285750" y="912813"/>
+            <a:ext cx="5643572" cy="215444"/>
+          </a:xfrm>
+          <a:prstGeom prst="rect">
+            <a:avLst/>
+          </a:prstGeom>
+          <a:noFill/>
+        </p:spPr>
+        <p:txBody>
+          <a:bodyPr wrap="square">
+            <a:spAutoFit/>
+          </a:bodyPr>
+          <a:lstStyle/>
+          <a:p>
+            <a:pPr fontAlgn="auto">
+              <a:spcBef>
+                <a:spcPts val="0"/>
+              </a:spcBef>
+              <a:spcAft>
+                <a:spcPts val="0"/>
+              </a:spcAft>
+              <a:defRPr/>
+            </a:pPr>
+            <a:r>
+              <a:rPr kumimoji="0" lang="en-US" altLang="ko-KR" sz="800" dirty="0" smtClean="0">
+                <a:solidFill>
+                  <a:schemeClr val="tx1">
+                    <a:lumMod val="65000"/>
+                    <a:lumOff val="35000"/>
+                  </a:schemeClr>
+                </a:solidFill>
+                <a:latin typeface="+mn-lt"/>
+                <a:ea typeface="+mn-ea"/>
+              </a:rPr>
+              <a:t>Conventional Method</a:t>
+            </a:r>
+            <a:r>
+              <a:rPr kumimoji="0" lang="ko-KR" altLang="en-US" sz="800" dirty="0" smtClean="0">
+                <a:solidFill>
+                  <a:schemeClr val="tx1">
+                    <a:lumMod val="65000"/>
+                    <a:lumOff val="35000"/>
+                  </a:schemeClr>
+                </a:solidFill>
+                <a:latin typeface="+mn-lt"/>
+                <a:ea typeface="+mn-ea"/>
+              </a:rPr>
+              <a:t>   </a:t>
+            </a:r>
+            <a:r>
+              <a:rPr kumimoji="0" lang="en-US" altLang="ko-KR" sz="800" dirty="0" smtClean="0">
+                <a:solidFill>
+                  <a:schemeClr val="tx1">
+                    <a:lumMod val="65000"/>
+                    <a:lumOff val="35000"/>
+                  </a:schemeClr>
+                </a:solidFill>
+                <a:latin typeface="+mn-lt"/>
+                <a:ea typeface="+mn-ea"/>
+              </a:rPr>
+              <a:t>/  Structure Conversion  /  Structure Separation  /   </a:t>
+            </a:r>
+            <a:r>
+              <a:rPr kumimoji="0" lang="en-US" altLang="ko-KR" sz="800" dirty="0" smtClean="0">
+                <a:solidFill>
+                  <a:srgbClr val="FF5001"/>
+                </a:solidFill>
+                <a:latin typeface="+mn-lt"/>
+                <a:ea typeface="+mn-ea"/>
+              </a:rPr>
+              <a:t>Low-pass Filtering</a:t>
+            </a:r>
+            <a:endParaRPr kumimoji="0" lang="ko-KR" altLang="en-US" sz="800" dirty="0">
+              <a:solidFill>
+                <a:srgbClr val="FF5001"/>
+              </a:solidFill>
+              <a:latin typeface="+mn-lt"/>
+              <a:ea typeface="+mn-ea"/>
+            </a:endParaRPr>
+          </a:p>
+        </p:txBody>
+      </p:sp>
+      <p:sp>
+        <p:nvSpPr>
+          <p:cNvPr id="21" name="TextBox 20"/>
+          <p:cNvSpPr txBox="1"/>
+          <p:nvPr/>
+        </p:nvSpPr>
+        <p:spPr>
+          <a:xfrm>
+            <a:off x="428596" y="1857364"/>
+            <a:ext cx="2500330" cy="369332"/>
+          </a:xfrm>
+          <a:prstGeom prst="rect">
+            <a:avLst/>
+          </a:prstGeom>
+        </p:spPr>
+        <p:style>
+          <a:lnRef idx="2">
+            <a:schemeClr val="accent1"/>
+          </a:lnRef>
+          <a:fillRef idx="1">
+            <a:schemeClr val="lt1"/>
+          </a:fillRef>
+          <a:effectRef idx="0">
+            <a:schemeClr val="accent1"/>
+          </a:effectRef>
+          <a:fontRef idx="minor">
+            <a:schemeClr val="dk1"/>
+          </a:fontRef>
+        </p:style>
+        <p:txBody>
+          <a:bodyPr wrap="square" rtlCol="0">
+            <a:spAutoFit/>
+          </a:bodyPr>
+          <a:lstStyle/>
+          <a:p>
+            <a:pPr algn="ctr"/>
+            <a:r>
+              <a:rPr lang="en-US" dirty="0" smtClean="0">
+                <a:latin typeface="Trebuchet MS" pitchFamily="34" charset="0"/>
+              </a:rPr>
+              <a:t>Low-pass Filtering -1</a:t>
+            </a:r>
+            <a:endParaRPr lang="en-US" dirty="0">
+              <a:latin typeface="Trebuchet MS" pitchFamily="34" charset="0"/>
+            </a:endParaRPr>
+          </a:p>
+        </p:txBody>
+      </p:sp>
+      <p:sp>
+        <p:nvSpPr>
+          <p:cNvPr id="11" name="TextBox 3"/>
+          <p:cNvSpPr txBox="1">
+            <a:spLocks noChangeArrowheads="1"/>
+          </p:cNvSpPr>
+          <p:nvPr/>
+        </p:nvSpPr>
+        <p:spPr bwMode="auto">
+          <a:xfrm>
+            <a:off x="285750" y="457200"/>
+            <a:ext cx="325730" cy="400110"/>
+          </a:xfrm>
+          <a:prstGeom prst="rect">
+            <a:avLst/>
+          </a:prstGeom>
+          <a:noFill/>
+          <a:ln w="9525">
+            <a:noFill/>
+            <a:miter lim="800000"/>
+            <a:headEnd/>
+            <a:tailEnd/>
+          </a:ln>
+        </p:spPr>
+        <p:txBody>
+          <a:bodyPr wrap="none">
+            <a:spAutoFit/>
+          </a:bodyPr>
+          <a:lstStyle/>
+          <a:p>
+            <a:r>
+              <a:rPr kumimoji="0" lang="en-US" altLang="ko-KR" sz="2000" dirty="0" smtClean="0">
+                <a:solidFill>
+                  <a:srgbClr val="FF5001"/>
+                </a:solidFill>
+                <a:latin typeface="맑은 고딕" pitchFamily="50" charset="-127"/>
+                <a:ea typeface="맑은 고딕" pitchFamily="50" charset="-127"/>
+              </a:rPr>
+              <a:t>3</a:t>
+            </a:r>
+            <a:endParaRPr kumimoji="0" lang="ko-KR" altLang="en-US" sz="2000" dirty="0">
+              <a:solidFill>
+                <a:srgbClr val="FF5001"/>
+              </a:solidFill>
+              <a:latin typeface="맑은 고딕" pitchFamily="50" charset="-127"/>
+              <a:ea typeface="맑은 고딕" pitchFamily="50" charset="-127"/>
+            </a:endParaRPr>
+          </a:p>
+        </p:txBody>
+      </p:sp>
+      <p:cxnSp>
+        <p:nvCxnSpPr>
+          <p:cNvPr id="12" name="직선 연결선 4"/>
+          <p:cNvCxnSpPr/>
+          <p:nvPr/>
+        </p:nvCxnSpPr>
+        <p:spPr>
+          <a:xfrm>
+            <a:off x="357188" y="855663"/>
+            <a:ext cx="8429625" cy="1587"/>
+          </a:xfrm>
+          <a:prstGeom prst="line">
+            <a:avLst/>
+          </a:prstGeom>
+          <a:ln w="6350">
+            <a:solidFill>
+              <a:schemeClr val="bg1">
+                <a:lumMod val="75000"/>
+              </a:schemeClr>
+            </a:solidFill>
+          </a:ln>
+        </p:spPr>
+        <p:style>
+          <a:lnRef idx="1">
+            <a:schemeClr val="accent1"/>
+          </a:lnRef>
+          <a:fillRef idx="0">
+            <a:schemeClr val="accent1"/>
+          </a:fillRef>
+          <a:effectRef idx="0">
+            <a:schemeClr val="accent1"/>
+          </a:effectRef>
+          <a:fontRef idx="minor">
+            <a:schemeClr val="tx1"/>
+          </a:fontRef>
+        </p:style>
+      </p:cxnSp>
+      <p:sp>
+        <p:nvSpPr>
+          <p:cNvPr id="13" name="TextBox 12"/>
+          <p:cNvSpPr txBox="1"/>
+          <p:nvPr/>
+        </p:nvSpPr>
+        <p:spPr>
+          <a:xfrm>
+            <a:off x="520700" y="506413"/>
+            <a:ext cx="2644314" cy="307777"/>
+          </a:xfrm>
+          <a:prstGeom prst="rect">
+            <a:avLst/>
+          </a:prstGeom>
+          <a:noFill/>
+        </p:spPr>
+        <p:txBody>
+          <a:bodyPr wrap="none">
+            <a:spAutoFit/>
+          </a:bodyPr>
+          <a:lstStyle/>
+          <a:p>
+            <a:pPr fontAlgn="auto">
+              <a:spcBef>
+                <a:spcPts val="0"/>
+              </a:spcBef>
+              <a:spcAft>
+                <a:spcPts val="0"/>
+              </a:spcAft>
+              <a:defRPr/>
+            </a:pPr>
+            <a:r>
+              <a:rPr kumimoji="0" lang="en-US" altLang="ko-KR" sz="1400" dirty="0" smtClean="0">
+                <a:solidFill>
+                  <a:schemeClr val="tx1">
+                    <a:lumMod val="65000"/>
+                    <a:lumOff val="35000"/>
+                  </a:schemeClr>
+                </a:solidFill>
+                <a:latin typeface="+mn-lt"/>
+                <a:ea typeface="+mj-ea"/>
+              </a:rPr>
+              <a:t>Results of Existing Solutions I</a:t>
+            </a:r>
+            <a:endParaRPr kumimoji="0" lang="ko-KR" altLang="en-US" sz="1400" dirty="0">
+              <a:solidFill>
+                <a:schemeClr val="tx1">
+                  <a:lumMod val="65000"/>
+                  <a:lumOff val="35000"/>
+                </a:schemeClr>
+              </a:solidFill>
+              <a:latin typeface="+mn-lt"/>
+              <a:ea typeface="+mj-ea"/>
+            </a:endParaRPr>
+          </a:p>
+        </p:txBody>
+      </p:sp>
+      <p:sp>
+        <p:nvSpPr>
+          <p:cNvPr id="10" name="TextBox 9"/>
+          <p:cNvSpPr txBox="1"/>
+          <p:nvPr/>
+        </p:nvSpPr>
+        <p:spPr>
+          <a:xfrm>
+            <a:off x="2000232" y="5643578"/>
+            <a:ext cx="5857916" cy="369332"/>
+          </a:xfrm>
+          <a:prstGeom prst="rect">
+            <a:avLst/>
+          </a:prstGeom>
+          <a:noFill/>
+        </p:spPr>
+        <p:txBody>
+          <a:bodyPr wrap="square" rtlCol="0">
+            <a:spAutoFit/>
+          </a:bodyPr>
+          <a:lstStyle/>
+          <a:p>
+            <a:r>
+              <a:rPr lang="en-US" dirty="0" smtClean="0">
+                <a:latin typeface="Trebuchet MS" pitchFamily="34" charset="0"/>
+                <a:ea typeface="Tahoma" pitchFamily="34" charset="0"/>
+                <a:cs typeface="Tahoma" pitchFamily="34" charset="0"/>
+              </a:rPr>
+              <a:t>Quality : 75 , </a:t>
+            </a:r>
+            <a:r>
+              <a:rPr lang="en-US" dirty="0" err="1" smtClean="0">
+                <a:latin typeface="Trebuchet MS" pitchFamily="34" charset="0"/>
+                <a:ea typeface="Tahoma" pitchFamily="34" charset="0"/>
+                <a:cs typeface="Tahoma" pitchFamily="34" charset="0"/>
+              </a:rPr>
+              <a:t>Demosaic</a:t>
+            </a:r>
+            <a:r>
+              <a:rPr lang="en-US" dirty="0" smtClean="0">
+                <a:latin typeface="Trebuchet MS" pitchFamily="34" charset="0"/>
+                <a:ea typeface="Tahoma" pitchFamily="34" charset="0"/>
+                <a:cs typeface="Tahoma" pitchFamily="34" charset="0"/>
+              </a:rPr>
+              <a:t> method : frequency</a:t>
+            </a:r>
+            <a:endParaRPr lang="en-US" dirty="0" smtClean="0">
+              <a:latin typeface="Trebuchet MS" pitchFamily="34" charset="0"/>
+              <a:ea typeface="Tahoma" pitchFamily="34" charset="0"/>
+              <a:cs typeface="Tahoma" pitchFamily="34" charset="0"/>
+            </a:endParaRPr>
+          </a:p>
+        </p:txBody>
+      </p:sp>
+      <p:pic>
+        <p:nvPicPr>
+          <p:cNvPr id="10242" name="Picture 2"/>
+          <p:cNvPicPr>
+            <a:picLocks noChangeAspect="1" noChangeArrowheads="1"/>
+          </p:cNvPicPr>
+          <p:nvPr/>
+        </p:nvPicPr>
+        <p:blipFill>
+          <a:blip r:embed="rId3" cstate="print"/>
+          <a:srcRect/>
+          <a:stretch>
+            <a:fillRect/>
+          </a:stretch>
+        </p:blipFill>
+        <p:spPr bwMode="auto">
+          <a:xfrm>
+            <a:off x="214282" y="2428868"/>
+            <a:ext cx="8610600" cy="2962275"/>
+          </a:xfrm>
+          <a:prstGeom prst="rect">
+            <a:avLst/>
+          </a:prstGeom>
+          <a:noFill/>
+          <a:ln w="9525">
+            <a:noFill/>
+            <a:miter lim="800000"/>
+            <a:headEnd/>
+            <a:tailEnd/>
+          </a:ln>
+        </p:spPr>
+      </p:pic>
+    </p:spTree>
+  </p:cSld>
+  <p:clrMapOvr>
+    <a:masterClrMapping/>
+  </p:clrMapOvr>
+  <p:transition>
+    <p:fade/>
+  </p:transition>
+  <p:timing>
+    <p:tnLst>
+      <p:par>
+        <p:cTn id="1" dur="indefinite" restart="never" nodeType="tmRoot"/>
+      </p:par>
+    </p:tnLst>
+  </p:timing>
+</p:sld>
+</file>
+
+<file path=ppt/slides/slide27.xml><?xml version="1.0" encoding="utf-8"?>
+<p:sld xmlns:a="http://schemas.openxmlformats.org/drawingml/2006/main" xmlns:r="http://schemas.openxmlformats.org/officeDocument/2006/relationships" xmlns:p="http://schemas.openxmlformats.org/presentationml/2006/main">
+  <p:cSld>
+    <p:spTree>
+      <p:nvGrpSpPr>
+        <p:cNvPr id="1" name=""/>
+        <p:cNvGrpSpPr/>
+        <p:nvPr/>
+      </p:nvGrpSpPr>
+      <p:grpSpPr>
+        <a:xfrm>
+          <a:off x="0" y="0"/>
+          <a:ext cx="0" cy="0"/>
+          <a:chOff x="0" y="0"/>
+          <a:chExt cx="0" cy="0"/>
+        </a:xfrm>
+      </p:grpSpPr>
+      <p:cxnSp>
+        <p:nvCxnSpPr>
+          <p:cNvPr id="5" name="직선 연결선 4"/>
+          <p:cNvCxnSpPr/>
+          <p:nvPr/>
+        </p:nvCxnSpPr>
+        <p:spPr>
+          <a:xfrm>
+            <a:off x="357188" y="855663"/>
+            <a:ext cx="8429625" cy="1587"/>
+          </a:xfrm>
+          <a:prstGeom prst="line">
+            <a:avLst/>
+          </a:prstGeom>
+          <a:ln w="6350">
+            <a:solidFill>
+              <a:schemeClr val="bg1">
+                <a:lumMod val="75000"/>
+              </a:schemeClr>
+            </a:solidFill>
+          </a:ln>
+        </p:spPr>
+        <p:style>
+          <a:lnRef idx="1">
+            <a:schemeClr val="accent1"/>
+          </a:lnRef>
+          <a:fillRef idx="0">
+            <a:schemeClr val="accent1"/>
+          </a:fillRef>
+          <a:effectRef idx="0">
+            <a:schemeClr val="accent1"/>
+          </a:effectRef>
+          <a:fontRef idx="minor">
+            <a:schemeClr val="tx1"/>
+          </a:fontRef>
+        </p:style>
+      </p:cxnSp>
+      <p:sp>
+        <p:nvSpPr>
+          <p:cNvPr id="17" name="슬라이드 번호 개체 틀 16"/>
+          <p:cNvSpPr>
+            <a:spLocks noGrp="1"/>
+          </p:cNvSpPr>
+          <p:nvPr>
+            <p:ph type="sldNum" sz="quarter" idx="12"/>
+          </p:nvPr>
+        </p:nvSpPr>
+        <p:spPr/>
+        <p:txBody>
+          <a:bodyPr/>
+          <a:lstStyle/>
+          <a:p>
+            <a:pPr>
+              <a:defRPr/>
+            </a:pPr>
+            <a:fld id="{0966E806-9C6D-4C18-B035-4C94F8AC2EC1}" type="slidenum">
+              <a:rPr lang="ko-KR" altLang="en-US" smtClean="0"/>
+              <a:pPr>
+                <a:defRPr/>
+              </a:pPr>
+              <a:t>27</a:t>
+            </a:fld>
+            <a:endParaRPr lang="ko-KR" altLang="en-US"/>
+          </a:p>
+        </p:txBody>
+      </p:sp>
+      <p:sp>
+        <p:nvSpPr>
+          <p:cNvPr id="18" name="TextBox 17"/>
+          <p:cNvSpPr txBox="1"/>
+          <p:nvPr/>
+        </p:nvSpPr>
+        <p:spPr>
+          <a:xfrm>
+            <a:off x="214313" y="49213"/>
+            <a:ext cx="4286250" cy="307975"/>
+          </a:xfrm>
+          <a:prstGeom prst="rect">
+            <a:avLst/>
+          </a:prstGeom>
+          <a:noFill/>
+        </p:spPr>
+        <p:txBody>
+          <a:bodyPr>
+            <a:spAutoFit/>
+          </a:bodyPr>
+          <a:lstStyle/>
+          <a:p>
+            <a:pPr fontAlgn="auto">
+              <a:spcBef>
+                <a:spcPts val="0"/>
+              </a:spcBef>
+              <a:spcAft>
+                <a:spcPts val="0"/>
+              </a:spcAft>
+              <a:defRPr/>
+            </a:pPr>
+            <a:r>
+              <a:rPr kumimoji="0" lang="en-US" altLang="ko-KR" sz="1400" dirty="0" smtClean="0">
+                <a:solidFill>
+                  <a:schemeClr val="bg1">
+                    <a:lumMod val="85000"/>
+                  </a:schemeClr>
+                </a:solidFill>
+                <a:latin typeface="BankGothic Md BT" pitchFamily="34" charset="0"/>
+                <a:ea typeface="+mn-ea"/>
+              </a:rPr>
+              <a:t>EE398A 	Final Project</a:t>
+            </a:r>
+            <a:endParaRPr kumimoji="0" lang="ko-KR" altLang="en-US" sz="1400" dirty="0">
+              <a:solidFill>
+                <a:schemeClr val="bg1">
+                  <a:lumMod val="85000"/>
+                </a:schemeClr>
+              </a:solidFill>
+              <a:latin typeface="BankGothic Md BT" pitchFamily="34" charset="0"/>
+              <a:ea typeface="+mn-ea"/>
+            </a:endParaRPr>
+          </a:p>
+        </p:txBody>
+      </p:sp>
+      <p:sp>
+        <p:nvSpPr>
+          <p:cNvPr id="20" name="TextBox 19"/>
+          <p:cNvSpPr txBox="1"/>
+          <p:nvPr/>
+        </p:nvSpPr>
+        <p:spPr>
+          <a:xfrm>
+            <a:off x="285750" y="912813"/>
+            <a:ext cx="5643572" cy="215444"/>
+          </a:xfrm>
+          <a:prstGeom prst="rect">
+            <a:avLst/>
+          </a:prstGeom>
+          <a:noFill/>
+        </p:spPr>
+        <p:txBody>
+          <a:bodyPr wrap="square">
+            <a:spAutoFit/>
+          </a:bodyPr>
+          <a:lstStyle/>
+          <a:p>
+            <a:pPr fontAlgn="auto">
+              <a:spcBef>
+                <a:spcPts val="0"/>
+              </a:spcBef>
+              <a:spcAft>
+                <a:spcPts val="0"/>
+              </a:spcAft>
+              <a:defRPr/>
+            </a:pPr>
+            <a:r>
+              <a:rPr kumimoji="0" lang="en-US" altLang="ko-KR" sz="800" dirty="0" smtClean="0">
+                <a:solidFill>
+                  <a:schemeClr val="tx1">
+                    <a:lumMod val="65000"/>
+                    <a:lumOff val="35000"/>
+                  </a:schemeClr>
+                </a:solidFill>
+                <a:latin typeface="+mn-lt"/>
+                <a:ea typeface="+mn-ea"/>
+              </a:rPr>
+              <a:t>Conventional Method</a:t>
+            </a:r>
+            <a:r>
+              <a:rPr kumimoji="0" lang="ko-KR" altLang="en-US" sz="800" dirty="0" smtClean="0">
+                <a:solidFill>
+                  <a:schemeClr val="tx1">
+                    <a:lumMod val="65000"/>
+                    <a:lumOff val="35000"/>
+                  </a:schemeClr>
+                </a:solidFill>
+                <a:latin typeface="+mn-lt"/>
+                <a:ea typeface="+mn-ea"/>
+              </a:rPr>
+              <a:t>   </a:t>
+            </a:r>
+            <a:r>
+              <a:rPr kumimoji="0" lang="en-US" altLang="ko-KR" sz="800" dirty="0" smtClean="0">
+                <a:solidFill>
+                  <a:schemeClr val="tx1">
+                    <a:lumMod val="65000"/>
+                    <a:lumOff val="35000"/>
+                  </a:schemeClr>
+                </a:solidFill>
+                <a:latin typeface="+mn-lt"/>
+                <a:ea typeface="+mn-ea"/>
+              </a:rPr>
+              <a:t>/  Structure Conversion  /  Structure Separation  /   </a:t>
+            </a:r>
+            <a:r>
+              <a:rPr kumimoji="0" lang="en-US" altLang="ko-KR" sz="800" dirty="0" smtClean="0">
+                <a:solidFill>
+                  <a:srgbClr val="FF5001"/>
+                </a:solidFill>
+                <a:latin typeface="+mn-lt"/>
+                <a:ea typeface="+mn-ea"/>
+              </a:rPr>
+              <a:t>Low-pass Filtering</a:t>
+            </a:r>
+            <a:endParaRPr kumimoji="0" lang="ko-KR" altLang="en-US" sz="800" dirty="0">
+              <a:solidFill>
+                <a:srgbClr val="FF5001"/>
+              </a:solidFill>
+              <a:latin typeface="+mn-lt"/>
+              <a:ea typeface="+mn-ea"/>
+            </a:endParaRPr>
+          </a:p>
+        </p:txBody>
+      </p:sp>
+      <p:sp>
+        <p:nvSpPr>
+          <p:cNvPr id="21" name="TextBox 20"/>
+          <p:cNvSpPr txBox="1"/>
+          <p:nvPr/>
+        </p:nvSpPr>
+        <p:spPr>
+          <a:xfrm>
+            <a:off x="428596" y="1857364"/>
+            <a:ext cx="2500330" cy="369332"/>
+          </a:xfrm>
+          <a:prstGeom prst="rect">
+            <a:avLst/>
+          </a:prstGeom>
+        </p:spPr>
+        <p:style>
+          <a:lnRef idx="2">
+            <a:schemeClr val="accent1"/>
+          </a:lnRef>
+          <a:fillRef idx="1">
+            <a:schemeClr val="lt1"/>
+          </a:fillRef>
+          <a:effectRef idx="0">
+            <a:schemeClr val="accent1"/>
+          </a:effectRef>
+          <a:fontRef idx="minor">
+            <a:schemeClr val="dk1"/>
+          </a:fontRef>
+        </p:style>
+        <p:txBody>
+          <a:bodyPr wrap="square" rtlCol="0">
+            <a:spAutoFit/>
+          </a:bodyPr>
+          <a:lstStyle/>
+          <a:p>
+            <a:pPr algn="ctr"/>
+            <a:r>
+              <a:rPr lang="en-US" dirty="0" smtClean="0">
+                <a:latin typeface="Trebuchet MS" pitchFamily="34" charset="0"/>
+              </a:rPr>
+              <a:t>Low-pass Filtering -2</a:t>
+            </a:r>
+            <a:endParaRPr lang="en-US" dirty="0">
+              <a:latin typeface="Trebuchet MS" pitchFamily="34" charset="0"/>
+            </a:endParaRPr>
+          </a:p>
+        </p:txBody>
+      </p:sp>
+      <p:sp>
+        <p:nvSpPr>
+          <p:cNvPr id="11" name="TextBox 3"/>
+          <p:cNvSpPr txBox="1">
+            <a:spLocks noChangeArrowheads="1"/>
+          </p:cNvSpPr>
+          <p:nvPr/>
+        </p:nvSpPr>
+        <p:spPr bwMode="auto">
+          <a:xfrm>
+            <a:off x="285750" y="457200"/>
+            <a:ext cx="325730" cy="400110"/>
+          </a:xfrm>
+          <a:prstGeom prst="rect">
+            <a:avLst/>
+          </a:prstGeom>
+          <a:noFill/>
+          <a:ln w="9525">
+            <a:noFill/>
+            <a:miter lim="800000"/>
+            <a:headEnd/>
+            <a:tailEnd/>
+          </a:ln>
+        </p:spPr>
+        <p:txBody>
+          <a:bodyPr wrap="none">
+            <a:spAutoFit/>
+          </a:bodyPr>
+          <a:lstStyle/>
+          <a:p>
+            <a:r>
+              <a:rPr kumimoji="0" lang="en-US" altLang="ko-KR" sz="2000" dirty="0" smtClean="0">
+                <a:solidFill>
+                  <a:srgbClr val="FF5001"/>
+                </a:solidFill>
+                <a:latin typeface="맑은 고딕" pitchFamily="50" charset="-127"/>
+                <a:ea typeface="맑은 고딕" pitchFamily="50" charset="-127"/>
+              </a:rPr>
+              <a:t>3</a:t>
+            </a:r>
+            <a:endParaRPr kumimoji="0" lang="ko-KR" altLang="en-US" sz="2000" dirty="0">
+              <a:solidFill>
+                <a:srgbClr val="FF5001"/>
+              </a:solidFill>
+              <a:latin typeface="맑은 고딕" pitchFamily="50" charset="-127"/>
+              <a:ea typeface="맑은 고딕" pitchFamily="50" charset="-127"/>
+            </a:endParaRPr>
+          </a:p>
+        </p:txBody>
+      </p:sp>
+      <p:cxnSp>
+        <p:nvCxnSpPr>
+          <p:cNvPr id="12" name="직선 연결선 4"/>
+          <p:cNvCxnSpPr/>
+          <p:nvPr/>
+        </p:nvCxnSpPr>
+        <p:spPr>
+          <a:xfrm>
+            <a:off x="357188" y="855663"/>
+            <a:ext cx="8429625" cy="1587"/>
+          </a:xfrm>
+          <a:prstGeom prst="line">
+            <a:avLst/>
+          </a:prstGeom>
+          <a:ln w="6350">
+            <a:solidFill>
+              <a:schemeClr val="bg1">
+                <a:lumMod val="75000"/>
+              </a:schemeClr>
+            </a:solidFill>
+          </a:ln>
+        </p:spPr>
+        <p:style>
+          <a:lnRef idx="1">
+            <a:schemeClr val="accent1"/>
+          </a:lnRef>
+          <a:fillRef idx="0">
+            <a:schemeClr val="accent1"/>
+          </a:fillRef>
+          <a:effectRef idx="0">
+            <a:schemeClr val="accent1"/>
+          </a:effectRef>
+          <a:fontRef idx="minor">
+            <a:schemeClr val="tx1"/>
+          </a:fontRef>
+        </p:style>
+      </p:cxnSp>
+      <p:sp>
+        <p:nvSpPr>
+          <p:cNvPr id="13" name="TextBox 12"/>
+          <p:cNvSpPr txBox="1"/>
+          <p:nvPr/>
+        </p:nvSpPr>
+        <p:spPr>
+          <a:xfrm>
+            <a:off x="520700" y="506413"/>
+            <a:ext cx="2644314" cy="307777"/>
+          </a:xfrm>
+          <a:prstGeom prst="rect">
+            <a:avLst/>
+          </a:prstGeom>
+          <a:noFill/>
+        </p:spPr>
+        <p:txBody>
+          <a:bodyPr wrap="none">
+            <a:spAutoFit/>
+          </a:bodyPr>
+          <a:lstStyle/>
+          <a:p>
+            <a:pPr fontAlgn="auto">
+              <a:spcBef>
+                <a:spcPts val="0"/>
+              </a:spcBef>
+              <a:spcAft>
+                <a:spcPts val="0"/>
+              </a:spcAft>
+              <a:defRPr/>
+            </a:pPr>
+            <a:r>
+              <a:rPr kumimoji="0" lang="en-US" altLang="ko-KR" sz="1400" dirty="0" smtClean="0">
+                <a:solidFill>
+                  <a:schemeClr val="tx1">
+                    <a:lumMod val="65000"/>
+                    <a:lumOff val="35000"/>
+                  </a:schemeClr>
+                </a:solidFill>
+                <a:latin typeface="+mn-lt"/>
+                <a:ea typeface="+mj-ea"/>
+              </a:rPr>
+              <a:t>Results of Existing Solutions I</a:t>
+            </a:r>
+            <a:endParaRPr kumimoji="0" lang="ko-KR" altLang="en-US" sz="1400" dirty="0">
+              <a:solidFill>
+                <a:schemeClr val="tx1">
+                  <a:lumMod val="65000"/>
+                  <a:lumOff val="35000"/>
+                </a:schemeClr>
+              </a:solidFill>
+              <a:latin typeface="+mn-lt"/>
+              <a:ea typeface="+mj-ea"/>
+            </a:endParaRPr>
+          </a:p>
+        </p:txBody>
+      </p:sp>
+      <p:sp>
+        <p:nvSpPr>
+          <p:cNvPr id="10" name="TextBox 9"/>
+          <p:cNvSpPr txBox="1"/>
+          <p:nvPr/>
+        </p:nvSpPr>
+        <p:spPr>
+          <a:xfrm>
+            <a:off x="2000232" y="5643578"/>
+            <a:ext cx="5857916" cy="369332"/>
+          </a:xfrm>
+          <a:prstGeom prst="rect">
+            <a:avLst/>
+          </a:prstGeom>
+          <a:noFill/>
+        </p:spPr>
+        <p:txBody>
+          <a:bodyPr wrap="square" rtlCol="0">
+            <a:spAutoFit/>
+          </a:bodyPr>
+          <a:lstStyle/>
+          <a:p>
+            <a:r>
+              <a:rPr lang="en-US" dirty="0" smtClean="0">
+                <a:latin typeface="Trebuchet MS" pitchFamily="34" charset="0"/>
+                <a:ea typeface="Tahoma" pitchFamily="34" charset="0"/>
+                <a:cs typeface="Tahoma" pitchFamily="34" charset="0"/>
+              </a:rPr>
+              <a:t>Quality : 75 , </a:t>
+            </a:r>
+            <a:r>
+              <a:rPr lang="en-US" dirty="0" err="1" smtClean="0">
+                <a:latin typeface="Trebuchet MS" pitchFamily="34" charset="0"/>
+                <a:ea typeface="Tahoma" pitchFamily="34" charset="0"/>
+                <a:cs typeface="Tahoma" pitchFamily="34" charset="0"/>
+              </a:rPr>
+              <a:t>Demosaic</a:t>
+            </a:r>
+            <a:r>
+              <a:rPr lang="en-US" dirty="0" smtClean="0">
+                <a:latin typeface="Trebuchet MS" pitchFamily="34" charset="0"/>
+                <a:ea typeface="Tahoma" pitchFamily="34" charset="0"/>
+                <a:cs typeface="Tahoma" pitchFamily="34" charset="0"/>
+              </a:rPr>
+              <a:t> method : frequency</a:t>
+            </a:r>
+            <a:endParaRPr lang="en-US" dirty="0" smtClean="0">
+              <a:latin typeface="Trebuchet MS" pitchFamily="34" charset="0"/>
+              <a:ea typeface="Tahoma" pitchFamily="34" charset="0"/>
+              <a:cs typeface="Tahoma" pitchFamily="34" charset="0"/>
+            </a:endParaRPr>
+          </a:p>
+        </p:txBody>
+      </p:sp>
+      <p:pic>
+        <p:nvPicPr>
+          <p:cNvPr id="11266" name="Picture 2"/>
+          <p:cNvPicPr>
+            <a:picLocks noChangeAspect="1" noChangeArrowheads="1"/>
+          </p:cNvPicPr>
+          <p:nvPr/>
+        </p:nvPicPr>
+        <p:blipFill>
+          <a:blip r:embed="rId3" cstate="print"/>
+          <a:srcRect/>
+          <a:stretch>
+            <a:fillRect/>
+          </a:stretch>
+        </p:blipFill>
+        <p:spPr bwMode="auto">
+          <a:xfrm>
+            <a:off x="390526" y="2500306"/>
+            <a:ext cx="8526172" cy="2857520"/>
+          </a:xfrm>
+          <a:prstGeom prst="rect">
+            <a:avLst/>
+          </a:prstGeom>
+          <a:noFill/>
+          <a:ln w="9525">
+            <a:noFill/>
+            <a:miter lim="800000"/>
+            <a:headEnd/>
+            <a:tailEnd/>
+          </a:ln>
+        </p:spPr>
+      </p:pic>
+    </p:spTree>
+  </p:cSld>
+  <p:clrMapOvr>
+    <a:masterClrMapping/>
+  </p:clrMapOvr>
+  <p:transition>
+    <p:fade/>
+  </p:transition>
+  <p:timing>
+    <p:tnLst>
+      <p:par>
+        <p:cTn id="1" dur="indefinite" restart="never" nodeType="tmRoot"/>
+      </p:par>
+    </p:tnLst>
+  </p:timing>
+</p:sld>
+</file>
+
+<file path=ppt/slides/slide28.xml><?xml version="1.0" encoding="utf-8"?>
+<p:sld xmlns:a="http://schemas.openxmlformats.org/drawingml/2006/main" xmlns:r="http://schemas.openxmlformats.org/officeDocument/2006/relationships" xmlns:p="http://schemas.openxmlformats.org/presentationml/2006/main">
+  <p:cSld>
+    <p:spTree>
+      <p:nvGrpSpPr>
+        <p:cNvPr id="1" name=""/>
+        <p:cNvGrpSpPr/>
+        <p:nvPr/>
+      </p:nvGrpSpPr>
+      <p:grpSpPr>
+        <a:xfrm>
+          <a:off x="0" y="0"/>
+          <a:ext cx="0" cy="0"/>
+          <a:chOff x="0" y="0"/>
+          <a:chExt cx="0" cy="0"/>
+        </a:xfrm>
+      </p:grpSpPr>
+      <p:cxnSp>
+        <p:nvCxnSpPr>
+          <p:cNvPr id="5" name="직선 연결선 4"/>
+          <p:cNvCxnSpPr/>
+          <p:nvPr/>
+        </p:nvCxnSpPr>
+        <p:spPr>
+          <a:xfrm>
+            <a:off x="357188" y="855663"/>
+            <a:ext cx="8429625" cy="1587"/>
+          </a:xfrm>
+          <a:prstGeom prst="line">
+            <a:avLst/>
+          </a:prstGeom>
+          <a:ln w="6350">
+            <a:solidFill>
+              <a:schemeClr val="bg1">
+                <a:lumMod val="75000"/>
+              </a:schemeClr>
+            </a:solidFill>
+          </a:ln>
+        </p:spPr>
+        <p:style>
+          <a:lnRef idx="1">
+            <a:schemeClr val="accent1"/>
+          </a:lnRef>
+          <a:fillRef idx="0">
+            <a:schemeClr val="accent1"/>
+          </a:fillRef>
+          <a:effectRef idx="0">
+            <a:schemeClr val="accent1"/>
+          </a:effectRef>
+          <a:fontRef idx="minor">
+            <a:schemeClr val="tx1"/>
+          </a:fontRef>
+        </p:style>
+      </p:cxnSp>
+      <p:sp>
+        <p:nvSpPr>
+          <p:cNvPr id="17" name="슬라이드 번호 개체 틀 16"/>
+          <p:cNvSpPr>
+            <a:spLocks noGrp="1"/>
+          </p:cNvSpPr>
+          <p:nvPr>
+            <p:ph type="sldNum" sz="quarter" idx="12"/>
+          </p:nvPr>
+        </p:nvSpPr>
+        <p:spPr/>
+        <p:txBody>
+          <a:bodyPr/>
+          <a:lstStyle/>
+          <a:p>
+            <a:pPr>
+              <a:defRPr/>
+            </a:pPr>
+            <a:fld id="{0966E806-9C6D-4C18-B035-4C94F8AC2EC1}" type="slidenum">
+              <a:rPr lang="ko-KR" altLang="en-US" smtClean="0"/>
+              <a:pPr>
+                <a:defRPr/>
+              </a:pPr>
+              <a:t>28</a:t>
+            </a:fld>
+            <a:endParaRPr lang="ko-KR" altLang="en-US"/>
+          </a:p>
+        </p:txBody>
+      </p:sp>
+      <p:sp>
+        <p:nvSpPr>
+          <p:cNvPr id="18" name="TextBox 17"/>
+          <p:cNvSpPr txBox="1"/>
+          <p:nvPr/>
+        </p:nvSpPr>
+        <p:spPr>
+          <a:xfrm>
+            <a:off x="214313" y="49213"/>
+            <a:ext cx="4286250" cy="307975"/>
+          </a:xfrm>
+          <a:prstGeom prst="rect">
+            <a:avLst/>
+          </a:prstGeom>
+          <a:noFill/>
+        </p:spPr>
+        <p:txBody>
+          <a:bodyPr>
+            <a:spAutoFit/>
+          </a:bodyPr>
+          <a:lstStyle/>
+          <a:p>
+            <a:pPr fontAlgn="auto">
+              <a:spcBef>
+                <a:spcPts val="0"/>
+              </a:spcBef>
+              <a:spcAft>
+                <a:spcPts val="0"/>
+              </a:spcAft>
+              <a:defRPr/>
+            </a:pPr>
+            <a:r>
+              <a:rPr kumimoji="0" lang="en-US" altLang="ko-KR" sz="1400" dirty="0" smtClean="0">
+                <a:solidFill>
+                  <a:schemeClr val="bg1">
+                    <a:lumMod val="85000"/>
+                  </a:schemeClr>
+                </a:solidFill>
+                <a:latin typeface="BankGothic Md BT" pitchFamily="34" charset="0"/>
+                <a:ea typeface="+mn-ea"/>
+              </a:rPr>
+              <a:t>EE398A 	Final Project</a:t>
+            </a:r>
+            <a:endParaRPr kumimoji="0" lang="ko-KR" altLang="en-US" sz="1400" dirty="0">
+              <a:solidFill>
+                <a:schemeClr val="bg1">
+                  <a:lumMod val="85000"/>
+                </a:schemeClr>
+              </a:solidFill>
+              <a:latin typeface="BankGothic Md BT" pitchFamily="34" charset="0"/>
+              <a:ea typeface="+mn-ea"/>
+            </a:endParaRPr>
+          </a:p>
+        </p:txBody>
+      </p:sp>
+      <p:sp>
+        <p:nvSpPr>
+          <p:cNvPr id="20" name="TextBox 19"/>
+          <p:cNvSpPr txBox="1"/>
+          <p:nvPr/>
+        </p:nvSpPr>
+        <p:spPr>
+          <a:xfrm>
+            <a:off x="285750" y="912813"/>
+            <a:ext cx="5643572" cy="215444"/>
+          </a:xfrm>
+          <a:prstGeom prst="rect">
+            <a:avLst/>
+          </a:prstGeom>
+          <a:noFill/>
+        </p:spPr>
+        <p:txBody>
+          <a:bodyPr wrap="square">
+            <a:spAutoFit/>
+          </a:bodyPr>
+          <a:lstStyle/>
+          <a:p>
+            <a:pPr fontAlgn="auto">
+              <a:spcBef>
+                <a:spcPts val="0"/>
+              </a:spcBef>
+              <a:spcAft>
+                <a:spcPts val="0"/>
+              </a:spcAft>
+              <a:defRPr/>
+            </a:pPr>
+            <a:r>
+              <a:rPr kumimoji="0" lang="en-US" altLang="ko-KR" sz="800" dirty="0" smtClean="0">
+                <a:solidFill>
+                  <a:schemeClr val="tx1">
+                    <a:lumMod val="65000"/>
+                    <a:lumOff val="35000"/>
+                  </a:schemeClr>
+                </a:solidFill>
+                <a:latin typeface="+mn-lt"/>
+                <a:ea typeface="+mn-ea"/>
+              </a:rPr>
+              <a:t>Conventional Method</a:t>
+            </a:r>
+            <a:r>
+              <a:rPr kumimoji="0" lang="ko-KR" altLang="en-US" sz="800" dirty="0" smtClean="0">
+                <a:solidFill>
+                  <a:schemeClr val="tx1">
+                    <a:lumMod val="65000"/>
+                    <a:lumOff val="35000"/>
+                  </a:schemeClr>
+                </a:solidFill>
+                <a:latin typeface="+mn-lt"/>
+                <a:ea typeface="+mn-ea"/>
+              </a:rPr>
+              <a:t>   </a:t>
+            </a:r>
+            <a:r>
+              <a:rPr kumimoji="0" lang="en-US" altLang="ko-KR" sz="800" dirty="0" smtClean="0">
+                <a:solidFill>
+                  <a:schemeClr val="tx1">
+                    <a:lumMod val="65000"/>
+                    <a:lumOff val="35000"/>
+                  </a:schemeClr>
+                </a:solidFill>
+                <a:latin typeface="+mn-lt"/>
+                <a:ea typeface="+mn-ea"/>
+              </a:rPr>
+              <a:t>/  Structure Conversion  /  Structure Separation  /   </a:t>
+            </a:r>
+            <a:r>
+              <a:rPr kumimoji="0" lang="en-US" altLang="ko-KR" sz="800" dirty="0" smtClean="0">
+                <a:solidFill>
+                  <a:srgbClr val="FF5001"/>
+                </a:solidFill>
+                <a:latin typeface="+mn-lt"/>
+                <a:ea typeface="+mn-ea"/>
+              </a:rPr>
+              <a:t>Low-pass Filtering</a:t>
+            </a:r>
+            <a:endParaRPr kumimoji="0" lang="ko-KR" altLang="en-US" sz="800" dirty="0">
+              <a:solidFill>
+                <a:srgbClr val="FF5001"/>
+              </a:solidFill>
+              <a:latin typeface="+mn-lt"/>
+              <a:ea typeface="+mn-ea"/>
+            </a:endParaRPr>
+          </a:p>
+        </p:txBody>
+      </p:sp>
+      <p:sp>
+        <p:nvSpPr>
+          <p:cNvPr id="21" name="TextBox 20"/>
+          <p:cNvSpPr txBox="1"/>
+          <p:nvPr/>
+        </p:nvSpPr>
+        <p:spPr>
+          <a:xfrm>
+            <a:off x="428596" y="1857364"/>
+            <a:ext cx="2500330" cy="369332"/>
+          </a:xfrm>
+          <a:prstGeom prst="rect">
+            <a:avLst/>
+          </a:prstGeom>
+        </p:spPr>
+        <p:style>
+          <a:lnRef idx="2">
+            <a:schemeClr val="accent1"/>
+          </a:lnRef>
+          <a:fillRef idx="1">
+            <a:schemeClr val="lt1"/>
+          </a:fillRef>
+          <a:effectRef idx="0">
+            <a:schemeClr val="accent1"/>
+          </a:effectRef>
+          <a:fontRef idx="minor">
+            <a:schemeClr val="dk1"/>
+          </a:fontRef>
+        </p:style>
+        <p:txBody>
+          <a:bodyPr wrap="square" rtlCol="0">
+            <a:spAutoFit/>
+          </a:bodyPr>
+          <a:lstStyle/>
+          <a:p>
+            <a:pPr algn="ctr"/>
+            <a:r>
+              <a:rPr lang="en-US" dirty="0" smtClean="0">
+                <a:latin typeface="Trebuchet MS" pitchFamily="34" charset="0"/>
+              </a:rPr>
+              <a:t>Low-pass Filtering -2</a:t>
+            </a:r>
+            <a:endParaRPr lang="en-US" dirty="0">
+              <a:latin typeface="Trebuchet MS" pitchFamily="34" charset="0"/>
+            </a:endParaRPr>
+          </a:p>
+        </p:txBody>
+      </p:sp>
+      <p:sp>
+        <p:nvSpPr>
+          <p:cNvPr id="11" name="TextBox 3"/>
+          <p:cNvSpPr txBox="1">
+            <a:spLocks noChangeArrowheads="1"/>
+          </p:cNvSpPr>
+          <p:nvPr/>
+        </p:nvSpPr>
+        <p:spPr bwMode="auto">
+          <a:xfrm>
+            <a:off x="285750" y="457200"/>
+            <a:ext cx="325730" cy="400110"/>
+          </a:xfrm>
+          <a:prstGeom prst="rect">
+            <a:avLst/>
+          </a:prstGeom>
+          <a:noFill/>
+          <a:ln w="9525">
+            <a:noFill/>
+            <a:miter lim="800000"/>
+            <a:headEnd/>
+            <a:tailEnd/>
+          </a:ln>
+        </p:spPr>
+        <p:txBody>
+          <a:bodyPr wrap="none">
+            <a:spAutoFit/>
+          </a:bodyPr>
+          <a:lstStyle/>
+          <a:p>
+            <a:r>
+              <a:rPr kumimoji="0" lang="en-US" altLang="ko-KR" sz="2000" dirty="0" smtClean="0">
+                <a:solidFill>
+                  <a:srgbClr val="FF5001"/>
+                </a:solidFill>
+                <a:latin typeface="맑은 고딕" pitchFamily="50" charset="-127"/>
+                <a:ea typeface="맑은 고딕" pitchFamily="50" charset="-127"/>
+              </a:rPr>
+              <a:t>3</a:t>
+            </a:r>
+            <a:endParaRPr kumimoji="0" lang="ko-KR" altLang="en-US" sz="2000" dirty="0">
+              <a:solidFill>
+                <a:srgbClr val="FF5001"/>
+              </a:solidFill>
+              <a:latin typeface="맑은 고딕" pitchFamily="50" charset="-127"/>
+              <a:ea typeface="맑은 고딕" pitchFamily="50" charset="-127"/>
+            </a:endParaRPr>
+          </a:p>
+        </p:txBody>
+      </p:sp>
+      <p:cxnSp>
+        <p:nvCxnSpPr>
+          <p:cNvPr id="12" name="직선 연결선 4"/>
+          <p:cNvCxnSpPr/>
+          <p:nvPr/>
+        </p:nvCxnSpPr>
+        <p:spPr>
+          <a:xfrm>
+            <a:off x="357188" y="855663"/>
+            <a:ext cx="8429625" cy="1587"/>
+          </a:xfrm>
+          <a:prstGeom prst="line">
+            <a:avLst/>
+          </a:prstGeom>
+          <a:ln w="6350">
+            <a:solidFill>
+              <a:schemeClr val="bg1">
+                <a:lumMod val="75000"/>
+              </a:schemeClr>
+            </a:solidFill>
+          </a:ln>
+        </p:spPr>
+        <p:style>
+          <a:lnRef idx="1">
+            <a:schemeClr val="accent1"/>
+          </a:lnRef>
+          <a:fillRef idx="0">
+            <a:schemeClr val="accent1"/>
+          </a:fillRef>
+          <a:effectRef idx="0">
+            <a:schemeClr val="accent1"/>
+          </a:effectRef>
+          <a:fontRef idx="minor">
+            <a:schemeClr val="tx1"/>
+          </a:fontRef>
+        </p:style>
+      </p:cxnSp>
+      <p:sp>
+        <p:nvSpPr>
+          <p:cNvPr id="13" name="TextBox 12"/>
+          <p:cNvSpPr txBox="1"/>
+          <p:nvPr/>
+        </p:nvSpPr>
+        <p:spPr>
+          <a:xfrm>
+            <a:off x="520700" y="506413"/>
+            <a:ext cx="2644314" cy="307777"/>
+          </a:xfrm>
+          <a:prstGeom prst="rect">
+            <a:avLst/>
+          </a:prstGeom>
+          <a:noFill/>
+        </p:spPr>
+        <p:txBody>
+          <a:bodyPr wrap="none">
+            <a:spAutoFit/>
+          </a:bodyPr>
+          <a:lstStyle/>
+          <a:p>
+            <a:pPr fontAlgn="auto">
+              <a:spcBef>
+                <a:spcPts val="0"/>
+              </a:spcBef>
+              <a:spcAft>
+                <a:spcPts val="0"/>
+              </a:spcAft>
+              <a:defRPr/>
+            </a:pPr>
+            <a:r>
+              <a:rPr kumimoji="0" lang="en-US" altLang="ko-KR" sz="1400" dirty="0" smtClean="0">
+                <a:solidFill>
+                  <a:schemeClr val="tx1">
+                    <a:lumMod val="65000"/>
+                    <a:lumOff val="35000"/>
+                  </a:schemeClr>
+                </a:solidFill>
+                <a:latin typeface="+mn-lt"/>
+                <a:ea typeface="+mj-ea"/>
+              </a:rPr>
+              <a:t>Results of Existing Solutions I</a:t>
+            </a:r>
+            <a:endParaRPr kumimoji="0" lang="ko-KR" altLang="en-US" sz="1400" dirty="0">
+              <a:solidFill>
+                <a:schemeClr val="tx1">
+                  <a:lumMod val="65000"/>
+                  <a:lumOff val="35000"/>
+                </a:schemeClr>
+              </a:solidFill>
+              <a:latin typeface="+mn-lt"/>
+              <a:ea typeface="+mj-ea"/>
+            </a:endParaRPr>
+          </a:p>
+        </p:txBody>
+      </p:sp>
+      <p:sp>
+        <p:nvSpPr>
+          <p:cNvPr id="10" name="TextBox 9"/>
+          <p:cNvSpPr txBox="1"/>
+          <p:nvPr/>
+        </p:nvSpPr>
+        <p:spPr>
+          <a:xfrm>
+            <a:off x="2000232" y="5643578"/>
+            <a:ext cx="5857916" cy="369332"/>
+          </a:xfrm>
+          <a:prstGeom prst="rect">
+            <a:avLst/>
+          </a:prstGeom>
+          <a:noFill/>
+        </p:spPr>
+        <p:txBody>
+          <a:bodyPr wrap="square" rtlCol="0">
+            <a:spAutoFit/>
+          </a:bodyPr>
+          <a:lstStyle/>
+          <a:p>
+            <a:r>
+              <a:rPr lang="en-US" dirty="0" smtClean="0">
+                <a:latin typeface="Trebuchet MS" pitchFamily="34" charset="0"/>
+                <a:ea typeface="Tahoma" pitchFamily="34" charset="0"/>
+                <a:cs typeface="Tahoma" pitchFamily="34" charset="0"/>
+              </a:rPr>
+              <a:t>Quality : 75 , </a:t>
+            </a:r>
+            <a:r>
+              <a:rPr lang="en-US" dirty="0" err="1" smtClean="0">
+                <a:latin typeface="Trebuchet MS" pitchFamily="34" charset="0"/>
+                <a:ea typeface="Tahoma" pitchFamily="34" charset="0"/>
+                <a:cs typeface="Tahoma" pitchFamily="34" charset="0"/>
+              </a:rPr>
+              <a:t>Demosaic</a:t>
+            </a:r>
+            <a:r>
+              <a:rPr lang="en-US" dirty="0" smtClean="0">
+                <a:latin typeface="Trebuchet MS" pitchFamily="34" charset="0"/>
+                <a:ea typeface="Tahoma" pitchFamily="34" charset="0"/>
+                <a:cs typeface="Tahoma" pitchFamily="34" charset="0"/>
+              </a:rPr>
+              <a:t> method : frequency</a:t>
+            </a:r>
+            <a:endParaRPr lang="en-US" dirty="0" smtClean="0">
+              <a:latin typeface="Trebuchet MS" pitchFamily="34" charset="0"/>
+              <a:ea typeface="Tahoma" pitchFamily="34" charset="0"/>
+              <a:cs typeface="Tahoma" pitchFamily="34" charset="0"/>
+            </a:endParaRPr>
+          </a:p>
+        </p:txBody>
+      </p:sp>
+      <p:pic>
+        <p:nvPicPr>
+          <p:cNvPr id="12290" name="Picture 2"/>
+          <p:cNvPicPr>
+            <a:picLocks noChangeAspect="1" noChangeArrowheads="1"/>
+          </p:cNvPicPr>
+          <p:nvPr/>
+        </p:nvPicPr>
+        <p:blipFill>
+          <a:blip r:embed="rId3" cstate="print"/>
+          <a:srcRect/>
+          <a:stretch>
+            <a:fillRect/>
+          </a:stretch>
+        </p:blipFill>
+        <p:spPr bwMode="auto">
+          <a:xfrm>
+            <a:off x="214282" y="2428868"/>
+            <a:ext cx="8686800" cy="2952750"/>
+          </a:xfrm>
+          <a:prstGeom prst="rect">
+            <a:avLst/>
+          </a:prstGeom>
+          <a:noFill/>
+          <a:ln w="9525">
+            <a:noFill/>
+            <a:miter lim="800000"/>
+            <a:headEnd/>
+            <a:tailEnd/>
+          </a:ln>
+        </p:spPr>
+      </p:pic>
+    </p:spTree>
+  </p:cSld>
+  <p:clrMapOvr>
+    <a:masterClrMapping/>
+  </p:clrMapOvr>
+  <p:transition>
+    <p:fade/>
+  </p:transition>
+  <p:timing>
+    <p:tnLst>
+      <p:par>
+        <p:cTn id="1" dur="indefinite" restart="never" nodeType="tmRoot"/>
+      </p:par>
+    </p:tnLst>
+  </p:timing>
+</p:sld>
+</file>
+
+<file path=ppt/slides/slide29.xml><?xml version="1.0" encoding="utf-8"?>
+<p:sld xmlns:a="http://schemas.openxmlformats.org/drawingml/2006/main" xmlns:r="http://schemas.openxmlformats.org/officeDocument/2006/relationships" xmlns:p="http://schemas.openxmlformats.org/presentationml/2006/main">
+  <p:cSld>
+    <p:spTree>
+      <p:nvGrpSpPr>
+        <p:cNvPr id="1" name=""/>
+        <p:cNvGrpSpPr/>
+        <p:nvPr/>
+      </p:nvGrpSpPr>
+      <p:grpSpPr>
+        <a:xfrm>
+          <a:off x="0" y="0"/>
+          <a:ext cx="0" cy="0"/>
+          <a:chOff x="0" y="0"/>
+          <a:chExt cx="0" cy="0"/>
+        </a:xfrm>
+      </p:grpSpPr>
+      <p:sp>
+        <p:nvSpPr>
+          <p:cNvPr id="2" name="제목 1"/>
+          <p:cNvSpPr>
+            <a:spLocks noGrp="1"/>
+          </p:cNvSpPr>
+          <p:nvPr>
+            <p:ph type="title"/>
+          </p:nvPr>
+        </p:nvSpPr>
+        <p:spPr>
+          <a:xfrm>
+            <a:off x="457200" y="4500563"/>
+            <a:ext cx="8229600" cy="654050"/>
+          </a:xfrm>
+          <a:effectLst>
+            <a:outerShdw blurRad="25400" dir="8340000" sx="89000" sy="89000" rotWithShape="0">
+              <a:schemeClr val="tx1">
+                <a:lumMod val="85000"/>
+                <a:lumOff val="15000"/>
+                <a:alpha val="0"/>
+              </a:schemeClr>
+            </a:outerShdw>
+          </a:effectLst>
+        </p:spPr>
+        <p:txBody>
+          <a:bodyPr rtlCol="0">
+            <a:normAutofit fontScale="90000"/>
+          </a:bodyPr>
+          <a:lstStyle/>
+          <a:p>
+            <a:pPr algn="r" eaLnBrk="1" fontAlgn="auto" hangingPunct="1">
+              <a:spcAft>
+                <a:spcPts val="0"/>
+              </a:spcAft>
+              <a:defRPr/>
+            </a:pPr>
+            <a:r>
+              <a:rPr lang="en-US" altLang="ko-KR" sz="3100" dirty="0" smtClean="0">
+                <a:solidFill>
+                  <a:srgbClr val="FF5001"/>
+                </a:solidFill>
+                <a:latin typeface="BankGothic Md BT" pitchFamily="34" charset="0"/>
+              </a:rPr>
+              <a:t>Thank you,</a:t>
+            </a:r>
+            <a:r>
+              <a:rPr lang="en-US" altLang="ko-KR" dirty="0" smtClean="0">
+                <a:solidFill>
+                  <a:srgbClr val="FF5001"/>
+                </a:solidFill>
+                <a:latin typeface="BankGothic Md BT" pitchFamily="34" charset="0"/>
+              </a:rPr>
+              <a:t/>
+            </a:r>
+            <a:br>
+              <a:rPr lang="en-US" altLang="ko-KR" dirty="0" smtClean="0">
+                <a:solidFill>
+                  <a:srgbClr val="FF5001"/>
+                </a:solidFill>
+                <a:latin typeface="BankGothic Md BT" pitchFamily="34" charset="0"/>
+              </a:rPr>
+            </a:br>
+            <a:endParaRPr lang="ko-KR" altLang="en-US" dirty="0">
+              <a:solidFill>
+                <a:srgbClr val="FF5001"/>
+              </a:solidFill>
+            </a:endParaRPr>
+          </a:p>
+        </p:txBody>
+      </p:sp>
+      <p:cxnSp>
+        <p:nvCxnSpPr>
+          <p:cNvPr id="5" name="직선 연결선 4"/>
+          <p:cNvCxnSpPr/>
+          <p:nvPr/>
+        </p:nvCxnSpPr>
+        <p:spPr>
+          <a:xfrm>
+            <a:off x="357188" y="4214813"/>
+            <a:ext cx="8429625" cy="1587"/>
+          </a:xfrm>
+          <a:prstGeom prst="line">
+            <a:avLst/>
+          </a:prstGeom>
+          <a:ln w="6350">
+            <a:solidFill>
+              <a:schemeClr val="bg1">
+                <a:lumMod val="75000"/>
+              </a:schemeClr>
+            </a:solidFill>
+          </a:ln>
+        </p:spPr>
+        <p:style>
+          <a:lnRef idx="1">
+            <a:schemeClr val="accent1"/>
+          </a:lnRef>
+          <a:fillRef idx="0">
+            <a:schemeClr val="accent1"/>
+          </a:fillRef>
+          <a:effectRef idx="0">
+            <a:schemeClr val="accent1"/>
+          </a:effectRef>
+          <a:fontRef idx="minor">
+            <a:schemeClr val="tx1"/>
+          </a:fontRef>
+        </p:style>
+      </p:cxnSp>
+      <p:sp>
+        <p:nvSpPr>
           <p:cNvPr id="7" name="TextBox 6"/>
           <p:cNvSpPr txBox="1"/>
           <p:nvPr/>
@@ -12650,7 +16095,7 @@
               <a:pPr>
                 <a:defRPr/>
               </a:pPr>
-              <a:t>23</a:t>
+              <a:t>29</a:t>
             </a:fld>
             <a:endParaRPr lang="ko-KR" altLang="en-US"/>
           </a:p>

--- a/trunk/EE398A_FinalProject.pptx
+++ b/trunk/EE398A_FinalProject.pptx
@@ -9718,11 +9718,6 @@
               </a:rPr>
               <a:t> method : frequency</a:t>
             </a:r>
-            <a:endParaRPr lang="en-US" dirty="0" smtClean="0">
-              <a:latin typeface="Trebuchet MS" pitchFamily="34" charset="0"/>
-              <a:ea typeface="Tahoma" pitchFamily="34" charset="0"/>
-              <a:cs typeface="Tahoma" pitchFamily="34" charset="0"/>
-            </a:endParaRPr>
           </a:p>
         </p:txBody>
       </p:sp>
@@ -10195,11 +10190,6 @@
               </a:rPr>
               <a:t> method : frequency</a:t>
             </a:r>
-            <a:endParaRPr lang="en-US" dirty="0" smtClean="0">
-              <a:latin typeface="Trebuchet MS" pitchFamily="34" charset="0"/>
-              <a:ea typeface="Tahoma" pitchFamily="34" charset="0"/>
-              <a:cs typeface="Tahoma" pitchFamily="34" charset="0"/>
-            </a:endParaRPr>
           </a:p>
         </p:txBody>
       </p:sp>
@@ -10672,11 +10662,6 @@
               </a:rPr>
               <a:t> method : frequency</a:t>
             </a:r>
-            <a:endParaRPr lang="en-US" dirty="0" smtClean="0">
-              <a:latin typeface="Trebuchet MS" pitchFamily="34" charset="0"/>
-              <a:ea typeface="Tahoma" pitchFamily="34" charset="0"/>
-              <a:cs typeface="Tahoma" pitchFamily="34" charset="0"/>
-            </a:endParaRPr>
           </a:p>
         </p:txBody>
       </p:sp>
@@ -11665,11 +11650,6 @@
               </a:rPr>
               <a:t> method : frequency</a:t>
             </a:r>
-            <a:endParaRPr lang="en-US" dirty="0" smtClean="0">
-              <a:latin typeface="Trebuchet MS" pitchFamily="34" charset="0"/>
-              <a:ea typeface="Tahoma" pitchFamily="34" charset="0"/>
-              <a:cs typeface="Tahoma" pitchFamily="34" charset="0"/>
-            </a:endParaRPr>
           </a:p>
         </p:txBody>
       </p:sp>
@@ -12168,11 +12148,6 @@
               </a:rPr>
               <a:t> method : frequency</a:t>
             </a:r>
-            <a:endParaRPr lang="en-US" dirty="0" smtClean="0">
-              <a:latin typeface="Trebuchet MS" pitchFamily="34" charset="0"/>
-              <a:ea typeface="Tahoma" pitchFamily="34" charset="0"/>
-              <a:cs typeface="Tahoma" pitchFamily="34" charset="0"/>
-            </a:endParaRPr>
           </a:p>
         </p:txBody>
       </p:sp>
@@ -12671,11 +12646,6 @@
               </a:rPr>
               <a:t> method : frequency</a:t>
             </a:r>
-            <a:endParaRPr lang="en-US" dirty="0" smtClean="0">
-              <a:latin typeface="Trebuchet MS" pitchFamily="34" charset="0"/>
-              <a:ea typeface="Tahoma" pitchFamily="34" charset="0"/>
-              <a:cs typeface="Tahoma" pitchFamily="34" charset="0"/>
-            </a:endParaRPr>
           </a:p>
         </p:txBody>
       </p:sp>
@@ -13211,11 +13181,6 @@
               </a:rPr>
               <a:t> method : frequency</a:t>
             </a:r>
-            <a:endParaRPr lang="en-US" dirty="0" smtClean="0">
-              <a:latin typeface="Trebuchet MS" pitchFamily="34" charset="0"/>
-              <a:ea typeface="Tahoma" pitchFamily="34" charset="0"/>
-              <a:cs typeface="Tahoma" pitchFamily="34" charset="0"/>
-            </a:endParaRPr>
           </a:p>
         </p:txBody>
       </p:sp>
@@ -13751,11 +13716,6 @@
               </a:rPr>
               <a:t> method : frequency</a:t>
             </a:r>
-            <a:endParaRPr lang="en-US" dirty="0" smtClean="0">
-              <a:latin typeface="Trebuchet MS" pitchFamily="34" charset="0"/>
-              <a:ea typeface="Tahoma" pitchFamily="34" charset="0"/>
-              <a:cs typeface="Tahoma" pitchFamily="34" charset="0"/>
-            </a:endParaRPr>
           </a:p>
         </p:txBody>
       </p:sp>
@@ -14275,11 +14235,6 @@
               </a:rPr>
               <a:t> method : frequency</a:t>
             </a:r>
-            <a:endParaRPr lang="en-US" dirty="0" smtClean="0">
-              <a:latin typeface="Trebuchet MS" pitchFamily="34" charset="0"/>
-              <a:ea typeface="Tahoma" pitchFamily="34" charset="0"/>
-              <a:cs typeface="Tahoma" pitchFamily="34" charset="0"/>
-            </a:endParaRPr>
           </a:p>
         </p:txBody>
       </p:sp>
@@ -14300,8 +14255,8 @@
         </p:blipFill>
         <p:spPr bwMode="auto">
           <a:xfrm>
-            <a:off x="214282" y="2357430"/>
-            <a:ext cx="8705850" cy="3000375"/>
+            <a:off x="357158" y="2428868"/>
+            <a:ext cx="8572560" cy="2954438"/>
           </a:xfrm>
           <a:prstGeom prst="rect">
             <a:avLst/>
@@ -14799,11 +14754,6 @@
               </a:rPr>
               <a:t> method : frequency</a:t>
             </a:r>
-            <a:endParaRPr lang="en-US" dirty="0" smtClean="0">
-              <a:latin typeface="Trebuchet MS" pitchFamily="34" charset="0"/>
-              <a:ea typeface="Tahoma" pitchFamily="34" charset="0"/>
-              <a:cs typeface="Tahoma" pitchFamily="34" charset="0"/>
-            </a:endParaRPr>
           </a:p>
         </p:txBody>
       </p:sp>
@@ -15323,11 +15273,6 @@
               </a:rPr>
               <a:t> method : frequency</a:t>
             </a:r>
-            <a:endParaRPr lang="en-US" dirty="0" smtClean="0">
-              <a:latin typeface="Trebuchet MS" pitchFamily="34" charset="0"/>
-              <a:ea typeface="Tahoma" pitchFamily="34" charset="0"/>
-              <a:cs typeface="Tahoma" pitchFamily="34" charset="0"/>
-            </a:endParaRPr>
           </a:p>
         </p:txBody>
       </p:sp>
@@ -15847,11 +15792,6 @@
               </a:rPr>
               <a:t> method : frequency</a:t>
             </a:r>
-            <a:endParaRPr lang="en-US" dirty="0" smtClean="0">
-              <a:latin typeface="Trebuchet MS" pitchFamily="34" charset="0"/>
-              <a:ea typeface="Tahoma" pitchFamily="34" charset="0"/>
-              <a:cs typeface="Tahoma" pitchFamily="34" charset="0"/>
-            </a:endParaRPr>
           </a:p>
         </p:txBody>
       </p:sp>
